--- a/outputs/Figures papier/Figure3.pptx
+++ b/outputs/Figures papier/Figure3.pptx
@@ -104,6 +104,11 @@
       </a:defRPr>
     </a:lvl9pPr>
   </p:defaultTextStyle>
+  <p:extLst>
+    <p:ext uri="{EFAFB233-063F-42B5-8137-9DF3F51BA10A}">
+      <p15:sldGuideLst xmlns:p15="http://schemas.microsoft.com/office/powerpoint/2012/main"/>
+    </p:ext>
+  </p:extLst>
 </p:presentation>
 </file>
 
@@ -238,7 +243,7 @@
           <a:p>
             <a:fld id="{CF97A134-FB87-44B0-94D1-6D4AE8ED7871}" type="datetimeFigureOut">
               <a:rPr lang="fr-FR" smtClean="0"/>
-              <a:t>26/07/2020</a:t>
+              <a:t>26/08/2020</a:t>
             </a:fld>
             <a:endParaRPr lang="fr-FR"/>
           </a:p>
@@ -408,7 +413,7 @@
           <a:p>
             <a:fld id="{CF97A134-FB87-44B0-94D1-6D4AE8ED7871}" type="datetimeFigureOut">
               <a:rPr lang="fr-FR" smtClean="0"/>
-              <a:t>26/07/2020</a:t>
+              <a:t>26/08/2020</a:t>
             </a:fld>
             <a:endParaRPr lang="fr-FR"/>
           </a:p>
@@ -588,7 +593,7 @@
           <a:p>
             <a:fld id="{CF97A134-FB87-44B0-94D1-6D4AE8ED7871}" type="datetimeFigureOut">
               <a:rPr lang="fr-FR" smtClean="0"/>
-              <a:t>26/07/2020</a:t>
+              <a:t>26/08/2020</a:t>
             </a:fld>
             <a:endParaRPr lang="fr-FR"/>
           </a:p>
@@ -758,7 +763,7 @@
           <a:p>
             <a:fld id="{CF97A134-FB87-44B0-94D1-6D4AE8ED7871}" type="datetimeFigureOut">
               <a:rPr lang="fr-FR" smtClean="0"/>
-              <a:t>26/07/2020</a:t>
+              <a:t>26/08/2020</a:t>
             </a:fld>
             <a:endParaRPr lang="fr-FR"/>
           </a:p>
@@ -1002,7 +1007,7 @@
           <a:p>
             <a:fld id="{CF97A134-FB87-44B0-94D1-6D4AE8ED7871}" type="datetimeFigureOut">
               <a:rPr lang="fr-FR" smtClean="0"/>
-              <a:t>26/07/2020</a:t>
+              <a:t>26/08/2020</a:t>
             </a:fld>
             <a:endParaRPr lang="fr-FR"/>
           </a:p>
@@ -1234,7 +1239,7 @@
           <a:p>
             <a:fld id="{CF97A134-FB87-44B0-94D1-6D4AE8ED7871}" type="datetimeFigureOut">
               <a:rPr lang="fr-FR" smtClean="0"/>
-              <a:t>26/07/2020</a:t>
+              <a:t>26/08/2020</a:t>
             </a:fld>
             <a:endParaRPr lang="fr-FR"/>
           </a:p>
@@ -1601,7 +1606,7 @@
           <a:p>
             <a:fld id="{CF97A134-FB87-44B0-94D1-6D4AE8ED7871}" type="datetimeFigureOut">
               <a:rPr lang="fr-FR" smtClean="0"/>
-              <a:t>26/07/2020</a:t>
+              <a:t>26/08/2020</a:t>
             </a:fld>
             <a:endParaRPr lang="fr-FR"/>
           </a:p>
@@ -1719,7 +1724,7 @@
           <a:p>
             <a:fld id="{CF97A134-FB87-44B0-94D1-6D4AE8ED7871}" type="datetimeFigureOut">
               <a:rPr lang="fr-FR" smtClean="0"/>
-              <a:t>26/07/2020</a:t>
+              <a:t>26/08/2020</a:t>
             </a:fld>
             <a:endParaRPr lang="fr-FR"/>
           </a:p>
@@ -1814,7 +1819,7 @@
           <a:p>
             <a:fld id="{CF97A134-FB87-44B0-94D1-6D4AE8ED7871}" type="datetimeFigureOut">
               <a:rPr lang="fr-FR" smtClean="0"/>
-              <a:t>26/07/2020</a:t>
+              <a:t>26/08/2020</a:t>
             </a:fld>
             <a:endParaRPr lang="fr-FR"/>
           </a:p>
@@ -2091,7 +2096,7 @@
           <a:p>
             <a:fld id="{CF97A134-FB87-44B0-94D1-6D4AE8ED7871}" type="datetimeFigureOut">
               <a:rPr lang="fr-FR" smtClean="0"/>
-              <a:t>26/07/2020</a:t>
+              <a:t>26/08/2020</a:t>
             </a:fld>
             <a:endParaRPr lang="fr-FR"/>
           </a:p>
@@ -2348,7 +2353,7 @@
           <a:p>
             <a:fld id="{CF97A134-FB87-44B0-94D1-6D4AE8ED7871}" type="datetimeFigureOut">
               <a:rPr lang="fr-FR" smtClean="0"/>
-              <a:t>26/07/2020</a:t>
+              <a:t>26/08/2020</a:t>
             </a:fld>
             <a:endParaRPr lang="fr-FR"/>
           </a:p>
@@ -2561,7 +2566,7 @@
           <a:p>
             <a:fld id="{CF97A134-FB87-44B0-94D1-6D4AE8ED7871}" type="datetimeFigureOut">
               <a:rPr lang="fr-FR" smtClean="0"/>
-              <a:t>26/07/2020</a:t>
+              <a:t>26/08/2020</a:t>
             </a:fld>
             <a:endParaRPr lang="fr-FR"/>
           </a:p>
@@ -2968,7 +2973,7 @@
       </p:grpSpPr>
       <p:grpSp>
         <p:nvGrpSpPr>
-          <p:cNvPr id="11" name="Groupe 10"/>
+          <p:cNvPr id="2" name="Groupe 1"/>
           <p:cNvGrpSpPr/>
           <p:nvPr/>
         </p:nvGrpSpPr>

--- a/outputs/Figures papier/Figure3.pptx
+++ b/outputs/Figures papier/Figure3.pptx
@@ -6,6 +6,7 @@
   </p:sldMasterIdLst>
   <p:sldIdLst>
     <p:sldId id="256" r:id="rId2"/>
+    <p:sldId id="257" r:id="rId3"/>
   </p:sldIdLst>
   <p:sldSz cx="12192000" cy="16256000"/>
   <p:notesSz cx="6858000" cy="9144000"/>
@@ -243,7 +244,7 @@
           <a:p>
             <a:fld id="{CF97A134-FB87-44B0-94D1-6D4AE8ED7871}" type="datetimeFigureOut">
               <a:rPr lang="fr-FR" smtClean="0"/>
-              <a:t>26/08/2020</a:t>
+              <a:t>08/09/2020</a:t>
             </a:fld>
             <a:endParaRPr lang="fr-FR"/>
           </a:p>
@@ -413,7 +414,7 @@
           <a:p>
             <a:fld id="{CF97A134-FB87-44B0-94D1-6D4AE8ED7871}" type="datetimeFigureOut">
               <a:rPr lang="fr-FR" smtClean="0"/>
-              <a:t>26/08/2020</a:t>
+              <a:t>08/09/2020</a:t>
             </a:fld>
             <a:endParaRPr lang="fr-FR"/>
           </a:p>
@@ -593,7 +594,7 @@
           <a:p>
             <a:fld id="{CF97A134-FB87-44B0-94D1-6D4AE8ED7871}" type="datetimeFigureOut">
               <a:rPr lang="fr-FR" smtClean="0"/>
-              <a:t>26/08/2020</a:t>
+              <a:t>08/09/2020</a:t>
             </a:fld>
             <a:endParaRPr lang="fr-FR"/>
           </a:p>
@@ -763,7 +764,7 @@
           <a:p>
             <a:fld id="{CF97A134-FB87-44B0-94D1-6D4AE8ED7871}" type="datetimeFigureOut">
               <a:rPr lang="fr-FR" smtClean="0"/>
-              <a:t>26/08/2020</a:t>
+              <a:t>08/09/2020</a:t>
             </a:fld>
             <a:endParaRPr lang="fr-FR"/>
           </a:p>
@@ -1007,7 +1008,7 @@
           <a:p>
             <a:fld id="{CF97A134-FB87-44B0-94D1-6D4AE8ED7871}" type="datetimeFigureOut">
               <a:rPr lang="fr-FR" smtClean="0"/>
-              <a:t>26/08/2020</a:t>
+              <a:t>08/09/2020</a:t>
             </a:fld>
             <a:endParaRPr lang="fr-FR"/>
           </a:p>
@@ -1239,7 +1240,7 @@
           <a:p>
             <a:fld id="{CF97A134-FB87-44B0-94D1-6D4AE8ED7871}" type="datetimeFigureOut">
               <a:rPr lang="fr-FR" smtClean="0"/>
-              <a:t>26/08/2020</a:t>
+              <a:t>08/09/2020</a:t>
             </a:fld>
             <a:endParaRPr lang="fr-FR"/>
           </a:p>
@@ -1606,7 +1607,7 @@
           <a:p>
             <a:fld id="{CF97A134-FB87-44B0-94D1-6D4AE8ED7871}" type="datetimeFigureOut">
               <a:rPr lang="fr-FR" smtClean="0"/>
-              <a:t>26/08/2020</a:t>
+              <a:t>08/09/2020</a:t>
             </a:fld>
             <a:endParaRPr lang="fr-FR"/>
           </a:p>
@@ -1724,7 +1725,7 @@
           <a:p>
             <a:fld id="{CF97A134-FB87-44B0-94D1-6D4AE8ED7871}" type="datetimeFigureOut">
               <a:rPr lang="fr-FR" smtClean="0"/>
-              <a:t>26/08/2020</a:t>
+              <a:t>08/09/2020</a:t>
             </a:fld>
             <a:endParaRPr lang="fr-FR"/>
           </a:p>
@@ -1819,7 +1820,7 @@
           <a:p>
             <a:fld id="{CF97A134-FB87-44B0-94D1-6D4AE8ED7871}" type="datetimeFigureOut">
               <a:rPr lang="fr-FR" smtClean="0"/>
-              <a:t>26/08/2020</a:t>
+              <a:t>08/09/2020</a:t>
             </a:fld>
             <a:endParaRPr lang="fr-FR"/>
           </a:p>
@@ -2096,7 +2097,7 @@
           <a:p>
             <a:fld id="{CF97A134-FB87-44B0-94D1-6D4AE8ED7871}" type="datetimeFigureOut">
               <a:rPr lang="fr-FR" smtClean="0"/>
-              <a:t>26/08/2020</a:t>
+              <a:t>08/09/2020</a:t>
             </a:fld>
             <a:endParaRPr lang="fr-FR"/>
           </a:p>
@@ -2353,7 +2354,7 @@
           <a:p>
             <a:fld id="{CF97A134-FB87-44B0-94D1-6D4AE8ED7871}" type="datetimeFigureOut">
               <a:rPr lang="fr-FR" smtClean="0"/>
-              <a:t>26/08/2020</a:t>
+              <a:t>08/09/2020</a:t>
             </a:fld>
             <a:endParaRPr lang="fr-FR"/>
           </a:p>
@@ -2566,7 +2567,7 @@
           <a:p>
             <a:fld id="{CF97A134-FB87-44B0-94D1-6D4AE8ED7871}" type="datetimeFigureOut">
               <a:rPr lang="fr-FR" smtClean="0"/>
-              <a:t>26/08/2020</a:t>
+              <a:t>08/09/2020</a:t>
             </a:fld>
             <a:endParaRPr lang="fr-FR"/>
           </a:p>
@@ -3196,6 +3197,2441 @@
 </p:sld>
 </file>
 
+<file path=ppt/slides/slide2.xml><?xml version="1.0" encoding="utf-8"?>
+<p:sld xmlns:a="http://schemas.openxmlformats.org/drawingml/2006/main" xmlns:r="http://schemas.openxmlformats.org/officeDocument/2006/relationships" xmlns:p="http://schemas.openxmlformats.org/presentationml/2006/main">
+  <p:cSld>
+    <p:spTree>
+      <p:nvGrpSpPr>
+        <p:cNvPr id="1" name=""/>
+        <p:cNvGrpSpPr/>
+        <p:nvPr/>
+      </p:nvGrpSpPr>
+      <p:grpSpPr>
+        <a:xfrm>
+          <a:off x="0" y="0"/>
+          <a:ext cx="0" cy="0"/>
+          <a:chOff x="0" y="0"/>
+          <a:chExt cx="0" cy="0"/>
+        </a:xfrm>
+      </p:grpSpPr>
+      <p:grpSp>
+        <p:nvGrpSpPr>
+          <p:cNvPr id="61" name="Groupe 60"/>
+          <p:cNvGrpSpPr/>
+          <p:nvPr/>
+        </p:nvGrpSpPr>
+        <p:grpSpPr>
+          <a:xfrm>
+            <a:off x="224589" y="593558"/>
+            <a:ext cx="11742822" cy="12432631"/>
+            <a:chOff x="0" y="593558"/>
+            <a:chExt cx="11967411" cy="12432631"/>
+          </a:xfrm>
+        </p:grpSpPr>
+        <p:sp>
+          <p:nvSpPr>
+            <p:cNvPr id="60" name="Rectangle 59"/>
+            <p:cNvSpPr/>
+            <p:nvPr/>
+          </p:nvSpPr>
+          <p:spPr>
+            <a:xfrm>
+              <a:off x="0" y="593558"/>
+              <a:ext cx="11967411" cy="12432631"/>
+            </a:xfrm>
+            <a:prstGeom prst="rect">
+              <a:avLst/>
+            </a:prstGeom>
+            <a:solidFill>
+              <a:schemeClr val="bg1"/>
+            </a:solidFill>
+            <a:ln>
+              <a:noFill/>
+            </a:ln>
+          </p:spPr>
+          <p:style>
+            <a:lnRef idx="2">
+              <a:schemeClr val="accent1">
+                <a:shade val="50000"/>
+              </a:schemeClr>
+            </a:lnRef>
+            <a:fillRef idx="1">
+              <a:schemeClr val="accent1"/>
+            </a:fillRef>
+            <a:effectRef idx="0">
+              <a:schemeClr val="accent1"/>
+            </a:effectRef>
+            <a:fontRef idx="minor">
+              <a:schemeClr val="lt1"/>
+            </a:fontRef>
+          </p:style>
+          <p:txBody>
+            <a:bodyPr rtlCol="0" anchor="ctr"/>
+            <a:lstStyle/>
+            <a:p>
+              <a:pPr algn="ctr"/>
+              <a:endParaRPr lang="fr-FR"/>
+            </a:p>
+          </p:txBody>
+        </p:sp>
+        <p:grpSp>
+          <p:nvGrpSpPr>
+            <p:cNvPr id="59" name="Groupe 58"/>
+            <p:cNvGrpSpPr/>
+            <p:nvPr/>
+          </p:nvGrpSpPr>
+          <p:grpSpPr>
+            <a:xfrm>
+              <a:off x="170054" y="819418"/>
+              <a:ext cx="11537020" cy="11975183"/>
+              <a:chOff x="170054" y="819418"/>
+              <a:chExt cx="11537020" cy="11975183"/>
+            </a:xfrm>
+          </p:grpSpPr>
+          <p:grpSp>
+            <p:nvGrpSpPr>
+              <p:cNvPr id="55" name="Groupe 54"/>
+              <p:cNvGrpSpPr/>
+              <p:nvPr/>
+            </p:nvGrpSpPr>
+            <p:grpSpPr>
+              <a:xfrm>
+                <a:off x="170054" y="7068960"/>
+                <a:ext cx="11537020" cy="5725641"/>
+                <a:chOff x="170054" y="6563637"/>
+                <a:chExt cx="11537020" cy="5725641"/>
+              </a:xfrm>
+            </p:grpSpPr>
+            <p:grpSp>
+              <p:nvGrpSpPr>
+                <p:cNvPr id="41" name="Groupe 40"/>
+                <p:cNvGrpSpPr/>
+                <p:nvPr/>
+              </p:nvGrpSpPr>
+              <p:grpSpPr>
+                <a:xfrm>
+                  <a:off x="170054" y="6563637"/>
+                  <a:ext cx="11196547" cy="5725641"/>
+                  <a:chOff x="170054" y="6563637"/>
+                  <a:chExt cx="11196547" cy="5725641"/>
+                </a:xfrm>
+              </p:grpSpPr>
+              <p:grpSp>
+                <p:nvGrpSpPr>
+                  <p:cNvPr id="40" name="Groupe 39"/>
+                  <p:cNvGrpSpPr/>
+                  <p:nvPr/>
+                </p:nvGrpSpPr>
+                <p:grpSpPr>
+                  <a:xfrm>
+                    <a:off x="170054" y="6563637"/>
+                    <a:ext cx="11196547" cy="5725641"/>
+                    <a:chOff x="170054" y="6563637"/>
+                    <a:chExt cx="11196547" cy="5725641"/>
+                  </a:xfrm>
+                </p:grpSpPr>
+                <p:grpSp>
+                  <p:nvGrpSpPr>
+                    <p:cNvPr id="39" name="Groupe 38"/>
+                    <p:cNvGrpSpPr/>
+                    <p:nvPr/>
+                  </p:nvGrpSpPr>
+                  <p:grpSpPr>
+                    <a:xfrm>
+                      <a:off x="170054" y="6563637"/>
+                      <a:ext cx="11196547" cy="5725641"/>
+                      <a:chOff x="170054" y="6563637"/>
+                      <a:chExt cx="11196547" cy="5725641"/>
+                    </a:xfrm>
+                  </p:grpSpPr>
+                  <p:grpSp>
+                    <p:nvGrpSpPr>
+                      <p:cNvPr id="34" name="Groupe 33"/>
+                      <p:cNvGrpSpPr/>
+                      <p:nvPr/>
+                    </p:nvGrpSpPr>
+                    <p:grpSpPr>
+                      <a:xfrm>
+                        <a:off x="170054" y="6563637"/>
+                        <a:ext cx="11196547" cy="5725641"/>
+                        <a:chOff x="170054" y="6563637"/>
+                        <a:chExt cx="11196547" cy="5725641"/>
+                      </a:xfrm>
+                    </p:grpSpPr>
+                    <p:grpSp>
+                      <p:nvGrpSpPr>
+                        <p:cNvPr id="27" name="Groupe 26"/>
+                        <p:cNvGrpSpPr/>
+                        <p:nvPr/>
+                      </p:nvGrpSpPr>
+                      <p:grpSpPr>
+                        <a:xfrm>
+                          <a:off x="170054" y="6563637"/>
+                          <a:ext cx="11196547" cy="5725641"/>
+                          <a:chOff x="170054" y="6563637"/>
+                          <a:chExt cx="11196547" cy="5725641"/>
+                        </a:xfrm>
+                      </p:grpSpPr>
+                      <p:grpSp>
+                        <p:nvGrpSpPr>
+                          <p:cNvPr id="21" name="Groupe 20"/>
+                          <p:cNvGrpSpPr/>
+                          <p:nvPr/>
+                        </p:nvGrpSpPr>
+                        <p:grpSpPr>
+                          <a:xfrm>
+                            <a:off x="170054" y="6563637"/>
+                            <a:ext cx="11158832" cy="5725641"/>
+                            <a:chOff x="170054" y="6563637"/>
+                            <a:chExt cx="11158832" cy="5725641"/>
+                          </a:xfrm>
+                        </p:grpSpPr>
+                        <p:grpSp>
+                          <p:nvGrpSpPr>
+                            <p:cNvPr id="10" name="Groupe 9"/>
+                            <p:cNvGrpSpPr/>
+                            <p:nvPr/>
+                          </p:nvGrpSpPr>
+                          <p:grpSpPr>
+                            <a:xfrm>
+                              <a:off x="170054" y="8967003"/>
+                              <a:ext cx="9198883" cy="3322275"/>
+                              <a:chOff x="170054" y="8967003"/>
+                              <a:chExt cx="9198883" cy="3322275"/>
+                            </a:xfrm>
+                          </p:grpSpPr>
+                          <p:pic>
+                            <p:nvPicPr>
+                              <p:cNvPr id="4" name="Image 3"/>
+                              <p:cNvPicPr>
+                                <a:picLocks noChangeAspect="1"/>
+                              </p:cNvPicPr>
+                              <p:nvPr/>
+                            </p:nvPicPr>
+                            <p:blipFill>
+                              <a:blip r:embed="rId2" cstate="print">
+                                <a:extLst>
+                                  <a:ext uri="{28A0092B-C50C-407E-A947-70E740481C1C}">
+                                    <a14:useLocalDpi xmlns:a14="http://schemas.microsoft.com/office/drawing/2010/main" val="0"/>
+                                  </a:ext>
+                                </a:extLst>
+                              </a:blip>
+                              <a:stretch>
+                                <a:fillRect/>
+                              </a:stretch>
+                            </p:blipFill>
+                            <p:spPr>
+                              <a:xfrm>
+                                <a:off x="170054" y="8967003"/>
+                                <a:ext cx="9198883" cy="3322275"/>
+                              </a:xfrm>
+                              <a:prstGeom prst="rect">
+                                <a:avLst/>
+                              </a:prstGeom>
+                            </p:spPr>
+                          </p:pic>
+                          <p:sp>
+                            <p:nvSpPr>
+                              <p:cNvPr id="5" name="ZoneTexte 4"/>
+                              <p:cNvSpPr txBox="1"/>
+                              <p:nvPr/>
+                            </p:nvSpPr>
+                            <p:spPr>
+                              <a:xfrm>
+                                <a:off x="533836" y="9216574"/>
+                                <a:ext cx="308397" cy="246221"/>
+                              </a:xfrm>
+                              <a:prstGeom prst="rect">
+                                <a:avLst/>
+                              </a:prstGeom>
+                              <a:noFill/>
+                            </p:spPr>
+                            <p:txBody>
+                              <a:bodyPr wrap="square" rtlCol="0">
+                                <a:spAutoFit/>
+                              </a:bodyPr>
+                              <a:lstStyle/>
+                              <a:p>
+                                <a:r>
+                                  <a:rPr lang="fr-FR" sz="1000" dirty="0" smtClean="0">
+                                    <a:latin typeface="Arial" panose="020B0604020202020204" pitchFamily="34" charset="0"/>
+                                    <a:cs typeface="Arial" panose="020B0604020202020204" pitchFamily="34" charset="0"/>
+                                  </a:rPr>
+                                  <a:t>0</a:t>
+                                </a:r>
+                                <a:endParaRPr lang="fr-FR" sz="1000" dirty="0">
+                                  <a:latin typeface="Arial" panose="020B0604020202020204" pitchFamily="34" charset="0"/>
+                                  <a:cs typeface="Arial" panose="020B0604020202020204" pitchFamily="34" charset="0"/>
+                                </a:endParaRPr>
+                              </a:p>
+                            </p:txBody>
+                          </p:sp>
+                        </p:grpSp>
+                        <p:pic>
+                          <p:nvPicPr>
+                            <p:cNvPr id="11" name="Image 10"/>
+                            <p:cNvPicPr>
+                              <a:picLocks noChangeAspect="1"/>
+                            </p:cNvPicPr>
+                            <p:nvPr/>
+                          </p:nvPicPr>
+                          <p:blipFill>
+                            <a:blip r:embed="rId3" cstate="print">
+                              <a:extLst>
+                                <a:ext uri="{28A0092B-C50C-407E-A947-70E740481C1C}">
+                                  <a14:useLocalDpi xmlns:a14="http://schemas.microsoft.com/office/drawing/2010/main" val="0"/>
+                                </a:ext>
+                              </a:extLst>
+                            </a:blip>
+                            <a:stretch>
+                              <a:fillRect/>
+                            </a:stretch>
+                          </p:blipFill>
+                          <p:spPr>
+                            <a:xfrm>
+                              <a:off x="7059406" y="6850293"/>
+                              <a:ext cx="2132739" cy="1512000"/>
+                            </a:xfrm>
+                            <a:prstGeom prst="rect">
+                              <a:avLst/>
+                            </a:prstGeom>
+                          </p:spPr>
+                        </p:pic>
+                        <p:pic>
+                          <p:nvPicPr>
+                            <p:cNvPr id="12" name="Image 11"/>
+                            <p:cNvPicPr>
+                              <a:picLocks noChangeAspect="1"/>
+                            </p:cNvPicPr>
+                            <p:nvPr/>
+                          </p:nvPicPr>
+                          <p:blipFill>
+                            <a:blip r:embed="rId4" cstate="print">
+                              <a:extLst>
+                                <a:ext uri="{28A0092B-C50C-407E-A947-70E740481C1C}">
+                                  <a14:useLocalDpi xmlns:a14="http://schemas.microsoft.com/office/drawing/2010/main" val="0"/>
+                                </a:ext>
+                              </a:extLst>
+                            </a:blip>
+                            <a:stretch>
+                              <a:fillRect/>
+                            </a:stretch>
+                          </p:blipFill>
+                          <p:spPr>
+                            <a:xfrm>
+                              <a:off x="552844" y="6850293"/>
+                              <a:ext cx="2124213" cy="1512000"/>
+                            </a:xfrm>
+                            <a:prstGeom prst="rect">
+                              <a:avLst/>
+                            </a:prstGeom>
+                          </p:spPr>
+                        </p:pic>
+                        <p:pic>
+                          <p:nvPicPr>
+                            <p:cNvPr id="13" name="Image 12"/>
+                            <p:cNvPicPr>
+                              <a:picLocks noChangeAspect="1"/>
+                            </p:cNvPicPr>
+                            <p:nvPr/>
+                          </p:nvPicPr>
+                          <p:blipFill>
+                            <a:blip r:embed="rId5" cstate="print">
+                              <a:extLst>
+                                <a:ext uri="{28A0092B-C50C-407E-A947-70E740481C1C}">
+                                  <a14:useLocalDpi xmlns:a14="http://schemas.microsoft.com/office/drawing/2010/main" val="0"/>
+                                </a:ext>
+                              </a:extLst>
+                            </a:blip>
+                            <a:stretch>
+                              <a:fillRect/>
+                            </a:stretch>
+                          </p:blipFill>
+                          <p:spPr>
+                            <a:xfrm>
+                              <a:off x="9204671" y="6850293"/>
+                              <a:ext cx="2122491" cy="1512000"/>
+                            </a:xfrm>
+                            <a:prstGeom prst="rect">
+                              <a:avLst/>
+                            </a:prstGeom>
+                          </p:spPr>
+                        </p:pic>
+                        <p:pic>
+                          <p:nvPicPr>
+                            <p:cNvPr id="14" name="Image 13"/>
+                            <p:cNvPicPr>
+                              <a:picLocks noChangeAspect="1"/>
+                            </p:cNvPicPr>
+                            <p:nvPr/>
+                          </p:nvPicPr>
+                          <p:blipFill>
+                            <a:blip r:embed="rId6" cstate="print">
+                              <a:extLst>
+                                <a:ext uri="{28A0092B-C50C-407E-A947-70E740481C1C}">
+                                  <a14:useLocalDpi xmlns:a14="http://schemas.microsoft.com/office/drawing/2010/main" val="0"/>
+                                </a:ext>
+                              </a:extLst>
+                            </a:blip>
+                            <a:stretch>
+                              <a:fillRect/>
+                            </a:stretch>
+                          </p:blipFill>
+                          <p:spPr>
+                            <a:xfrm>
+                              <a:off x="2689583" y="6850293"/>
+                              <a:ext cx="2124213" cy="1512000"/>
+                            </a:xfrm>
+                            <a:prstGeom prst="rect">
+                              <a:avLst/>
+                            </a:prstGeom>
+                          </p:spPr>
+                        </p:pic>
+                        <p:pic>
+                          <p:nvPicPr>
+                            <p:cNvPr id="15" name="Image 14"/>
+                            <p:cNvPicPr>
+                              <a:picLocks noChangeAspect="1"/>
+                            </p:cNvPicPr>
+                            <p:nvPr/>
+                          </p:nvPicPr>
+                          <p:blipFill>
+                            <a:blip r:embed="rId7">
+                              <a:extLst>
+                                <a:ext uri="{28A0092B-C50C-407E-A947-70E740481C1C}">
+                                  <a14:useLocalDpi xmlns:a14="http://schemas.microsoft.com/office/drawing/2010/main" val="0"/>
+                                </a:ext>
+                              </a:extLst>
+                            </a:blip>
+                            <a:stretch>
+                              <a:fillRect/>
+                            </a:stretch>
+                          </p:blipFill>
+                          <p:spPr>
+                            <a:xfrm>
+                              <a:off x="4826322" y="6850293"/>
+                              <a:ext cx="2220558" cy="1512000"/>
+                            </a:xfrm>
+                            <a:prstGeom prst="rect">
+                              <a:avLst/>
+                            </a:prstGeom>
+                          </p:spPr>
+                        </p:pic>
+                        <p:sp>
+                          <p:nvSpPr>
+                            <p:cNvPr id="16" name="ZoneTexte 15"/>
+                            <p:cNvSpPr txBox="1"/>
+                            <p:nvPr/>
+                          </p:nvSpPr>
+                          <p:spPr>
+                            <a:xfrm>
+                              <a:off x="552842" y="6563638"/>
+                              <a:ext cx="2124215" cy="276999"/>
+                            </a:xfrm>
+                            <a:prstGeom prst="rect">
+                              <a:avLst/>
+                            </a:prstGeom>
+                            <a:noFill/>
+                          </p:spPr>
+                          <p:txBody>
+                            <a:bodyPr wrap="square" rtlCol="0">
+                              <a:spAutoFit/>
+                            </a:bodyPr>
+                            <a:lstStyle/>
+                            <a:p>
+                              <a:pPr algn="ctr"/>
+                              <a:r>
+                                <a:rPr lang="fr-FR" sz="1200" b="1" dirty="0" smtClean="0">
+                                  <a:latin typeface="Arial" panose="020B0604020202020204" pitchFamily="34" charset="0"/>
+                                  <a:cs typeface="Arial" panose="020B0604020202020204" pitchFamily="34" charset="0"/>
+                                </a:rPr>
+                                <a:t>West Indian</a:t>
+                              </a:r>
+                              <a:endParaRPr lang="fr-FR" sz="1200" b="1" dirty="0">
+                                <a:latin typeface="Arial" panose="020B0604020202020204" pitchFamily="34" charset="0"/>
+                                <a:cs typeface="Arial" panose="020B0604020202020204" pitchFamily="34" charset="0"/>
+                              </a:endParaRPr>
+                            </a:p>
+                          </p:txBody>
+                        </p:sp>
+                        <p:sp>
+                          <p:nvSpPr>
+                            <p:cNvPr id="17" name="ZoneTexte 16"/>
+                            <p:cNvSpPr txBox="1"/>
+                            <p:nvPr/>
+                          </p:nvSpPr>
+                          <p:spPr>
+                            <a:xfrm>
+                              <a:off x="2677057" y="6563638"/>
+                              <a:ext cx="2124215" cy="276999"/>
+                            </a:xfrm>
+                            <a:prstGeom prst="rect">
+                              <a:avLst/>
+                            </a:prstGeom>
+                            <a:noFill/>
+                          </p:spPr>
+                          <p:txBody>
+                            <a:bodyPr wrap="square" rtlCol="0">
+                              <a:spAutoFit/>
+                            </a:bodyPr>
+                            <a:lstStyle/>
+                            <a:p>
+                              <a:pPr algn="ctr"/>
+                              <a:r>
+                                <a:rPr lang="fr-FR" sz="1200" b="1" dirty="0" smtClean="0">
+                                  <a:latin typeface="Arial" panose="020B0604020202020204" pitchFamily="34" charset="0"/>
+                                  <a:cs typeface="Arial" panose="020B0604020202020204" pitchFamily="34" charset="0"/>
+                                </a:rPr>
+                                <a:t>Central Indo-Pacific</a:t>
+                              </a:r>
+                              <a:endParaRPr lang="fr-FR" sz="1200" b="1" dirty="0">
+                                <a:latin typeface="Arial" panose="020B0604020202020204" pitchFamily="34" charset="0"/>
+                                <a:cs typeface="Arial" panose="020B0604020202020204" pitchFamily="34" charset="0"/>
+                              </a:endParaRPr>
+                            </a:p>
+                          </p:txBody>
+                        </p:sp>
+                        <p:sp>
+                          <p:nvSpPr>
+                            <p:cNvPr id="18" name="ZoneTexte 17"/>
+                            <p:cNvSpPr txBox="1"/>
+                            <p:nvPr/>
+                          </p:nvSpPr>
+                          <p:spPr>
+                            <a:xfrm>
+                              <a:off x="4813796" y="6563638"/>
+                              <a:ext cx="2199508" cy="276999"/>
+                            </a:xfrm>
+                            <a:prstGeom prst="rect">
+                              <a:avLst/>
+                            </a:prstGeom>
+                            <a:noFill/>
+                          </p:spPr>
+                          <p:txBody>
+                            <a:bodyPr wrap="square" rtlCol="0">
+                              <a:spAutoFit/>
+                            </a:bodyPr>
+                            <a:lstStyle/>
+                            <a:p>
+                              <a:pPr algn="ctr"/>
+                              <a:r>
+                                <a:rPr lang="fr-FR" sz="1200" b="1" dirty="0" smtClean="0">
+                                  <a:latin typeface="Arial" panose="020B0604020202020204" pitchFamily="34" charset="0"/>
+                                  <a:cs typeface="Arial" panose="020B0604020202020204" pitchFamily="34" charset="0"/>
+                                </a:rPr>
+                                <a:t>South-West Pacific</a:t>
+                              </a:r>
+                              <a:endParaRPr lang="fr-FR" sz="1200" b="1" dirty="0">
+                                <a:latin typeface="Arial" panose="020B0604020202020204" pitchFamily="34" charset="0"/>
+                                <a:cs typeface="Arial" panose="020B0604020202020204" pitchFamily="34" charset="0"/>
+                              </a:endParaRPr>
+                            </a:p>
+                          </p:txBody>
+                        </p:sp>
+                        <p:sp>
+                          <p:nvSpPr>
+                            <p:cNvPr id="19" name="ZoneTexte 18"/>
+                            <p:cNvSpPr txBox="1"/>
+                            <p:nvPr/>
+                          </p:nvSpPr>
+                          <p:spPr>
+                            <a:xfrm>
+                              <a:off x="7046880" y="6563638"/>
+                              <a:ext cx="2124215" cy="276999"/>
+                            </a:xfrm>
+                            <a:prstGeom prst="rect">
+                              <a:avLst/>
+                            </a:prstGeom>
+                            <a:noFill/>
+                          </p:spPr>
+                          <p:txBody>
+                            <a:bodyPr wrap="square" rtlCol="0">
+                              <a:spAutoFit/>
+                            </a:bodyPr>
+                            <a:lstStyle/>
+                            <a:p>
+                              <a:pPr algn="ctr"/>
+                              <a:r>
+                                <a:rPr lang="fr-FR" sz="1200" b="1" dirty="0" smtClean="0">
+                                  <a:latin typeface="Arial" panose="020B0604020202020204" pitchFamily="34" charset="0"/>
+                                  <a:cs typeface="Arial" panose="020B0604020202020204" pitchFamily="34" charset="0"/>
+                                </a:rPr>
+                                <a:t>Central Pacific</a:t>
+                              </a:r>
+                              <a:endParaRPr lang="fr-FR" sz="1200" b="1" dirty="0">
+                                <a:latin typeface="Arial" panose="020B0604020202020204" pitchFamily="34" charset="0"/>
+                                <a:cs typeface="Arial" panose="020B0604020202020204" pitchFamily="34" charset="0"/>
+                              </a:endParaRPr>
+                            </a:p>
+                          </p:txBody>
+                        </p:sp>
+                        <p:sp>
+                          <p:nvSpPr>
+                            <p:cNvPr id="20" name="ZoneTexte 19"/>
+                            <p:cNvSpPr txBox="1"/>
+                            <p:nvPr/>
+                          </p:nvSpPr>
+                          <p:spPr>
+                            <a:xfrm>
+                              <a:off x="9204671" y="6563637"/>
+                              <a:ext cx="2124215" cy="276999"/>
+                            </a:xfrm>
+                            <a:prstGeom prst="rect">
+                              <a:avLst/>
+                            </a:prstGeom>
+                            <a:noFill/>
+                          </p:spPr>
+                          <p:txBody>
+                            <a:bodyPr wrap="square" rtlCol="0">
+                              <a:spAutoFit/>
+                            </a:bodyPr>
+                            <a:lstStyle/>
+                            <a:p>
+                              <a:pPr algn="ctr"/>
+                              <a:r>
+                                <a:rPr lang="fr-FR" sz="1200" b="1" dirty="0" smtClean="0">
+                                  <a:latin typeface="Arial" panose="020B0604020202020204" pitchFamily="34" charset="0"/>
+                                  <a:cs typeface="Arial" panose="020B0604020202020204" pitchFamily="34" charset="0"/>
+                                </a:rPr>
+                                <a:t>Caribbean</a:t>
+                              </a:r>
+                              <a:endParaRPr lang="fr-FR" sz="1200" b="1" dirty="0">
+                                <a:latin typeface="Arial" panose="020B0604020202020204" pitchFamily="34" charset="0"/>
+                                <a:cs typeface="Arial" panose="020B0604020202020204" pitchFamily="34" charset="0"/>
+                              </a:endParaRPr>
+                            </a:p>
+                          </p:txBody>
+                        </p:sp>
+                      </p:grpSp>
+                      <p:sp>
+                        <p:nvSpPr>
+                          <p:cNvPr id="22" name="ZoneTexte 21"/>
+                          <p:cNvSpPr txBox="1"/>
+                          <p:nvPr/>
+                        </p:nvSpPr>
+                        <p:spPr>
+                          <a:xfrm>
+                            <a:off x="551119" y="8362293"/>
+                            <a:ext cx="2125937" cy="430887"/>
+                          </a:xfrm>
+                          <a:prstGeom prst="rect">
+                            <a:avLst/>
+                          </a:prstGeom>
+                          <a:noFill/>
+                        </p:spPr>
+                        <p:txBody>
+                          <a:bodyPr wrap="square" rtlCol="0">
+                            <a:spAutoFit/>
+                          </a:bodyPr>
+                          <a:lstStyle/>
+                          <a:p>
+                            <a:pPr algn="ctr"/>
+                            <a:r>
+                              <a:rPr lang="fr-FR" sz="1100" i="1" dirty="0" smtClean="0">
+                                <a:latin typeface="Arial" panose="020B0604020202020204" pitchFamily="34" charset="0"/>
+                                <a:cs typeface="Arial" panose="020B0604020202020204" pitchFamily="34" charset="0"/>
+                              </a:rPr>
+                              <a:t>4 sites</a:t>
+                            </a:r>
+                          </a:p>
+                          <a:p>
+                            <a:pPr algn="ctr"/>
+                            <a:r>
+                              <a:rPr lang="fr-FR" sz="1100" i="1" dirty="0" smtClean="0">
+                                <a:latin typeface="Arial" panose="020B0604020202020204" pitchFamily="34" charset="0"/>
+                                <a:cs typeface="Arial" panose="020B0604020202020204" pitchFamily="34" charset="0"/>
+                              </a:rPr>
+                              <a:t>16 stations</a:t>
+                            </a:r>
+                            <a:endParaRPr lang="fr-FR" sz="1100" i="1" dirty="0">
+                              <a:latin typeface="Arial" panose="020B0604020202020204" pitchFamily="34" charset="0"/>
+                              <a:cs typeface="Arial" panose="020B0604020202020204" pitchFamily="34" charset="0"/>
+                            </a:endParaRPr>
+                          </a:p>
+                        </p:txBody>
+                      </p:sp>
+                      <p:sp>
+                        <p:nvSpPr>
+                          <p:cNvPr id="23" name="ZoneTexte 22"/>
+                          <p:cNvSpPr txBox="1"/>
+                          <p:nvPr/>
+                        </p:nvSpPr>
+                        <p:spPr>
+                          <a:xfrm>
+                            <a:off x="2675335" y="8362293"/>
+                            <a:ext cx="2125937" cy="430887"/>
+                          </a:xfrm>
+                          <a:prstGeom prst="rect">
+                            <a:avLst/>
+                          </a:prstGeom>
+                          <a:noFill/>
+                        </p:spPr>
+                        <p:txBody>
+                          <a:bodyPr wrap="square" rtlCol="0">
+                            <a:spAutoFit/>
+                          </a:bodyPr>
+                          <a:lstStyle/>
+                          <a:p>
+                            <a:pPr algn="ctr"/>
+                            <a:r>
+                              <a:rPr lang="fr-FR" sz="1100" i="1" dirty="0" smtClean="0">
+                                <a:latin typeface="Arial" panose="020B0604020202020204" pitchFamily="34" charset="0"/>
+                                <a:cs typeface="Arial" panose="020B0604020202020204" pitchFamily="34" charset="0"/>
+                              </a:rPr>
+                              <a:t>11 sites</a:t>
+                            </a:r>
+                          </a:p>
+                          <a:p>
+                            <a:pPr algn="ctr"/>
+                            <a:r>
+                              <a:rPr lang="fr-FR" sz="1100" i="1" dirty="0" smtClean="0">
+                                <a:latin typeface="Arial" panose="020B0604020202020204" pitchFamily="34" charset="0"/>
+                                <a:cs typeface="Arial" panose="020B0604020202020204" pitchFamily="34" charset="0"/>
+                              </a:rPr>
+                              <a:t>46 stations</a:t>
+                            </a:r>
+                            <a:endParaRPr lang="fr-FR" sz="1100" i="1" dirty="0">
+                              <a:latin typeface="Arial" panose="020B0604020202020204" pitchFamily="34" charset="0"/>
+                              <a:cs typeface="Arial" panose="020B0604020202020204" pitchFamily="34" charset="0"/>
+                            </a:endParaRPr>
+                          </a:p>
+                        </p:txBody>
+                      </p:sp>
+                      <p:sp>
+                        <p:nvSpPr>
+                          <p:cNvPr id="24" name="ZoneTexte 23"/>
+                          <p:cNvSpPr txBox="1"/>
+                          <p:nvPr/>
+                        </p:nvSpPr>
+                        <p:spPr>
+                          <a:xfrm>
+                            <a:off x="4887367" y="8362292"/>
+                            <a:ext cx="2125937" cy="430887"/>
+                          </a:xfrm>
+                          <a:prstGeom prst="rect">
+                            <a:avLst/>
+                          </a:prstGeom>
+                          <a:noFill/>
+                        </p:spPr>
+                        <p:txBody>
+                          <a:bodyPr wrap="square" rtlCol="0">
+                            <a:spAutoFit/>
+                          </a:bodyPr>
+                          <a:lstStyle/>
+                          <a:p>
+                            <a:pPr algn="ctr"/>
+                            <a:r>
+                              <a:rPr lang="fr-FR" sz="1100" i="1" dirty="0">
+                                <a:latin typeface="Arial" panose="020B0604020202020204" pitchFamily="34" charset="0"/>
+                                <a:cs typeface="Arial" panose="020B0604020202020204" pitchFamily="34" charset="0"/>
+                              </a:rPr>
+                              <a:t>6</a:t>
+                            </a:r>
+                            <a:r>
+                              <a:rPr lang="fr-FR" sz="1100" i="1" dirty="0" smtClean="0">
+                                <a:latin typeface="Arial" panose="020B0604020202020204" pitchFamily="34" charset="0"/>
+                                <a:cs typeface="Arial" panose="020B0604020202020204" pitchFamily="34" charset="0"/>
+                              </a:rPr>
+                              <a:t> sites</a:t>
+                            </a:r>
+                          </a:p>
+                          <a:p>
+                            <a:pPr algn="ctr"/>
+                            <a:r>
+                              <a:rPr lang="fr-FR" sz="1100" i="1" dirty="0" smtClean="0">
+                                <a:latin typeface="Arial" panose="020B0604020202020204" pitchFamily="34" charset="0"/>
+                                <a:cs typeface="Arial" panose="020B0604020202020204" pitchFamily="34" charset="0"/>
+                              </a:rPr>
+                              <a:t>48 stations</a:t>
+                            </a:r>
+                            <a:endParaRPr lang="fr-FR" sz="1100" i="1" dirty="0">
+                              <a:latin typeface="Arial" panose="020B0604020202020204" pitchFamily="34" charset="0"/>
+                              <a:cs typeface="Arial" panose="020B0604020202020204" pitchFamily="34" charset="0"/>
+                            </a:endParaRPr>
+                          </a:p>
+                        </p:txBody>
+                      </p:sp>
+                      <p:sp>
+                        <p:nvSpPr>
+                          <p:cNvPr id="25" name="ZoneTexte 24"/>
+                          <p:cNvSpPr txBox="1"/>
+                          <p:nvPr/>
+                        </p:nvSpPr>
+                        <p:spPr>
+                          <a:xfrm>
+                            <a:off x="7107925" y="8362457"/>
+                            <a:ext cx="2125937" cy="430887"/>
+                          </a:xfrm>
+                          <a:prstGeom prst="rect">
+                            <a:avLst/>
+                          </a:prstGeom>
+                          <a:noFill/>
+                        </p:spPr>
+                        <p:txBody>
+                          <a:bodyPr wrap="square" rtlCol="0">
+                            <a:spAutoFit/>
+                          </a:bodyPr>
+                          <a:lstStyle/>
+                          <a:p>
+                            <a:pPr algn="ctr"/>
+                            <a:r>
+                              <a:rPr lang="fr-FR" sz="1100" i="1" dirty="0">
+                                <a:latin typeface="Arial" panose="020B0604020202020204" pitchFamily="34" charset="0"/>
+                                <a:cs typeface="Arial" panose="020B0604020202020204" pitchFamily="34" charset="0"/>
+                              </a:rPr>
+                              <a:t>1</a:t>
+                            </a:r>
+                            <a:r>
+                              <a:rPr lang="fr-FR" sz="1100" i="1" dirty="0" smtClean="0">
+                                <a:latin typeface="Arial" panose="020B0604020202020204" pitchFamily="34" charset="0"/>
+                                <a:cs typeface="Arial" panose="020B0604020202020204" pitchFamily="34" charset="0"/>
+                              </a:rPr>
+                              <a:t> site</a:t>
+                            </a:r>
+                          </a:p>
+                          <a:p>
+                            <a:pPr algn="ctr"/>
+                            <a:r>
+                              <a:rPr lang="fr-FR" sz="1100" i="1" dirty="0">
+                                <a:latin typeface="Arial" panose="020B0604020202020204" pitchFamily="34" charset="0"/>
+                                <a:cs typeface="Arial" panose="020B0604020202020204" pitchFamily="34" charset="0"/>
+                              </a:rPr>
+                              <a:t>4</a:t>
+                            </a:r>
+                            <a:r>
+                              <a:rPr lang="fr-FR" sz="1100" i="1" dirty="0" smtClean="0">
+                                <a:latin typeface="Arial" panose="020B0604020202020204" pitchFamily="34" charset="0"/>
+                                <a:cs typeface="Arial" panose="020B0604020202020204" pitchFamily="34" charset="0"/>
+                              </a:rPr>
+                              <a:t> stations</a:t>
+                            </a:r>
+                            <a:endParaRPr lang="fr-FR" sz="1100" i="1" dirty="0">
+                              <a:latin typeface="Arial" panose="020B0604020202020204" pitchFamily="34" charset="0"/>
+                              <a:cs typeface="Arial" panose="020B0604020202020204" pitchFamily="34" charset="0"/>
+                            </a:endParaRPr>
+                          </a:p>
+                        </p:txBody>
+                      </p:sp>
+                      <p:sp>
+                        <p:nvSpPr>
+                          <p:cNvPr id="26" name="ZoneTexte 25"/>
+                          <p:cNvSpPr txBox="1"/>
+                          <p:nvPr/>
+                        </p:nvSpPr>
+                        <p:spPr>
+                          <a:xfrm>
+                            <a:off x="9240664" y="8362292"/>
+                            <a:ext cx="2125937" cy="430887"/>
+                          </a:xfrm>
+                          <a:prstGeom prst="rect">
+                            <a:avLst/>
+                          </a:prstGeom>
+                          <a:noFill/>
+                        </p:spPr>
+                        <p:txBody>
+                          <a:bodyPr wrap="square" rtlCol="0">
+                            <a:spAutoFit/>
+                          </a:bodyPr>
+                          <a:lstStyle/>
+                          <a:p>
+                            <a:pPr algn="ctr"/>
+                            <a:r>
+                              <a:rPr lang="fr-FR" sz="1100" i="1" dirty="0">
+                                <a:latin typeface="Arial" panose="020B0604020202020204" pitchFamily="34" charset="0"/>
+                                <a:cs typeface="Arial" panose="020B0604020202020204" pitchFamily="34" charset="0"/>
+                              </a:rPr>
+                              <a:t>3</a:t>
+                            </a:r>
+                            <a:r>
+                              <a:rPr lang="fr-FR" sz="1100" i="1" dirty="0" smtClean="0">
+                                <a:latin typeface="Arial" panose="020B0604020202020204" pitchFamily="34" charset="0"/>
+                                <a:cs typeface="Arial" panose="020B0604020202020204" pitchFamily="34" charset="0"/>
+                              </a:rPr>
+                              <a:t> sites</a:t>
+                            </a:r>
+                          </a:p>
+                          <a:p>
+                            <a:pPr algn="ctr"/>
+                            <a:r>
+                              <a:rPr lang="fr-FR" sz="1100" i="1" dirty="0" smtClean="0">
+                                <a:latin typeface="Arial" panose="020B0604020202020204" pitchFamily="34" charset="0"/>
+                                <a:cs typeface="Arial" panose="020B0604020202020204" pitchFamily="34" charset="0"/>
+                              </a:rPr>
+                              <a:t>31 stations</a:t>
+                            </a:r>
+                            <a:endParaRPr lang="fr-FR" sz="1100" i="1" dirty="0">
+                              <a:latin typeface="Arial" panose="020B0604020202020204" pitchFamily="34" charset="0"/>
+                              <a:cs typeface="Arial" panose="020B0604020202020204" pitchFamily="34" charset="0"/>
+                            </a:endParaRPr>
+                          </a:p>
+                        </p:txBody>
+                      </p:sp>
+                    </p:grpSp>
+                    <p:sp>
+                      <p:nvSpPr>
+                        <p:cNvPr id="29" name="ZoneTexte 28"/>
+                        <p:cNvSpPr txBox="1"/>
+                        <p:nvPr/>
+                      </p:nvSpPr>
+                      <p:spPr>
+                        <a:xfrm>
+                          <a:off x="8784986" y="8798022"/>
+                          <a:ext cx="262770" cy="276999"/>
+                        </a:xfrm>
+                        <a:prstGeom prst="rect">
+                          <a:avLst/>
+                        </a:prstGeom>
+                        <a:noFill/>
+                      </p:spPr>
+                      <p:txBody>
+                        <a:bodyPr wrap="square" rtlCol="0">
+                          <a:spAutoFit/>
+                        </a:bodyPr>
+                        <a:lstStyle/>
+                        <a:p>
+                          <a:r>
+                            <a:rPr lang="el-GR" sz="1200" b="1" i="1" dirty="0" smtClean="0">
+                              <a:latin typeface="Arial" panose="020B0604020202020204" pitchFamily="34" charset="0"/>
+                              <a:cs typeface="Arial" panose="020B0604020202020204" pitchFamily="34" charset="0"/>
+                            </a:rPr>
+                            <a:t>γ</a:t>
+                          </a:r>
+                          <a:endParaRPr lang="fr-FR" sz="1200" b="1" i="1" dirty="0">
+                            <a:latin typeface="Arial" panose="020B0604020202020204" pitchFamily="34" charset="0"/>
+                            <a:cs typeface="Arial" panose="020B0604020202020204" pitchFamily="34" charset="0"/>
+                          </a:endParaRPr>
+                        </a:p>
+                      </p:txBody>
+                    </p:sp>
+                    <mc:AlternateContent xmlns:mc="http://schemas.openxmlformats.org/markup-compatibility/2006" xmlns:a14="http://schemas.microsoft.com/office/drawing/2010/main">
+                      <mc:Choice Requires="a14">
+                        <p:sp>
+                          <p:nvSpPr>
+                            <p:cNvPr id="30" name="ZoneTexte 29"/>
+                            <p:cNvSpPr txBox="1"/>
+                            <p:nvPr/>
+                          </p:nvSpPr>
+                          <p:spPr>
+                            <a:xfrm>
+                              <a:off x="6613646" y="9257264"/>
+                              <a:ext cx="399658" cy="276999"/>
+                            </a:xfrm>
+                            <a:prstGeom prst="rect">
+                              <a:avLst/>
+                            </a:prstGeom>
+                            <a:noFill/>
+                          </p:spPr>
+                          <p:txBody>
+                            <a:bodyPr wrap="square" rtlCol="0">
+                              <a:spAutoFit/>
+                            </a:bodyPr>
+                            <a:lstStyle/>
+                            <a:p>
+                              <a:pPr/>
+                              <a14:m>
+                                <m:oMathPara xmlns:m="http://schemas.openxmlformats.org/officeDocument/2006/math">
+                                  <m:oMathParaPr>
+                                    <m:jc m:val="centerGroup"/>
+                                  </m:oMathParaPr>
+                                  <m:oMath xmlns:m="http://schemas.openxmlformats.org/officeDocument/2006/math">
+                                    <m:sSub>
+                                      <m:sSubPr>
+                                        <m:ctrlPr>
+                                          <a:rPr lang="fr-FR" sz="1200" b="1" i="1" smtClean="0">
+                                            <a:latin typeface="Cambria Math" panose="02040503050406030204" pitchFamily="18" charset="0"/>
+                                          </a:rPr>
+                                        </m:ctrlPr>
+                                      </m:sSubPr>
+                                      <m:e>
+                                        <m:r>
+                                          <a:rPr lang="fr-FR" sz="1200" b="1" i="1" smtClean="0">
+                                            <a:latin typeface="Cambria Math" panose="02040503050406030204" pitchFamily="18" charset="0"/>
+                                            <a:ea typeface="Cambria Math" panose="02040503050406030204" pitchFamily="18" charset="0"/>
+                                          </a:rPr>
+                                          <m:t>𝜷</m:t>
+                                        </m:r>
+                                      </m:e>
+                                      <m:sub>
+                                        <m:r>
+                                          <a:rPr lang="fr-FR" sz="1200" b="1" i="1" smtClean="0">
+                                            <a:latin typeface="Cambria Math" panose="02040503050406030204" pitchFamily="18" charset="0"/>
+                                          </a:rPr>
+                                          <m:t>𝒓</m:t>
+                                        </m:r>
+                                      </m:sub>
+                                    </m:sSub>
+                                  </m:oMath>
+                                </m:oMathPara>
+                              </a14:m>
+                              <a:endParaRPr lang="fr-FR" sz="1200" b="1" dirty="0">
+                                <a:latin typeface="Arial" panose="020B0604020202020204" pitchFamily="34" charset="0"/>
+                                <a:cs typeface="Arial" panose="020B0604020202020204" pitchFamily="34" charset="0"/>
+                              </a:endParaRPr>
+                            </a:p>
+                          </p:txBody>
+                        </p:sp>
+                      </mc:Choice>
+                      <mc:Fallback xmlns="">
+                        <p:sp>
+                          <p:nvSpPr>
+                            <p:cNvPr id="30" name="ZoneTexte 29"/>
+                            <p:cNvSpPr txBox="1">
+                              <a:spLocks noRot="1" noChangeAspect="1" noMove="1" noResize="1" noEditPoints="1" noAdjustHandles="1" noChangeArrowheads="1" noChangeShapeType="1" noTextEdit="1"/>
+                            </p:cNvSpPr>
+                            <p:nvPr/>
+                          </p:nvSpPr>
+                          <p:spPr>
+                            <a:xfrm>
+                              <a:off x="6613646" y="9257264"/>
+                              <a:ext cx="399658" cy="276999"/>
+                            </a:xfrm>
+                            <a:prstGeom prst="rect">
+                              <a:avLst/>
+                            </a:prstGeom>
+                            <a:blipFill>
+                              <a:blip r:embed="rId8"/>
+                              <a:stretch>
+                                <a:fillRect b="-6522"/>
+                              </a:stretch>
+                            </a:blipFill>
+                          </p:spPr>
+                          <p:txBody>
+                            <a:bodyPr/>
+                            <a:lstStyle/>
+                            <a:p>
+                              <a:r>
+                                <a:rPr lang="fr-FR">
+                                  <a:noFill/>
+                                </a:rPr>
+                                <a:t> </a:t>
+                              </a:r>
+                            </a:p>
+                          </p:txBody>
+                        </p:sp>
+                      </mc:Fallback>
+                    </mc:AlternateContent>
+                    <mc:AlternateContent xmlns:mc="http://schemas.openxmlformats.org/markup-compatibility/2006" xmlns:a14="http://schemas.microsoft.com/office/drawing/2010/main">
+                      <mc:Choice Requires="a14">
+                        <p:sp>
+                          <p:nvSpPr>
+                            <p:cNvPr id="31" name="ZoneTexte 30"/>
+                            <p:cNvSpPr txBox="1"/>
+                            <p:nvPr/>
+                          </p:nvSpPr>
+                          <p:spPr>
+                            <a:xfrm>
+                              <a:off x="1618582" y="9875157"/>
+                              <a:ext cx="399658" cy="281167"/>
+                            </a:xfrm>
+                            <a:prstGeom prst="rect">
+                              <a:avLst/>
+                            </a:prstGeom>
+                            <a:noFill/>
+                          </p:spPr>
+                          <p:txBody>
+                            <a:bodyPr wrap="square" rtlCol="0">
+                              <a:spAutoFit/>
+                            </a:bodyPr>
+                            <a:lstStyle/>
+                            <a:p>
+                              <a:pPr/>
+                              <a14:m>
+                                <m:oMathPara xmlns:m="http://schemas.openxmlformats.org/officeDocument/2006/math">
+                                  <m:oMathParaPr>
+                                    <m:jc m:val="centerGroup"/>
+                                  </m:oMathParaPr>
+                                  <m:oMath xmlns:m="http://schemas.openxmlformats.org/officeDocument/2006/math">
+                                    <m:sSub>
+                                      <m:sSubPr>
+                                        <m:ctrlPr>
+                                          <a:rPr lang="fr-FR" sz="1200" b="1" i="1" smtClean="0">
+                                            <a:latin typeface="Cambria Math" panose="02040503050406030204" pitchFamily="18" charset="0"/>
+                                          </a:rPr>
+                                        </m:ctrlPr>
+                                      </m:sSubPr>
+                                      <m:e>
+                                        <m:acc>
+                                          <m:accPr>
+                                            <m:chr m:val="̅"/>
+                                            <m:ctrlPr>
+                                              <a:rPr lang="fr-FR" sz="1200" b="1" i="1" smtClean="0">
+                                                <a:latin typeface="Cambria Math" panose="02040503050406030204" pitchFamily="18" charset="0"/>
+                                              </a:rPr>
+                                            </m:ctrlPr>
+                                          </m:accPr>
+                                          <m:e>
+                                            <m:r>
+                                              <a:rPr lang="fr-FR" sz="1200" b="1" i="1">
+                                                <a:latin typeface="Cambria Math" panose="02040503050406030204" pitchFamily="18" charset="0"/>
+                                                <a:ea typeface="Cambria Math" panose="02040503050406030204" pitchFamily="18" charset="0"/>
+                                              </a:rPr>
+                                              <m:t>𝜷</m:t>
+                                            </m:r>
+                                          </m:e>
+                                        </m:acc>
+                                      </m:e>
+                                      <m:sub>
+                                        <m:r>
+                                          <a:rPr lang="fr-FR" sz="1200" b="1" i="1" smtClean="0">
+                                            <a:latin typeface="Cambria Math" panose="02040503050406030204" pitchFamily="18" charset="0"/>
+                                          </a:rPr>
+                                          <m:t>𝒔</m:t>
+                                        </m:r>
+                                      </m:sub>
+                                    </m:sSub>
+                                  </m:oMath>
+                                </m:oMathPara>
+                              </a14:m>
+                              <a:endParaRPr lang="fr-FR" sz="1200" b="1" dirty="0">
+                                <a:latin typeface="Arial" panose="020B0604020202020204" pitchFamily="34" charset="0"/>
+                                <a:cs typeface="Arial" panose="020B0604020202020204" pitchFamily="34" charset="0"/>
+                              </a:endParaRPr>
+                            </a:p>
+                          </p:txBody>
+                        </p:sp>
+                      </mc:Choice>
+                      <mc:Fallback xmlns="">
+                        <p:sp>
+                          <p:nvSpPr>
+                            <p:cNvPr id="31" name="ZoneTexte 30"/>
+                            <p:cNvSpPr txBox="1">
+                              <a:spLocks noRot="1" noChangeAspect="1" noMove="1" noResize="1" noEditPoints="1" noAdjustHandles="1" noChangeArrowheads="1" noChangeShapeType="1" noTextEdit="1"/>
+                            </p:cNvSpPr>
+                            <p:nvPr/>
+                          </p:nvSpPr>
+                          <p:spPr>
+                            <a:xfrm>
+                              <a:off x="1618582" y="9875157"/>
+                              <a:ext cx="399658" cy="281167"/>
+                            </a:xfrm>
+                            <a:prstGeom prst="rect">
+                              <a:avLst/>
+                            </a:prstGeom>
+                            <a:blipFill>
+                              <a:blip r:embed="rId9"/>
+                              <a:stretch>
+                                <a:fillRect b="-6522"/>
+                              </a:stretch>
+                            </a:blipFill>
+                          </p:spPr>
+                          <p:txBody>
+                            <a:bodyPr/>
+                            <a:lstStyle/>
+                            <a:p>
+                              <a:r>
+                                <a:rPr lang="fr-FR">
+                                  <a:noFill/>
+                                </a:rPr>
+                                <a:t> </a:t>
+                              </a:r>
+                            </a:p>
+                          </p:txBody>
+                        </p:sp>
+                      </mc:Fallback>
+                    </mc:AlternateContent>
+                    <mc:AlternateContent xmlns:mc="http://schemas.openxmlformats.org/markup-compatibility/2006" xmlns:a14="http://schemas.microsoft.com/office/drawing/2010/main">
+                      <mc:Choice Requires="a14">
+                        <p:sp>
+                          <p:nvSpPr>
+                            <p:cNvPr id="32" name="ZoneTexte 31"/>
+                            <p:cNvSpPr txBox="1"/>
+                            <p:nvPr/>
+                          </p:nvSpPr>
+                          <p:spPr>
+                            <a:xfrm>
+                              <a:off x="1042115" y="10596679"/>
+                              <a:ext cx="399658" cy="281167"/>
+                            </a:xfrm>
+                            <a:prstGeom prst="rect">
+                              <a:avLst/>
+                            </a:prstGeom>
+                            <a:noFill/>
+                          </p:spPr>
+                          <p:txBody>
+                            <a:bodyPr wrap="square" rtlCol="0">
+                              <a:spAutoFit/>
+                            </a:bodyPr>
+                            <a:lstStyle/>
+                            <a:p>
+                              <a:pPr/>
+                              <a14:m>
+                                <m:oMathPara xmlns:m="http://schemas.openxmlformats.org/officeDocument/2006/math">
+                                  <m:oMathParaPr>
+                                    <m:jc m:val="centerGroup"/>
+                                  </m:oMathParaPr>
+                                  <m:oMath xmlns:m="http://schemas.openxmlformats.org/officeDocument/2006/math">
+                                    <m:sSub>
+                                      <m:sSubPr>
+                                        <m:ctrlPr>
+                                          <a:rPr lang="fr-FR" sz="1200" b="1" i="1" smtClean="0">
+                                            <a:latin typeface="Cambria Math" panose="02040503050406030204" pitchFamily="18" charset="0"/>
+                                          </a:rPr>
+                                        </m:ctrlPr>
+                                      </m:sSubPr>
+                                      <m:e>
+                                        <m:acc>
+                                          <m:accPr>
+                                            <m:chr m:val="̅"/>
+                                            <m:ctrlPr>
+                                              <a:rPr lang="fr-FR" sz="1200" b="1" i="1" smtClean="0">
+                                                <a:latin typeface="Cambria Math" panose="02040503050406030204" pitchFamily="18" charset="0"/>
+                                              </a:rPr>
+                                            </m:ctrlPr>
+                                          </m:accPr>
+                                          <m:e>
+                                            <m:r>
+                                              <a:rPr lang="fr-FR" sz="1200" b="1" i="1">
+                                                <a:latin typeface="Cambria Math" panose="02040503050406030204" pitchFamily="18" charset="0"/>
+                                                <a:ea typeface="Cambria Math" panose="02040503050406030204" pitchFamily="18" charset="0"/>
+                                              </a:rPr>
+                                              <m:t>𝜷</m:t>
+                                            </m:r>
+                                          </m:e>
+                                        </m:acc>
+                                      </m:e>
+                                      <m:sub>
+                                        <m:r>
+                                          <a:rPr lang="fr-FR" sz="1200" b="1" i="1" smtClean="0">
+                                            <a:latin typeface="Cambria Math" panose="02040503050406030204" pitchFamily="18" charset="0"/>
+                                          </a:rPr>
+                                          <m:t>𝒔𝒕</m:t>
+                                        </m:r>
+                                      </m:sub>
+                                    </m:sSub>
+                                  </m:oMath>
+                                </m:oMathPara>
+                              </a14:m>
+                              <a:endParaRPr lang="fr-FR" sz="1200" b="1" dirty="0">
+                                <a:latin typeface="Arial" panose="020B0604020202020204" pitchFamily="34" charset="0"/>
+                                <a:cs typeface="Arial" panose="020B0604020202020204" pitchFamily="34" charset="0"/>
+                              </a:endParaRPr>
+                            </a:p>
+                          </p:txBody>
+                        </p:sp>
+                      </mc:Choice>
+                      <mc:Fallback xmlns="">
+                        <p:sp>
+                          <p:nvSpPr>
+                            <p:cNvPr id="32" name="ZoneTexte 31"/>
+                            <p:cNvSpPr txBox="1">
+                              <a:spLocks noRot="1" noChangeAspect="1" noMove="1" noResize="1" noEditPoints="1" noAdjustHandles="1" noChangeArrowheads="1" noChangeShapeType="1" noTextEdit="1"/>
+                            </p:cNvSpPr>
+                            <p:nvPr/>
+                          </p:nvSpPr>
+                          <p:spPr>
+                            <a:xfrm>
+                              <a:off x="1042115" y="10596679"/>
+                              <a:ext cx="399658" cy="281167"/>
+                            </a:xfrm>
+                            <a:prstGeom prst="rect">
+                              <a:avLst/>
+                            </a:prstGeom>
+                            <a:blipFill>
+                              <a:blip r:embed="rId10"/>
+                              <a:stretch>
+                                <a:fillRect b="-8696"/>
+                              </a:stretch>
+                            </a:blipFill>
+                          </p:spPr>
+                          <p:txBody>
+                            <a:bodyPr/>
+                            <a:lstStyle/>
+                            <a:p>
+                              <a:r>
+                                <a:rPr lang="fr-FR">
+                                  <a:noFill/>
+                                </a:rPr>
+                                <a:t> </a:t>
+                              </a:r>
+                            </a:p>
+                          </p:txBody>
+                        </p:sp>
+                      </mc:Fallback>
+                    </mc:AlternateContent>
+                    <mc:AlternateContent xmlns:mc="http://schemas.openxmlformats.org/markup-compatibility/2006" xmlns:a14="http://schemas.microsoft.com/office/drawing/2010/main">
+                      <mc:Choice Requires="a14">
+                        <p:sp>
+                          <p:nvSpPr>
+                            <p:cNvPr id="33" name="ZoneTexte 32"/>
+                            <p:cNvSpPr txBox="1"/>
+                            <p:nvPr/>
+                          </p:nvSpPr>
+                          <p:spPr>
+                            <a:xfrm>
+                              <a:off x="810387" y="11371049"/>
+                              <a:ext cx="399658" cy="276999"/>
+                            </a:xfrm>
+                            <a:prstGeom prst="rect">
+                              <a:avLst/>
+                            </a:prstGeom>
+                            <a:noFill/>
+                          </p:spPr>
+                          <p:txBody>
+                            <a:bodyPr wrap="square" rtlCol="0">
+                              <a:spAutoFit/>
+                            </a:bodyPr>
+                            <a:lstStyle/>
+                            <a:p>
+                              <a:pPr/>
+                              <a14:m>
+                                <m:oMathPara xmlns:m="http://schemas.openxmlformats.org/officeDocument/2006/math">
+                                  <m:oMathParaPr>
+                                    <m:jc m:val="centerGroup"/>
+                                  </m:oMathParaPr>
+                                  <m:oMath xmlns:m="http://schemas.openxmlformats.org/officeDocument/2006/math">
+                                    <m:acc>
+                                      <m:accPr>
+                                        <m:chr m:val="̅"/>
+                                        <m:ctrlPr>
+                                          <a:rPr lang="fr-FR" sz="1200" b="1" i="1" smtClean="0">
+                                            <a:latin typeface="Cambria Math" panose="02040503050406030204" pitchFamily="18" charset="0"/>
+                                            <a:cs typeface="Arial" panose="020B0604020202020204" pitchFamily="34" charset="0"/>
+                                          </a:rPr>
+                                        </m:ctrlPr>
+                                      </m:accPr>
+                                      <m:e>
+                                        <m:r>
+                                          <a:rPr lang="fr-FR" sz="1200" b="1" i="1" smtClean="0">
+                                            <a:latin typeface="Cambria Math" panose="02040503050406030204" pitchFamily="18" charset="0"/>
+                                            <a:ea typeface="Cambria Math" panose="02040503050406030204" pitchFamily="18" charset="0"/>
+                                            <a:cs typeface="Arial" panose="020B0604020202020204" pitchFamily="34" charset="0"/>
+                                          </a:rPr>
+                                          <m:t>𝜶</m:t>
+                                        </m:r>
+                                      </m:e>
+                                    </m:acc>
+                                  </m:oMath>
+                                </m:oMathPara>
+                              </a14:m>
+                              <a:endParaRPr lang="fr-FR" sz="1200" b="1" dirty="0">
+                                <a:latin typeface="Arial" panose="020B0604020202020204" pitchFamily="34" charset="0"/>
+                                <a:cs typeface="Arial" panose="020B0604020202020204" pitchFamily="34" charset="0"/>
+                              </a:endParaRPr>
+                            </a:p>
+                          </p:txBody>
+                        </p:sp>
+                      </mc:Choice>
+                      <mc:Fallback xmlns="">
+                        <p:sp>
+                          <p:nvSpPr>
+                            <p:cNvPr id="33" name="ZoneTexte 32"/>
+                            <p:cNvSpPr txBox="1">
+                              <a:spLocks noRot="1" noChangeAspect="1" noMove="1" noResize="1" noEditPoints="1" noAdjustHandles="1" noChangeArrowheads="1" noChangeShapeType="1" noTextEdit="1"/>
+                            </p:cNvSpPr>
+                            <p:nvPr/>
+                          </p:nvSpPr>
+                          <p:spPr>
+                            <a:xfrm>
+                              <a:off x="810387" y="11371049"/>
+                              <a:ext cx="399658" cy="276999"/>
+                            </a:xfrm>
+                            <a:prstGeom prst="rect">
+                              <a:avLst/>
+                            </a:prstGeom>
+                            <a:blipFill>
+                              <a:blip r:embed="rId11"/>
+                              <a:stretch>
+                                <a:fillRect/>
+                              </a:stretch>
+                            </a:blipFill>
+                          </p:spPr>
+                          <p:txBody>
+                            <a:bodyPr/>
+                            <a:lstStyle/>
+                            <a:p>
+                              <a:r>
+                                <a:rPr lang="fr-FR">
+                                  <a:noFill/>
+                                </a:rPr>
+                                <a:t> </a:t>
+                              </a:r>
+                            </a:p>
+                          </p:txBody>
+                        </p:sp>
+                      </mc:Fallback>
+                    </mc:AlternateContent>
+                  </p:grpSp>
+                  <p:sp>
+                    <p:nvSpPr>
+                      <p:cNvPr id="35" name="ZoneTexte 34"/>
+                      <p:cNvSpPr txBox="1"/>
+                      <p:nvPr/>
+                    </p:nvSpPr>
+                    <p:spPr>
+                      <a:xfrm>
+                        <a:off x="533836" y="9656445"/>
+                        <a:ext cx="308397" cy="246221"/>
+                      </a:xfrm>
+                      <a:prstGeom prst="rect">
+                        <a:avLst/>
+                      </a:prstGeom>
+                      <a:noFill/>
+                    </p:spPr>
+                    <p:txBody>
+                      <a:bodyPr wrap="square" rtlCol="0">
+                        <a:spAutoFit/>
+                      </a:bodyPr>
+                      <a:lstStyle/>
+                      <a:p>
+                        <a:r>
+                          <a:rPr lang="fr-FR" sz="1000" dirty="0" smtClean="0">
+                            <a:latin typeface="Arial" panose="020B0604020202020204" pitchFamily="34" charset="0"/>
+                            <a:cs typeface="Arial" panose="020B0604020202020204" pitchFamily="34" charset="0"/>
+                          </a:rPr>
+                          <a:t>0</a:t>
+                        </a:r>
+                        <a:endParaRPr lang="fr-FR" sz="1000" dirty="0">
+                          <a:latin typeface="Arial" panose="020B0604020202020204" pitchFamily="34" charset="0"/>
+                          <a:cs typeface="Arial" panose="020B0604020202020204" pitchFamily="34" charset="0"/>
+                        </a:endParaRPr>
+                      </a:p>
+                    </p:txBody>
+                  </p:sp>
+                </p:grpSp>
+                <p:sp>
+                  <p:nvSpPr>
+                    <p:cNvPr id="36" name="ZoneTexte 35"/>
+                    <p:cNvSpPr txBox="1"/>
+                    <p:nvPr/>
+                  </p:nvSpPr>
+                  <p:spPr>
+                    <a:xfrm>
+                      <a:off x="523256" y="10491568"/>
+                      <a:ext cx="308397" cy="246221"/>
+                    </a:xfrm>
+                    <a:prstGeom prst="rect">
+                      <a:avLst/>
+                    </a:prstGeom>
+                    <a:noFill/>
+                  </p:spPr>
+                  <p:txBody>
+                    <a:bodyPr wrap="square" rtlCol="0">
+                      <a:spAutoFit/>
+                    </a:bodyPr>
+                    <a:lstStyle/>
+                    <a:p>
+                      <a:r>
+                        <a:rPr lang="fr-FR" sz="1000" dirty="0" smtClean="0">
+                          <a:latin typeface="Arial" panose="020B0604020202020204" pitchFamily="34" charset="0"/>
+                          <a:cs typeface="Arial" panose="020B0604020202020204" pitchFamily="34" charset="0"/>
+                        </a:rPr>
+                        <a:t>0</a:t>
+                      </a:r>
+                      <a:endParaRPr lang="fr-FR" sz="1000" dirty="0">
+                        <a:latin typeface="Arial" panose="020B0604020202020204" pitchFamily="34" charset="0"/>
+                        <a:cs typeface="Arial" panose="020B0604020202020204" pitchFamily="34" charset="0"/>
+                      </a:endParaRPr>
+                    </a:p>
+                  </p:txBody>
+                </p:sp>
+              </p:grpSp>
+              <p:sp>
+                <p:nvSpPr>
+                  <p:cNvPr id="37" name="ZoneTexte 36"/>
+                  <p:cNvSpPr txBox="1"/>
+                  <p:nvPr/>
+                </p:nvSpPr>
+                <p:spPr>
+                  <a:xfrm>
+                    <a:off x="523203" y="11215762"/>
+                    <a:ext cx="308397" cy="246221"/>
+                  </a:xfrm>
+                  <a:prstGeom prst="rect">
+                    <a:avLst/>
+                  </a:prstGeom>
+                  <a:noFill/>
+                </p:spPr>
+                <p:txBody>
+                  <a:bodyPr wrap="square" rtlCol="0">
+                    <a:spAutoFit/>
+                  </a:bodyPr>
+                  <a:lstStyle/>
+                  <a:p>
+                    <a:r>
+                      <a:rPr lang="fr-FR" sz="1000" dirty="0" smtClean="0">
+                        <a:latin typeface="Arial" panose="020B0604020202020204" pitchFamily="34" charset="0"/>
+                        <a:cs typeface="Arial" panose="020B0604020202020204" pitchFamily="34" charset="0"/>
+                      </a:rPr>
+                      <a:t>0</a:t>
+                    </a:r>
+                    <a:endParaRPr lang="fr-FR" sz="1000" dirty="0">
+                      <a:latin typeface="Arial" panose="020B0604020202020204" pitchFamily="34" charset="0"/>
+                      <a:cs typeface="Arial" panose="020B0604020202020204" pitchFamily="34" charset="0"/>
+                    </a:endParaRPr>
+                  </a:p>
+                </p:txBody>
+              </p:sp>
+              <p:sp>
+                <p:nvSpPr>
+                  <p:cNvPr id="38" name="ZoneTexte 37"/>
+                  <p:cNvSpPr txBox="1"/>
+                  <p:nvPr/>
+                </p:nvSpPr>
+                <p:spPr>
+                  <a:xfrm>
+                    <a:off x="523203" y="11945545"/>
+                    <a:ext cx="257498" cy="246221"/>
+                  </a:xfrm>
+                  <a:prstGeom prst="rect">
+                    <a:avLst/>
+                  </a:prstGeom>
+                  <a:noFill/>
+                </p:spPr>
+                <p:txBody>
+                  <a:bodyPr wrap="square" rtlCol="0">
+                    <a:spAutoFit/>
+                  </a:bodyPr>
+                  <a:lstStyle/>
+                  <a:p>
+                    <a:r>
+                      <a:rPr lang="fr-FR" sz="1000" dirty="0" smtClean="0">
+                        <a:latin typeface="Arial" panose="020B0604020202020204" pitchFamily="34" charset="0"/>
+                        <a:cs typeface="Arial" panose="020B0604020202020204" pitchFamily="34" charset="0"/>
+                      </a:rPr>
+                      <a:t>0</a:t>
+                    </a:r>
+                    <a:endParaRPr lang="fr-FR" sz="1000" dirty="0">
+                      <a:latin typeface="Arial" panose="020B0604020202020204" pitchFamily="34" charset="0"/>
+                      <a:cs typeface="Arial" panose="020B0604020202020204" pitchFamily="34" charset="0"/>
+                    </a:endParaRPr>
+                  </a:p>
+                </p:txBody>
+              </p:sp>
+            </p:grpSp>
+            <p:cxnSp>
+              <p:nvCxnSpPr>
+                <p:cNvPr id="48" name="Connecteur droit 47"/>
+                <p:cNvCxnSpPr/>
+                <p:nvPr/>
+              </p:nvCxnSpPr>
+              <p:spPr>
+                <a:xfrm>
+                  <a:off x="8955824" y="9257264"/>
+                  <a:ext cx="0" cy="2750252"/>
+                </a:xfrm>
+                <a:prstGeom prst="line">
+                  <a:avLst/>
+                </a:prstGeom>
+                <a:ln w="9525" cap="flat" cmpd="sng" algn="ctr">
+                  <a:solidFill>
+                    <a:schemeClr val="dk1"/>
+                  </a:solidFill>
+                  <a:prstDash val="dash"/>
+                  <a:round/>
+                  <a:headEnd type="none" w="med" len="med"/>
+                  <a:tailEnd type="none" w="med" len="med"/>
+                </a:ln>
+              </p:spPr>
+              <p:style>
+                <a:lnRef idx="0">
+                  <a:scrgbClr r="0" g="0" b="0"/>
+                </a:lnRef>
+                <a:fillRef idx="0">
+                  <a:scrgbClr r="0" g="0" b="0"/>
+                </a:fillRef>
+                <a:effectRef idx="0">
+                  <a:scrgbClr r="0" g="0" b="0"/>
+                </a:effectRef>
+                <a:fontRef idx="minor">
+                  <a:schemeClr val="tx1"/>
+                </a:fontRef>
+              </p:style>
+            </p:cxnSp>
+            <mc:AlternateContent xmlns:mc="http://schemas.openxmlformats.org/markup-compatibility/2006" xmlns:a14="http://schemas.microsoft.com/office/drawing/2010/main">
+              <mc:Choice Requires="a14">
+                <p:sp>
+                  <p:nvSpPr>
+                    <p:cNvPr id="49" name="ZoneTexte 48"/>
+                    <p:cNvSpPr txBox="1"/>
+                    <p:nvPr/>
+                  </p:nvSpPr>
+                  <p:spPr>
+                    <a:xfrm>
+                      <a:off x="9368937" y="9004272"/>
+                      <a:ext cx="2338137" cy="292068"/>
+                    </a:xfrm>
+                    <a:prstGeom prst="rect">
+                      <a:avLst/>
+                    </a:prstGeom>
+                    <a:noFill/>
+                  </p:spPr>
+                  <p:txBody>
+                    <a:bodyPr wrap="square" rtlCol="0">
+                      <a:spAutoFit/>
+                    </a:bodyPr>
+                    <a:lstStyle/>
+                    <a:p>
+                      <a14:m>
+                        <m:oMath xmlns:m="http://schemas.openxmlformats.org/officeDocument/2006/math">
+                          <m:sSub>
+                            <m:sSubPr>
+                              <m:ctrlPr>
+                                <a:rPr lang="fr-FR" sz="1200" b="1" i="1" smtClean="0">
+                                  <a:latin typeface="Cambria Math" panose="02040503050406030204" pitchFamily="18" charset="0"/>
+                                </a:rPr>
+                              </m:ctrlPr>
+                            </m:sSubPr>
+                            <m:e>
+                              <m:r>
+                                <a:rPr lang="fr-FR" sz="1200" b="1" i="1" smtClean="0">
+                                  <a:latin typeface="Cambria Math" panose="02040503050406030204" pitchFamily="18" charset="0"/>
+                                  <a:ea typeface="Cambria Math" panose="02040503050406030204" pitchFamily="18" charset="0"/>
+                                </a:rPr>
+                                <m:t>𝜸</m:t>
+                              </m:r>
+                            </m:e>
+                            <m:sub>
+                              <m:r>
+                                <a:rPr lang="fr-FR" sz="1200" b="1" i="1" smtClean="0">
+                                  <a:latin typeface="Cambria Math" panose="02040503050406030204" pitchFamily="18" charset="0"/>
+                                </a:rPr>
+                                <m:t>𝒈𝒍𝒐𝒃𝒂𝒍</m:t>
+                              </m:r>
+                            </m:sub>
+                          </m:sSub>
+                          <m:r>
+                            <a:rPr lang="fr-FR" sz="1200" b="1" i="1" smtClean="0">
+                              <a:latin typeface="Cambria Math" panose="02040503050406030204" pitchFamily="18" charset="0"/>
+                            </a:rPr>
+                            <m:t>=</m:t>
+                          </m:r>
+                          <m:r>
+                            <a:rPr lang="fr-FR" sz="1200" b="1" i="1" smtClean="0">
+                              <a:latin typeface="Cambria Math" panose="02040503050406030204" pitchFamily="18" charset="0"/>
+                            </a:rPr>
+                            <m:t>𝟏𝟎𝟎</m:t>
+                          </m:r>
+                          <m:r>
+                            <a:rPr lang="fr-FR" sz="1200" b="1" i="1" smtClean="0">
+                              <a:latin typeface="Cambria Math" panose="02040503050406030204" pitchFamily="18" charset="0"/>
+                            </a:rPr>
+                            <m:t> %</m:t>
+                          </m:r>
+                        </m:oMath>
+                      </a14:m>
+                      <a:r>
+                        <a:rPr lang="fr-FR" sz="1200" b="1" dirty="0" smtClean="0">
+                          <a:latin typeface="Arial" panose="020B0604020202020204" pitchFamily="34" charset="0"/>
+                          <a:cs typeface="Arial" panose="020B0604020202020204" pitchFamily="34" charset="0"/>
+                        </a:rPr>
+                        <a:t> </a:t>
+                      </a:r>
+                      <a:r>
+                        <a:rPr lang="fr-FR" sz="1100" b="1" dirty="0" smtClean="0">
+                          <a:latin typeface="Arial" panose="020B0604020202020204" pitchFamily="34" charset="0"/>
+                          <a:cs typeface="Arial" panose="020B0604020202020204" pitchFamily="34" charset="0"/>
+                        </a:rPr>
+                        <a:t>(</a:t>
+                      </a:r>
+                      <a:r>
+                        <a:rPr lang="fr-FR" sz="1100" b="1" dirty="0">
+                          <a:latin typeface="Arial" panose="020B0604020202020204" pitchFamily="34" charset="0"/>
+                          <a:cs typeface="Arial" panose="020B0604020202020204" pitchFamily="34" charset="0"/>
+                        </a:rPr>
+                        <a:t>2160 </a:t>
+                      </a:r>
+                      <a:r>
+                        <a:rPr lang="fr-FR" sz="1100" b="1" dirty="0" smtClean="0">
+                          <a:latin typeface="Arial" panose="020B0604020202020204" pitchFamily="34" charset="0"/>
+                          <a:cs typeface="Arial" panose="020B0604020202020204" pitchFamily="34" charset="0"/>
+                        </a:rPr>
+                        <a:t>MOTUs)</a:t>
+                      </a:r>
+                    </a:p>
+                  </p:txBody>
+                </p:sp>
+              </mc:Choice>
+              <mc:Fallback xmlns="">
+                <p:sp>
+                  <p:nvSpPr>
+                    <p:cNvPr id="49" name="ZoneTexte 48"/>
+                    <p:cNvSpPr txBox="1">
+                      <a:spLocks noRot="1" noChangeAspect="1" noMove="1" noResize="1" noEditPoints="1" noAdjustHandles="1" noChangeArrowheads="1" noChangeShapeType="1" noTextEdit="1"/>
+                    </p:cNvSpPr>
+                    <p:nvPr/>
+                  </p:nvSpPr>
+                  <p:spPr>
+                    <a:xfrm>
+                      <a:off x="9368937" y="9004272"/>
+                      <a:ext cx="2338137" cy="292068"/>
+                    </a:xfrm>
+                    <a:prstGeom prst="rect">
+                      <a:avLst/>
+                    </a:prstGeom>
+                    <a:blipFill>
+                      <a:blip r:embed="rId12"/>
+                      <a:stretch>
+                        <a:fillRect b="-6250"/>
+                      </a:stretch>
+                    </a:blipFill>
+                  </p:spPr>
+                  <p:txBody>
+                    <a:bodyPr/>
+                    <a:lstStyle/>
+                    <a:p>
+                      <a:r>
+                        <a:rPr lang="fr-FR">
+                          <a:noFill/>
+                        </a:rPr>
+                        <a:t> </a:t>
+                      </a:r>
+                    </a:p>
+                  </p:txBody>
+                </p:sp>
+              </mc:Fallback>
+            </mc:AlternateContent>
+            <mc:AlternateContent xmlns:mc="http://schemas.openxmlformats.org/markup-compatibility/2006">
+              <mc:Choice xmlns:a14="http://schemas.microsoft.com/office/drawing/2010/main" Requires="a14">
+                <p:sp>
+                  <p:nvSpPr>
+                    <p:cNvPr id="50" name="ZoneTexte 49"/>
+                    <p:cNvSpPr txBox="1"/>
+                    <p:nvPr/>
+                  </p:nvSpPr>
+                  <p:spPr>
+                    <a:xfrm>
+                      <a:off x="9368937" y="9536221"/>
+                      <a:ext cx="1942521" cy="294568"/>
+                    </a:xfrm>
+                    <a:prstGeom prst="rect">
+                      <a:avLst/>
+                    </a:prstGeom>
+                    <a:noFill/>
+                  </p:spPr>
+                  <p:txBody>
+                    <a:bodyPr wrap="square" rtlCol="0">
+                      <a:spAutoFit/>
+                    </a:bodyPr>
+                    <a:lstStyle/>
+                    <a:p>
+                      <a:pPr algn="ctr"/>
+                      <a14:m>
+                        <m:oMathPara xmlns:m="http://schemas.openxmlformats.org/officeDocument/2006/math">
+                          <m:oMathParaPr>
+                            <m:jc m:val="left"/>
+                          </m:oMathParaPr>
+                          <m:oMath xmlns:m="http://schemas.openxmlformats.org/officeDocument/2006/math">
+                            <m:sSub>
+                              <m:sSubPr>
+                                <m:ctrlPr>
+                                  <a:rPr lang="fr-FR" sz="1200" b="1" i="1" smtClean="0">
+                                    <a:latin typeface="Cambria Math" panose="02040503050406030204" pitchFamily="18" charset="0"/>
+                                  </a:rPr>
+                                </m:ctrlPr>
+                              </m:sSubPr>
+                              <m:e>
+                                <m:r>
+                                  <a:rPr lang="fr-FR" sz="1200" b="1" i="1" smtClean="0">
+                                    <a:latin typeface="Cambria Math" panose="02040503050406030204" pitchFamily="18" charset="0"/>
+                                    <a:ea typeface="Cambria Math" panose="02040503050406030204" pitchFamily="18" charset="0"/>
+                                  </a:rPr>
+                                  <m:t>𝜷</m:t>
+                                </m:r>
+                              </m:e>
+                              <m:sub>
+                                <m:r>
+                                  <a:rPr lang="fr-FR" sz="1200" b="1" i="1" smtClean="0">
+                                    <a:latin typeface="Cambria Math" panose="02040503050406030204" pitchFamily="18" charset="0"/>
+                                  </a:rPr>
+                                  <m:t>𝒊𝒏𝒕𝒆𝒓</m:t>
+                                </m:r>
+                                <m:r>
+                                  <a:rPr lang="fr-FR" sz="1200" b="1" i="1" smtClean="0">
+                                    <a:latin typeface="Cambria Math" panose="02040503050406030204" pitchFamily="18" charset="0"/>
+                                  </a:rPr>
+                                  <m:t>−</m:t>
+                                </m:r>
+                                <m:r>
+                                  <a:rPr lang="fr-FR" sz="1200" b="1" i="1" smtClean="0">
+                                    <a:latin typeface="Cambria Math" panose="02040503050406030204" pitchFamily="18" charset="0"/>
+                                  </a:rPr>
+                                  <m:t>𝒓𝒆𝒈𝒊𝒐𝒏</m:t>
+                                </m:r>
+                              </m:sub>
+                            </m:sSub>
+                            <m:r>
+                              <a:rPr lang="fr-FR" sz="1200" b="1" i="1" smtClean="0">
+                                <a:latin typeface="Cambria Math" panose="02040503050406030204" pitchFamily="18" charset="0"/>
+                              </a:rPr>
+                              <m:t>=</m:t>
+                            </m:r>
+                            <m:r>
+                              <a:rPr lang="fr-FR" sz="1200" b="1" i="1" smtClean="0">
+                                <a:latin typeface="Cambria Math" panose="02040503050406030204" pitchFamily="18" charset="0"/>
+                              </a:rPr>
+                              <m:t>𝟕𝟒</m:t>
+                            </m:r>
+                            <m:r>
+                              <a:rPr lang="fr-FR" sz="1200" b="1" i="1" smtClean="0">
+                                <a:latin typeface="Cambria Math" panose="02040503050406030204" pitchFamily="18" charset="0"/>
+                              </a:rPr>
+                              <m:t>.</m:t>
+                            </m:r>
+                            <m:r>
+                              <a:rPr lang="fr-FR" sz="1200" b="1" i="1" smtClean="0">
+                                <a:latin typeface="Cambria Math" panose="02040503050406030204" pitchFamily="18" charset="0"/>
+                              </a:rPr>
+                              <m:t>𝟓</m:t>
+                            </m:r>
+                            <m:r>
+                              <a:rPr lang="fr-FR" sz="1200" b="1" i="1" smtClean="0">
+                                <a:latin typeface="Cambria Math" panose="02040503050406030204" pitchFamily="18" charset="0"/>
+                              </a:rPr>
+                              <m:t> %</m:t>
+                            </m:r>
+                          </m:oMath>
+                        </m:oMathPara>
+                      </a14:m>
+                      <a:endParaRPr lang="fr-FR" sz="1200" b="1" dirty="0" smtClean="0">
+                        <a:latin typeface="Arial" panose="020B0604020202020204" pitchFamily="34" charset="0"/>
+                        <a:cs typeface="Arial" panose="020B0604020202020204" pitchFamily="34" charset="0"/>
+                      </a:endParaRPr>
+                    </a:p>
+                  </p:txBody>
+                </p:sp>
+              </mc:Choice>
+              <mc:Fallback>
+                <p:sp>
+                  <p:nvSpPr>
+                    <p:cNvPr id="50" name="ZoneTexte 49"/>
+                    <p:cNvSpPr txBox="1">
+                      <a:spLocks noRot="1" noChangeAspect="1" noMove="1" noResize="1" noEditPoints="1" noAdjustHandles="1" noChangeArrowheads="1" noChangeShapeType="1" noTextEdit="1"/>
+                    </p:cNvSpPr>
+                    <p:nvPr/>
+                  </p:nvSpPr>
+                  <p:spPr>
+                    <a:xfrm>
+                      <a:off x="9368937" y="9536221"/>
+                      <a:ext cx="1942521" cy="294568"/>
+                    </a:xfrm>
+                    <a:prstGeom prst="rect">
+                      <a:avLst/>
+                    </a:prstGeom>
+                    <a:blipFill>
+                      <a:blip r:embed="rId13"/>
+                      <a:stretch>
+                        <a:fillRect/>
+                      </a:stretch>
+                    </a:blipFill>
+                  </p:spPr>
+                  <p:txBody>
+                    <a:bodyPr/>
+                    <a:lstStyle/>
+                    <a:p>
+                      <a:r>
+                        <a:rPr lang="fr-FR">
+                          <a:noFill/>
+                        </a:rPr>
+                        <a:t> </a:t>
+                      </a:r>
+                    </a:p>
+                  </p:txBody>
+                </p:sp>
+              </mc:Fallback>
+            </mc:AlternateContent>
+            <mc:AlternateContent xmlns:mc="http://schemas.openxmlformats.org/markup-compatibility/2006" xmlns:a14="http://schemas.microsoft.com/office/drawing/2010/main">
+              <mc:Choice Requires="a14">
+                <p:sp>
+                  <p:nvSpPr>
+                    <p:cNvPr id="51" name="ZoneTexte 50"/>
+                    <p:cNvSpPr txBox="1"/>
+                    <p:nvPr/>
+                  </p:nvSpPr>
+                  <p:spPr>
+                    <a:xfrm>
+                      <a:off x="9368937" y="10167538"/>
+                      <a:ext cx="1482884" cy="281167"/>
+                    </a:xfrm>
+                    <a:prstGeom prst="rect">
+                      <a:avLst/>
+                    </a:prstGeom>
+                    <a:noFill/>
+                  </p:spPr>
+                  <p:txBody>
+                    <a:bodyPr wrap="square" rtlCol="0">
+                      <a:spAutoFit/>
+                    </a:bodyPr>
+                    <a:lstStyle/>
+                    <a:p>
+                      <a:pPr algn="ctr"/>
+                      <a14:m>
+                        <m:oMathPara xmlns:m="http://schemas.openxmlformats.org/officeDocument/2006/math">
+                          <m:oMathParaPr>
+                            <m:jc m:val="left"/>
+                          </m:oMathParaPr>
+                          <m:oMath xmlns:m="http://schemas.openxmlformats.org/officeDocument/2006/math">
+                            <m:sSub>
+                              <m:sSubPr>
+                                <m:ctrlPr>
+                                  <a:rPr lang="fr-FR" sz="1200" b="1" i="1" smtClean="0">
+                                    <a:latin typeface="Cambria Math" panose="02040503050406030204" pitchFamily="18" charset="0"/>
+                                  </a:rPr>
+                                </m:ctrlPr>
+                              </m:sSubPr>
+                              <m:e>
+                                <m:acc>
+                                  <m:accPr>
+                                    <m:chr m:val="̅"/>
+                                    <m:ctrlPr>
+                                      <a:rPr lang="fr-FR" sz="1200" b="1" i="1" smtClean="0">
+                                        <a:latin typeface="Cambria Math" panose="02040503050406030204" pitchFamily="18" charset="0"/>
+                                      </a:rPr>
+                                    </m:ctrlPr>
+                                  </m:accPr>
+                                  <m:e>
+                                    <m:r>
+                                      <a:rPr lang="fr-FR" sz="1200" b="1" i="1" smtClean="0">
+                                        <a:latin typeface="Cambria Math" panose="02040503050406030204" pitchFamily="18" charset="0"/>
+                                        <a:ea typeface="Cambria Math" panose="02040503050406030204" pitchFamily="18" charset="0"/>
+                                      </a:rPr>
+                                      <m:t>𝜷</m:t>
+                                    </m:r>
+                                  </m:e>
+                                </m:acc>
+                              </m:e>
+                              <m:sub>
+                                <m:r>
+                                  <a:rPr lang="fr-FR" sz="1200" b="1" i="1" smtClean="0">
+                                    <a:latin typeface="Cambria Math" panose="02040503050406030204" pitchFamily="18" charset="0"/>
+                                  </a:rPr>
+                                  <m:t>𝒊𝒏𝒕𝒆𝒓</m:t>
+                                </m:r>
+                                <m:r>
+                                  <a:rPr lang="fr-FR" sz="1200" b="1" i="1" smtClean="0">
+                                    <a:latin typeface="Cambria Math" panose="02040503050406030204" pitchFamily="18" charset="0"/>
+                                  </a:rPr>
+                                  <m:t>−</m:t>
+                                </m:r>
+                                <m:r>
+                                  <a:rPr lang="fr-FR" sz="1200" b="1" i="1" smtClean="0">
+                                    <a:latin typeface="Cambria Math" panose="02040503050406030204" pitchFamily="18" charset="0"/>
+                                  </a:rPr>
+                                  <m:t>𝒔𝒊𝒕𝒆</m:t>
+                                </m:r>
+                              </m:sub>
+                            </m:sSub>
+                            <m:r>
+                              <a:rPr lang="fr-FR" sz="1200" b="1" i="1" smtClean="0">
+                                <a:latin typeface="Cambria Math" panose="02040503050406030204" pitchFamily="18" charset="0"/>
+                              </a:rPr>
+                              <m:t>=</m:t>
+                            </m:r>
+                            <m:r>
+                              <a:rPr lang="fr-FR" sz="1200" b="1" i="1" smtClean="0">
+                                <a:latin typeface="Cambria Math" panose="02040503050406030204" pitchFamily="18" charset="0"/>
+                              </a:rPr>
+                              <m:t>𝟏𝟒</m:t>
+                            </m:r>
+                            <m:r>
+                              <a:rPr lang="fr-FR" sz="1200" b="1" i="1" smtClean="0">
+                                <a:latin typeface="Cambria Math" panose="02040503050406030204" pitchFamily="18" charset="0"/>
+                              </a:rPr>
+                              <m:t> %</m:t>
+                            </m:r>
+                          </m:oMath>
+                        </m:oMathPara>
+                      </a14:m>
+                      <a:endParaRPr lang="fr-FR" sz="1200" b="1" dirty="0" smtClean="0">
+                        <a:latin typeface="Arial" panose="020B0604020202020204" pitchFamily="34" charset="0"/>
+                        <a:cs typeface="Arial" panose="020B0604020202020204" pitchFamily="34" charset="0"/>
+                      </a:endParaRPr>
+                    </a:p>
+                  </p:txBody>
+                </p:sp>
+              </mc:Choice>
+              <mc:Fallback xmlns="">
+                <p:sp>
+                  <p:nvSpPr>
+                    <p:cNvPr id="51" name="ZoneTexte 50"/>
+                    <p:cNvSpPr txBox="1">
+                      <a:spLocks noRot="1" noChangeAspect="1" noMove="1" noResize="1" noEditPoints="1" noAdjustHandles="1" noChangeArrowheads="1" noChangeShapeType="1" noTextEdit="1"/>
+                    </p:cNvSpPr>
+                    <p:nvPr/>
+                  </p:nvSpPr>
+                  <p:spPr>
+                    <a:xfrm>
+                      <a:off x="9368937" y="10167538"/>
+                      <a:ext cx="1482884" cy="281167"/>
+                    </a:xfrm>
+                    <a:prstGeom prst="rect">
+                      <a:avLst/>
+                    </a:prstGeom>
+                    <a:blipFill>
+                      <a:blip r:embed="rId14"/>
+                      <a:stretch>
+                        <a:fillRect b="-6522"/>
+                      </a:stretch>
+                    </a:blipFill>
+                  </p:spPr>
+                  <p:txBody>
+                    <a:bodyPr/>
+                    <a:lstStyle/>
+                    <a:p>
+                      <a:r>
+                        <a:rPr lang="fr-FR">
+                          <a:noFill/>
+                        </a:rPr>
+                        <a:t> </a:t>
+                      </a:r>
+                    </a:p>
+                  </p:txBody>
+                </p:sp>
+              </mc:Fallback>
+            </mc:AlternateContent>
+            <mc:AlternateContent xmlns:mc="http://schemas.openxmlformats.org/markup-compatibility/2006" xmlns:a14="http://schemas.microsoft.com/office/drawing/2010/main">
+              <mc:Choice Requires="a14">
+                <p:sp>
+                  <p:nvSpPr>
+                    <p:cNvPr id="52" name="ZoneTexte 51"/>
+                    <p:cNvSpPr txBox="1"/>
+                    <p:nvPr/>
+                  </p:nvSpPr>
+                  <p:spPr>
+                    <a:xfrm>
+                      <a:off x="9368937" y="10883931"/>
+                      <a:ext cx="1544944" cy="281167"/>
+                    </a:xfrm>
+                    <a:prstGeom prst="rect">
+                      <a:avLst/>
+                    </a:prstGeom>
+                    <a:noFill/>
+                  </p:spPr>
+                  <p:txBody>
+                    <a:bodyPr wrap="square" rtlCol="0">
+                      <a:spAutoFit/>
+                    </a:bodyPr>
+                    <a:lstStyle/>
+                    <a:p>
+                      <a:pPr algn="ctr"/>
+                      <a14:m>
+                        <m:oMathPara xmlns:m="http://schemas.openxmlformats.org/officeDocument/2006/math">
+                          <m:oMathParaPr>
+                            <m:jc m:val="left"/>
+                          </m:oMathParaPr>
+                          <m:oMath xmlns:m="http://schemas.openxmlformats.org/officeDocument/2006/math">
+                            <m:sSub>
+                              <m:sSubPr>
+                                <m:ctrlPr>
+                                  <a:rPr lang="fr-FR" sz="1200" b="1" i="1" smtClean="0">
+                                    <a:latin typeface="Cambria Math" panose="02040503050406030204" pitchFamily="18" charset="0"/>
+                                  </a:rPr>
+                                </m:ctrlPr>
+                              </m:sSubPr>
+                              <m:e>
+                                <m:acc>
+                                  <m:accPr>
+                                    <m:chr m:val="̅"/>
+                                    <m:ctrlPr>
+                                      <a:rPr lang="fr-FR" sz="1200" b="1" i="1" smtClean="0">
+                                        <a:latin typeface="Cambria Math" panose="02040503050406030204" pitchFamily="18" charset="0"/>
+                                      </a:rPr>
+                                    </m:ctrlPr>
+                                  </m:accPr>
+                                  <m:e>
+                                    <m:r>
+                                      <a:rPr lang="fr-FR" sz="1200" b="1" i="1" smtClean="0">
+                                        <a:latin typeface="Cambria Math" panose="02040503050406030204" pitchFamily="18" charset="0"/>
+                                        <a:ea typeface="Cambria Math" panose="02040503050406030204" pitchFamily="18" charset="0"/>
+                                      </a:rPr>
+                                      <m:t>𝜷</m:t>
+                                    </m:r>
+                                  </m:e>
+                                </m:acc>
+                              </m:e>
+                              <m:sub>
+                                <m:r>
+                                  <a:rPr lang="fr-FR" sz="1200" b="1" i="1" smtClean="0">
+                                    <a:latin typeface="Cambria Math" panose="02040503050406030204" pitchFamily="18" charset="0"/>
+                                  </a:rPr>
+                                  <m:t>𝒊𝒏𝒕𝒆𝒓</m:t>
+                                </m:r>
+                                <m:r>
+                                  <a:rPr lang="fr-FR" sz="1200" b="1" i="1" smtClean="0">
+                                    <a:latin typeface="Cambria Math" panose="02040503050406030204" pitchFamily="18" charset="0"/>
+                                  </a:rPr>
+                                  <m:t>−</m:t>
+                                </m:r>
+                                <m:r>
+                                  <a:rPr lang="fr-FR" sz="1200" b="1" i="1" smtClean="0">
+                                    <a:latin typeface="Cambria Math" panose="02040503050406030204" pitchFamily="18" charset="0"/>
+                                  </a:rPr>
+                                  <m:t>𝒔𝒕𝒂𝒕𝒊𝒐𝒏</m:t>
+                                </m:r>
+                              </m:sub>
+                            </m:sSub>
+                            <m:r>
+                              <a:rPr lang="fr-FR" sz="1200" b="1" i="1" smtClean="0">
+                                <a:latin typeface="Cambria Math" panose="02040503050406030204" pitchFamily="18" charset="0"/>
+                              </a:rPr>
+                              <m:t>=</m:t>
+                            </m:r>
+                            <m:r>
+                              <a:rPr lang="fr-FR" sz="1200" b="1" i="1" smtClean="0">
+                                <a:latin typeface="Cambria Math" panose="02040503050406030204" pitchFamily="18" charset="0"/>
+                              </a:rPr>
+                              <m:t>𝟕</m:t>
+                            </m:r>
+                            <m:r>
+                              <a:rPr lang="fr-FR" sz="1200" b="1" i="1" smtClean="0">
+                                <a:latin typeface="Cambria Math" panose="02040503050406030204" pitchFamily="18" charset="0"/>
+                              </a:rPr>
+                              <m:t> %</m:t>
+                            </m:r>
+                          </m:oMath>
+                        </m:oMathPara>
+                      </a14:m>
+                      <a:endParaRPr lang="fr-FR" sz="1200" b="1" dirty="0" smtClean="0">
+                        <a:latin typeface="Arial" panose="020B0604020202020204" pitchFamily="34" charset="0"/>
+                        <a:cs typeface="Arial" panose="020B0604020202020204" pitchFamily="34" charset="0"/>
+                      </a:endParaRPr>
+                    </a:p>
+                  </p:txBody>
+                </p:sp>
+              </mc:Choice>
+              <mc:Fallback xmlns="">
+                <p:sp>
+                  <p:nvSpPr>
+                    <p:cNvPr id="52" name="ZoneTexte 51"/>
+                    <p:cNvSpPr txBox="1">
+                      <a:spLocks noRot="1" noChangeAspect="1" noMove="1" noResize="1" noEditPoints="1" noAdjustHandles="1" noChangeArrowheads="1" noChangeShapeType="1" noTextEdit="1"/>
+                    </p:cNvSpPr>
+                    <p:nvPr/>
+                  </p:nvSpPr>
+                  <p:spPr>
+                    <a:xfrm>
+                      <a:off x="9368937" y="10883931"/>
+                      <a:ext cx="1544944" cy="281167"/>
+                    </a:xfrm>
+                    <a:prstGeom prst="rect">
+                      <a:avLst/>
+                    </a:prstGeom>
+                    <a:blipFill>
+                      <a:blip r:embed="rId15"/>
+                      <a:stretch>
+                        <a:fillRect b="-8696"/>
+                      </a:stretch>
+                    </a:blipFill>
+                  </p:spPr>
+                  <p:txBody>
+                    <a:bodyPr/>
+                    <a:lstStyle/>
+                    <a:p>
+                      <a:r>
+                        <a:rPr lang="fr-FR">
+                          <a:noFill/>
+                        </a:rPr>
+                        <a:t> </a:t>
+                      </a:r>
+                    </a:p>
+                  </p:txBody>
+                </p:sp>
+              </mc:Fallback>
+            </mc:AlternateContent>
+            <mc:AlternateContent xmlns:mc="http://schemas.openxmlformats.org/markup-compatibility/2006">
+              <mc:Choice xmlns:a14="http://schemas.microsoft.com/office/drawing/2010/main" Requires="a14">
+                <p:sp>
+                  <p:nvSpPr>
+                    <p:cNvPr id="53" name="ZoneTexte 52"/>
+                    <p:cNvSpPr txBox="1"/>
+                    <p:nvPr/>
+                  </p:nvSpPr>
+                  <p:spPr>
+                    <a:xfrm>
+                      <a:off x="9368937" y="11658923"/>
+                      <a:ext cx="1348536" cy="287471"/>
+                    </a:xfrm>
+                    <a:prstGeom prst="rect">
+                      <a:avLst/>
+                    </a:prstGeom>
+                    <a:noFill/>
+                  </p:spPr>
+                  <p:txBody>
+                    <a:bodyPr wrap="square" rtlCol="0">
+                      <a:spAutoFit/>
+                    </a:bodyPr>
+                    <a:lstStyle/>
+                    <a:p>
+                      <a:pPr algn="ctr"/>
+                      <a14:m>
+                        <m:oMathPara xmlns:m="http://schemas.openxmlformats.org/officeDocument/2006/math">
+                          <m:oMathParaPr>
+                            <m:jc m:val="left"/>
+                          </m:oMathParaPr>
+                          <m:oMath xmlns:m="http://schemas.openxmlformats.org/officeDocument/2006/math">
+                            <m:sSub>
+                              <m:sSubPr>
+                                <m:ctrlPr>
+                                  <a:rPr lang="fr-FR" sz="1200" b="1" i="1" smtClean="0">
+                                    <a:latin typeface="Cambria Math" panose="02040503050406030204" pitchFamily="18" charset="0"/>
+                                  </a:rPr>
+                                </m:ctrlPr>
+                              </m:sSubPr>
+                              <m:e>
+                                <m:acc>
+                                  <m:accPr>
+                                    <m:chr m:val="̅"/>
+                                    <m:ctrlPr>
+                                      <a:rPr lang="fr-FR" sz="1200" b="1" i="1" smtClean="0">
+                                        <a:latin typeface="Cambria Math" panose="02040503050406030204" pitchFamily="18" charset="0"/>
+                                      </a:rPr>
+                                    </m:ctrlPr>
+                                  </m:accPr>
+                                  <m:e>
+                                    <m:r>
+                                      <a:rPr lang="fr-FR" sz="1200" b="1" i="1" smtClean="0">
+                                        <a:latin typeface="Cambria Math" panose="02040503050406030204" pitchFamily="18" charset="0"/>
+                                        <a:ea typeface="Cambria Math" panose="02040503050406030204" pitchFamily="18" charset="0"/>
+                                      </a:rPr>
+                                      <m:t>𝜶</m:t>
+                                    </m:r>
+                                  </m:e>
+                                </m:acc>
+                              </m:e>
+                              <m:sub>
+                                <m:r>
+                                  <a:rPr lang="fr-FR" sz="1200" b="1" i="1" smtClean="0">
+                                    <a:latin typeface="Cambria Math" panose="02040503050406030204" pitchFamily="18" charset="0"/>
+                                  </a:rPr>
+                                  <m:t>𝒔𝒕𝒂𝒕𝒊𝒐𝒏</m:t>
+                                </m:r>
+                              </m:sub>
+                            </m:sSub>
+                            <m:r>
+                              <a:rPr lang="fr-FR" sz="1200" b="1" i="1" smtClean="0">
+                                <a:latin typeface="Cambria Math" panose="02040503050406030204" pitchFamily="18" charset="0"/>
+                              </a:rPr>
+                              <m:t>=</m:t>
+                            </m:r>
+                            <m:r>
+                              <a:rPr lang="fr-FR" sz="1200" b="1" i="1" smtClean="0">
+                                <a:latin typeface="Cambria Math" panose="02040503050406030204" pitchFamily="18" charset="0"/>
+                              </a:rPr>
+                              <m:t>𝟒</m:t>
+                            </m:r>
+                            <m:r>
+                              <a:rPr lang="fr-FR" sz="1200" b="1" i="1" smtClean="0">
+                                <a:latin typeface="Cambria Math" panose="02040503050406030204" pitchFamily="18" charset="0"/>
+                              </a:rPr>
+                              <m:t>.</m:t>
+                            </m:r>
+                            <m:r>
+                              <a:rPr lang="fr-FR" sz="1200" b="1" i="1" smtClean="0">
+                                <a:latin typeface="Cambria Math" panose="02040503050406030204" pitchFamily="18" charset="0"/>
+                              </a:rPr>
+                              <m:t>𝟓</m:t>
+                            </m:r>
+                            <m:r>
+                              <a:rPr lang="fr-FR" sz="1200" b="1" i="1" smtClean="0">
+                                <a:latin typeface="Cambria Math" panose="02040503050406030204" pitchFamily="18" charset="0"/>
+                              </a:rPr>
+                              <m:t> %</m:t>
+                            </m:r>
+                          </m:oMath>
+                        </m:oMathPara>
+                      </a14:m>
+                      <a:endParaRPr lang="fr-FR" sz="1200" b="1" dirty="0" smtClean="0">
+                        <a:latin typeface="Arial" panose="020B0604020202020204" pitchFamily="34" charset="0"/>
+                        <a:cs typeface="Arial" panose="020B0604020202020204" pitchFamily="34" charset="0"/>
+                      </a:endParaRPr>
+                    </a:p>
+                  </p:txBody>
+                </p:sp>
+              </mc:Choice>
+              <mc:Fallback>
+                <p:sp>
+                  <p:nvSpPr>
+                    <p:cNvPr id="53" name="ZoneTexte 52"/>
+                    <p:cNvSpPr txBox="1">
+                      <a:spLocks noRot="1" noChangeAspect="1" noMove="1" noResize="1" noEditPoints="1" noAdjustHandles="1" noChangeArrowheads="1" noChangeShapeType="1" noTextEdit="1"/>
+                    </p:cNvSpPr>
+                    <p:nvPr/>
+                  </p:nvSpPr>
+                  <p:spPr>
+                    <a:xfrm>
+                      <a:off x="9368937" y="11658923"/>
+                      <a:ext cx="1348536" cy="287471"/>
+                    </a:xfrm>
+                    <a:prstGeom prst="rect">
+                      <a:avLst/>
+                    </a:prstGeom>
+                    <a:blipFill>
+                      <a:blip r:embed="rId16"/>
+                      <a:stretch>
+                        <a:fillRect/>
+                      </a:stretch>
+                    </a:blipFill>
+                  </p:spPr>
+                  <p:txBody>
+                    <a:bodyPr/>
+                    <a:lstStyle/>
+                    <a:p>
+                      <a:r>
+                        <a:rPr lang="fr-FR">
+                          <a:noFill/>
+                        </a:rPr>
+                        <a:t> </a:t>
+                      </a:r>
+                    </a:p>
+                  </p:txBody>
+                </p:sp>
+              </mc:Fallback>
+            </mc:AlternateContent>
+            <p:sp>
+              <p:nvSpPr>
+                <p:cNvPr id="54" name="ZoneTexte 53"/>
+                <p:cNvSpPr txBox="1"/>
+                <p:nvPr/>
+              </p:nvSpPr>
+              <p:spPr>
+                <a:xfrm>
+                  <a:off x="8698829" y="9252669"/>
+                  <a:ext cx="695363" cy="246221"/>
+                </a:xfrm>
+                <a:prstGeom prst="rect">
+                  <a:avLst/>
+                </a:prstGeom>
+                <a:solidFill>
+                  <a:schemeClr val="bg1"/>
+                </a:solidFill>
+              </p:spPr>
+              <p:txBody>
+                <a:bodyPr wrap="square" rtlCol="0">
+                  <a:spAutoFit/>
+                </a:bodyPr>
+                <a:lstStyle/>
+                <a:p>
+                  <a:r>
+                    <a:rPr lang="fr-FR" sz="1000" dirty="0" smtClean="0">
+                      <a:latin typeface="Arial" panose="020B0604020202020204" pitchFamily="34" charset="0"/>
+                      <a:cs typeface="Arial" panose="020B0604020202020204" pitchFamily="34" charset="0"/>
+                    </a:rPr>
+                    <a:t>100 %</a:t>
+                  </a:r>
+                  <a:endParaRPr lang="fr-FR" sz="1000" dirty="0">
+                    <a:latin typeface="Arial" panose="020B0604020202020204" pitchFamily="34" charset="0"/>
+                    <a:cs typeface="Arial" panose="020B0604020202020204" pitchFamily="34" charset="0"/>
+                  </a:endParaRPr>
+                </a:p>
+              </p:txBody>
+            </p:sp>
+          </p:grpSp>
+          <p:pic>
+            <p:nvPicPr>
+              <p:cNvPr id="56" name="Image 55"/>
+              <p:cNvPicPr>
+                <a:picLocks noChangeAspect="1"/>
+              </p:cNvPicPr>
+              <p:nvPr/>
+            </p:nvPicPr>
+            <p:blipFill>
+              <a:blip r:embed="rId17">
+                <a:extLst>
+                  <a:ext uri="{28A0092B-C50C-407E-A947-70E740481C1C}">
+                    <a14:useLocalDpi xmlns:a14="http://schemas.microsoft.com/office/drawing/2010/main" val="0"/>
+                  </a:ext>
+                </a:extLst>
+              </a:blip>
+              <a:stretch>
+                <a:fillRect/>
+              </a:stretch>
+            </p:blipFill>
+            <p:spPr>
+              <a:xfrm>
+                <a:off x="551119" y="819418"/>
+                <a:ext cx="10776043" cy="5617624"/>
+              </a:xfrm>
+              <a:prstGeom prst="rect">
+                <a:avLst/>
+              </a:prstGeom>
+            </p:spPr>
+          </p:pic>
+          <p:sp>
+            <p:nvSpPr>
+              <p:cNvPr id="57" name="ZoneTexte 56"/>
+              <p:cNvSpPr txBox="1"/>
+              <p:nvPr/>
+            </p:nvSpPr>
+            <p:spPr>
+              <a:xfrm>
+                <a:off x="519220" y="819418"/>
+                <a:ext cx="490996" cy="338554"/>
+              </a:xfrm>
+              <a:prstGeom prst="rect">
+                <a:avLst/>
+              </a:prstGeom>
+              <a:noFill/>
+            </p:spPr>
+            <p:txBody>
+              <a:bodyPr wrap="square" rtlCol="0">
+                <a:spAutoFit/>
+              </a:bodyPr>
+              <a:lstStyle/>
+              <a:p>
+                <a:r>
+                  <a:rPr lang="fr-FR" sz="1600" b="1" dirty="0" smtClean="0">
+                    <a:latin typeface="Arial" panose="020B0604020202020204" pitchFamily="34" charset="0"/>
+                    <a:cs typeface="Arial" panose="020B0604020202020204" pitchFamily="34" charset="0"/>
+                  </a:rPr>
+                  <a:t>a</a:t>
+                </a:r>
+                <a:endParaRPr lang="fr-FR" sz="1600" b="1" dirty="0">
+                  <a:latin typeface="Arial" panose="020B0604020202020204" pitchFamily="34" charset="0"/>
+                  <a:cs typeface="Arial" panose="020B0604020202020204" pitchFamily="34" charset="0"/>
+                </a:endParaRPr>
+              </a:p>
+            </p:txBody>
+          </p:sp>
+          <p:sp>
+            <p:nvSpPr>
+              <p:cNvPr id="58" name="ZoneTexte 57"/>
+              <p:cNvSpPr txBox="1"/>
+              <p:nvPr/>
+            </p:nvSpPr>
+            <p:spPr>
+              <a:xfrm>
+                <a:off x="519220" y="6638101"/>
+                <a:ext cx="490996" cy="338554"/>
+              </a:xfrm>
+              <a:prstGeom prst="rect">
+                <a:avLst/>
+              </a:prstGeom>
+              <a:noFill/>
+            </p:spPr>
+            <p:txBody>
+              <a:bodyPr wrap="square" rtlCol="0">
+                <a:spAutoFit/>
+              </a:bodyPr>
+              <a:lstStyle/>
+              <a:p>
+                <a:r>
+                  <a:rPr lang="fr-FR" sz="1600" b="1" dirty="0" smtClean="0">
+                    <a:latin typeface="Arial" panose="020B0604020202020204" pitchFamily="34" charset="0"/>
+                    <a:cs typeface="Arial" panose="020B0604020202020204" pitchFamily="34" charset="0"/>
+                  </a:rPr>
+                  <a:t>b</a:t>
+                </a:r>
+                <a:endParaRPr lang="fr-FR" sz="1600" b="1" dirty="0">
+                  <a:latin typeface="Arial" panose="020B0604020202020204" pitchFamily="34" charset="0"/>
+                  <a:cs typeface="Arial" panose="020B0604020202020204" pitchFamily="34" charset="0"/>
+                </a:endParaRPr>
+              </a:p>
+            </p:txBody>
+          </p:sp>
+        </p:grpSp>
+      </p:grpSp>
+    </p:spTree>
+    <p:extLst>
+      <p:ext uri="{BB962C8B-B14F-4D97-AF65-F5344CB8AC3E}">
+        <p14:creationId xmlns:p14="http://schemas.microsoft.com/office/powerpoint/2010/main" val="2880403993"/>
+      </p:ext>
+    </p:extLst>
+  </p:cSld>
+  <p:clrMapOvr>
+    <a:masterClrMapping/>
+  </p:clrMapOvr>
+</p:sld>
+</file>
+
 <file path=ppt/theme/theme1.xml><?xml version="1.0" encoding="utf-8"?>
 <a:theme xmlns:a="http://schemas.openxmlformats.org/drawingml/2006/main" name="Thème Office">
   <a:themeElements>

--- a/outputs/Figures papier/Figure3.pptx
+++ b/outputs/Figures papier/Figure3.pptx
@@ -244,7 +244,7 @@
           <a:p>
             <a:fld id="{CF97A134-FB87-44B0-94D1-6D4AE8ED7871}" type="datetimeFigureOut">
               <a:rPr lang="fr-FR" smtClean="0"/>
-              <a:t>08/09/2020</a:t>
+              <a:t>09/09/2020</a:t>
             </a:fld>
             <a:endParaRPr lang="fr-FR"/>
           </a:p>
@@ -414,7 +414,7 @@
           <a:p>
             <a:fld id="{CF97A134-FB87-44B0-94D1-6D4AE8ED7871}" type="datetimeFigureOut">
               <a:rPr lang="fr-FR" smtClean="0"/>
-              <a:t>08/09/2020</a:t>
+              <a:t>09/09/2020</a:t>
             </a:fld>
             <a:endParaRPr lang="fr-FR"/>
           </a:p>
@@ -594,7 +594,7 @@
           <a:p>
             <a:fld id="{CF97A134-FB87-44B0-94D1-6D4AE8ED7871}" type="datetimeFigureOut">
               <a:rPr lang="fr-FR" smtClean="0"/>
-              <a:t>08/09/2020</a:t>
+              <a:t>09/09/2020</a:t>
             </a:fld>
             <a:endParaRPr lang="fr-FR"/>
           </a:p>
@@ -764,7 +764,7 @@
           <a:p>
             <a:fld id="{CF97A134-FB87-44B0-94D1-6D4AE8ED7871}" type="datetimeFigureOut">
               <a:rPr lang="fr-FR" smtClean="0"/>
-              <a:t>08/09/2020</a:t>
+              <a:t>09/09/2020</a:t>
             </a:fld>
             <a:endParaRPr lang="fr-FR"/>
           </a:p>
@@ -1008,7 +1008,7 @@
           <a:p>
             <a:fld id="{CF97A134-FB87-44B0-94D1-6D4AE8ED7871}" type="datetimeFigureOut">
               <a:rPr lang="fr-FR" smtClean="0"/>
-              <a:t>08/09/2020</a:t>
+              <a:t>09/09/2020</a:t>
             </a:fld>
             <a:endParaRPr lang="fr-FR"/>
           </a:p>
@@ -1240,7 +1240,7 @@
           <a:p>
             <a:fld id="{CF97A134-FB87-44B0-94D1-6D4AE8ED7871}" type="datetimeFigureOut">
               <a:rPr lang="fr-FR" smtClean="0"/>
-              <a:t>08/09/2020</a:t>
+              <a:t>09/09/2020</a:t>
             </a:fld>
             <a:endParaRPr lang="fr-FR"/>
           </a:p>
@@ -1607,7 +1607,7 @@
           <a:p>
             <a:fld id="{CF97A134-FB87-44B0-94D1-6D4AE8ED7871}" type="datetimeFigureOut">
               <a:rPr lang="fr-FR" smtClean="0"/>
-              <a:t>08/09/2020</a:t>
+              <a:t>09/09/2020</a:t>
             </a:fld>
             <a:endParaRPr lang="fr-FR"/>
           </a:p>
@@ -1725,7 +1725,7 @@
           <a:p>
             <a:fld id="{CF97A134-FB87-44B0-94D1-6D4AE8ED7871}" type="datetimeFigureOut">
               <a:rPr lang="fr-FR" smtClean="0"/>
-              <a:t>08/09/2020</a:t>
+              <a:t>09/09/2020</a:t>
             </a:fld>
             <a:endParaRPr lang="fr-FR"/>
           </a:p>
@@ -1820,7 +1820,7 @@
           <a:p>
             <a:fld id="{CF97A134-FB87-44B0-94D1-6D4AE8ED7871}" type="datetimeFigureOut">
               <a:rPr lang="fr-FR" smtClean="0"/>
-              <a:t>08/09/2020</a:t>
+              <a:t>09/09/2020</a:t>
             </a:fld>
             <a:endParaRPr lang="fr-FR"/>
           </a:p>
@@ -2097,7 +2097,7 @@
           <a:p>
             <a:fld id="{CF97A134-FB87-44B0-94D1-6D4AE8ED7871}" type="datetimeFigureOut">
               <a:rPr lang="fr-FR" smtClean="0"/>
-              <a:t>08/09/2020</a:t>
+              <a:t>09/09/2020</a:t>
             </a:fld>
             <a:endParaRPr lang="fr-FR"/>
           </a:p>
@@ -2354,7 +2354,7 @@
           <a:p>
             <a:fld id="{CF97A134-FB87-44B0-94D1-6D4AE8ED7871}" type="datetimeFigureOut">
               <a:rPr lang="fr-FR" smtClean="0"/>
-              <a:t>08/09/2020</a:t>
+              <a:t>09/09/2020</a:t>
             </a:fld>
             <a:endParaRPr lang="fr-FR"/>
           </a:p>
@@ -2567,7 +2567,7 @@
           <a:p>
             <a:fld id="{CF97A134-FB87-44B0-94D1-6D4AE8ED7871}" type="datetimeFigureOut">
               <a:rPr lang="fr-FR" smtClean="0"/>
-              <a:t>08/09/2020</a:t>
+              <a:t>09/09/2020</a:t>
             </a:fld>
             <a:endParaRPr lang="fr-FR"/>
           </a:p>
@@ -3223,9 +3223,9 @@
         <p:grpSpPr>
           <a:xfrm>
             <a:off x="224589" y="593558"/>
-            <a:ext cx="11742822" cy="12432631"/>
+            <a:ext cx="11855117" cy="12521455"/>
             <a:chOff x="0" y="593558"/>
-            <a:chExt cx="11967411" cy="12432631"/>
+            <a:chExt cx="12081854" cy="12521455"/>
           </a:xfrm>
         </p:grpSpPr>
         <p:sp>
@@ -3282,10 +3282,10 @@
           </p:nvGrpSpPr>
           <p:grpSpPr>
             <a:xfrm>
-              <a:off x="170054" y="819418"/>
-              <a:ext cx="11537020" cy="11975183"/>
-              <a:chOff x="170054" y="819418"/>
-              <a:chExt cx="11537020" cy="11975183"/>
+              <a:off x="0" y="819418"/>
+              <a:ext cx="12081854" cy="12295595"/>
+              <a:chOff x="0" y="819418"/>
+              <a:chExt cx="12081854" cy="12295595"/>
             </a:xfrm>
           </p:grpSpPr>
           <p:grpSp>
@@ -3296,10 +3296,10 @@
             </p:nvGrpSpPr>
             <p:grpSpPr>
               <a:xfrm>
-                <a:off x="170054" y="7068960"/>
-                <a:ext cx="11537020" cy="5725641"/>
-                <a:chOff x="170054" y="6563637"/>
-                <a:chExt cx="11537020" cy="5725641"/>
+                <a:off x="0" y="7068960"/>
+                <a:ext cx="12081854" cy="6046053"/>
+                <a:chOff x="0" y="6563637"/>
+                <a:chExt cx="12081854" cy="6046053"/>
               </a:xfrm>
             </p:grpSpPr>
             <p:grpSp>
@@ -3310,10 +3310,10 @@
               </p:nvGrpSpPr>
               <p:grpSpPr>
                 <a:xfrm>
-                  <a:off x="170054" y="6563637"/>
-                  <a:ext cx="11196547" cy="5725641"/>
-                  <a:chOff x="170054" y="6563637"/>
-                  <a:chExt cx="11196547" cy="5725641"/>
+                  <a:off x="0" y="6563637"/>
+                  <a:ext cx="11853158" cy="6046053"/>
+                  <a:chOff x="0" y="6563637"/>
+                  <a:chExt cx="11853158" cy="6046053"/>
                 </a:xfrm>
               </p:grpSpPr>
               <p:grpSp>
@@ -3324,10 +3324,10 @@
                 </p:nvGrpSpPr>
                 <p:grpSpPr>
                   <a:xfrm>
-                    <a:off x="170054" y="6563637"/>
-                    <a:ext cx="11196547" cy="5725641"/>
-                    <a:chOff x="170054" y="6563637"/>
-                    <a:chExt cx="11196547" cy="5725641"/>
+                    <a:off x="0" y="6563637"/>
+                    <a:ext cx="11853158" cy="6046053"/>
+                    <a:chOff x="0" y="6563637"/>
+                    <a:chExt cx="11853158" cy="6046053"/>
                   </a:xfrm>
                 </p:grpSpPr>
                 <p:grpSp>
@@ -3338,10 +3338,10 @@
                   </p:nvGrpSpPr>
                   <p:grpSpPr>
                     <a:xfrm>
-                      <a:off x="170054" y="6563637"/>
-                      <a:ext cx="11196547" cy="5725641"/>
-                      <a:chOff x="170054" y="6563637"/>
-                      <a:chExt cx="11196547" cy="5725641"/>
+                      <a:off x="0" y="6563637"/>
+                      <a:ext cx="11853158" cy="6046053"/>
+                      <a:chOff x="0" y="6563637"/>
+                      <a:chExt cx="11853158" cy="6046053"/>
                     </a:xfrm>
                   </p:grpSpPr>
                   <p:grpSp>
@@ -3352,10 +3352,10 @@
                     </p:nvGrpSpPr>
                     <p:grpSpPr>
                       <a:xfrm>
-                        <a:off x="170054" y="6563637"/>
-                        <a:ext cx="11196547" cy="5725641"/>
-                        <a:chOff x="170054" y="6563637"/>
-                        <a:chExt cx="11196547" cy="5725641"/>
+                        <a:off x="0" y="6563637"/>
+                        <a:ext cx="11853158" cy="6046053"/>
+                        <a:chOff x="0" y="6563637"/>
+                        <a:chExt cx="11853158" cy="6046053"/>
                       </a:xfrm>
                     </p:grpSpPr>
                     <p:grpSp>
@@ -3366,10 +3366,10 @@
                       </p:nvGrpSpPr>
                       <p:grpSpPr>
                         <a:xfrm>
-                          <a:off x="170054" y="6563637"/>
-                          <a:ext cx="11196547" cy="5725641"/>
-                          <a:chOff x="170054" y="6563637"/>
-                          <a:chExt cx="11196547" cy="5725641"/>
+                          <a:off x="0" y="6563637"/>
+                          <a:ext cx="11853158" cy="6046053"/>
+                          <a:chOff x="0" y="6563637"/>
+                          <a:chExt cx="11853158" cy="6046053"/>
                         </a:xfrm>
                       </p:grpSpPr>
                       <p:grpSp>
@@ -3380,10 +3380,10 @@
                         </p:nvGrpSpPr>
                         <p:grpSpPr>
                           <a:xfrm>
-                            <a:off x="170054" y="6563637"/>
-                            <a:ext cx="11158832" cy="5725641"/>
-                            <a:chOff x="170054" y="6563637"/>
-                            <a:chExt cx="11158832" cy="5725641"/>
+                            <a:off x="0" y="6563637"/>
+                            <a:ext cx="11853158" cy="6046053"/>
+                            <a:chOff x="0" y="6563637"/>
+                            <a:chExt cx="11853158" cy="6046053"/>
                           </a:xfrm>
                         </p:grpSpPr>
                         <p:grpSp>
@@ -3394,10 +3394,10 @@
                           </p:nvGrpSpPr>
                           <p:grpSpPr>
                             <a:xfrm>
-                              <a:off x="170054" y="8967003"/>
-                              <a:ext cx="9198883" cy="3322275"/>
-                              <a:chOff x="170054" y="8967003"/>
-                              <a:chExt cx="9198883" cy="3322275"/>
+                              <a:off x="0" y="8829967"/>
+                              <a:ext cx="11853158" cy="3779723"/>
+                              <a:chOff x="0" y="8829967"/>
+                              <a:chExt cx="11853158" cy="3779723"/>
                             </a:xfrm>
                           </p:grpSpPr>
                           <p:pic>
@@ -3422,8 +3422,8 @@
                             </p:blipFill>
                             <p:spPr>
                               <a:xfrm>
-                                <a:off x="170054" y="8967003"/>
-                                <a:ext cx="9198883" cy="3322275"/>
+                                <a:off x="0" y="8829967"/>
+                                <a:ext cx="11853158" cy="3779723"/>
                               </a:xfrm>
                               <a:prstGeom prst="rect">
                                 <a:avLst/>
@@ -3438,8 +3438,8 @@
                             </p:nvSpPr>
                             <p:spPr>
                               <a:xfrm>
-                                <a:off x="533836" y="9216574"/>
-                                <a:ext cx="308397" cy="246221"/>
+                                <a:off x="490491" y="9120877"/>
+                                <a:ext cx="308397" cy="261610"/>
                               </a:xfrm>
                               <a:prstGeom prst="rect">
                                 <a:avLst/>
@@ -3453,13 +3453,13 @@
                               <a:lstStyle/>
                               <a:p>
                                 <a:r>
-                                  <a:rPr lang="fr-FR" sz="1000" dirty="0" smtClean="0">
+                                  <a:rPr lang="fr-FR" sz="1100" dirty="0" smtClean="0">
                                     <a:latin typeface="Arial" panose="020B0604020202020204" pitchFamily="34" charset="0"/>
                                     <a:cs typeface="Arial" panose="020B0604020202020204" pitchFamily="34" charset="0"/>
                                   </a:rPr>
                                   <a:t>0</a:t>
                                 </a:r>
-                                <a:endParaRPr lang="fr-FR" sz="1000" dirty="0">
+                                <a:endParaRPr lang="fr-FR" sz="1100" dirty="0">
                                   <a:latin typeface="Arial" panose="020B0604020202020204" pitchFamily="34" charset="0"/>
                                   <a:cs typeface="Arial" panose="020B0604020202020204" pitchFamily="34" charset="0"/>
                                 </a:endParaRPr>
@@ -3626,7 +3626,7 @@
                           <p:spPr>
                             <a:xfrm>
                               <a:off x="552842" y="6563638"/>
-                              <a:ext cx="2124215" cy="276999"/>
+                              <a:ext cx="2124215" cy="307777"/>
                             </a:xfrm>
                             <a:prstGeom prst="rect">
                               <a:avLst/>
@@ -3641,13 +3641,13 @@
                             <a:p>
                               <a:pPr algn="ctr"/>
                               <a:r>
-                                <a:rPr lang="fr-FR" sz="1200" b="1" dirty="0" smtClean="0">
+                                <a:rPr lang="fr-FR" sz="1400" b="1" dirty="0" smtClean="0">
                                   <a:latin typeface="Arial" panose="020B0604020202020204" pitchFamily="34" charset="0"/>
                                   <a:cs typeface="Arial" panose="020B0604020202020204" pitchFamily="34" charset="0"/>
                                 </a:rPr>
                                 <a:t>West Indian</a:t>
                               </a:r>
-                              <a:endParaRPr lang="fr-FR" sz="1200" b="1" dirty="0">
+                              <a:endParaRPr lang="fr-FR" sz="1400" b="1" dirty="0">
                                 <a:latin typeface="Arial" panose="020B0604020202020204" pitchFamily="34" charset="0"/>
                                 <a:cs typeface="Arial" panose="020B0604020202020204" pitchFamily="34" charset="0"/>
                               </a:endParaRPr>
@@ -3663,7 +3663,7 @@
                           <p:spPr>
                             <a:xfrm>
                               <a:off x="2677057" y="6563638"/>
-                              <a:ext cx="2124215" cy="276999"/>
+                              <a:ext cx="2124215" cy="307777"/>
                             </a:xfrm>
                             <a:prstGeom prst="rect">
                               <a:avLst/>
@@ -3678,13 +3678,13 @@
                             <a:p>
                               <a:pPr algn="ctr"/>
                               <a:r>
-                                <a:rPr lang="fr-FR" sz="1200" b="1" dirty="0" smtClean="0">
+                                <a:rPr lang="fr-FR" sz="1400" b="1" dirty="0" smtClean="0">
                                   <a:latin typeface="Arial" panose="020B0604020202020204" pitchFamily="34" charset="0"/>
                                   <a:cs typeface="Arial" panose="020B0604020202020204" pitchFamily="34" charset="0"/>
                                 </a:rPr>
                                 <a:t>Central Indo-Pacific</a:t>
                               </a:r>
-                              <a:endParaRPr lang="fr-FR" sz="1200" b="1" dirty="0">
+                              <a:endParaRPr lang="fr-FR" sz="1400" b="1" dirty="0">
                                 <a:latin typeface="Arial" panose="020B0604020202020204" pitchFamily="34" charset="0"/>
                                 <a:cs typeface="Arial" panose="020B0604020202020204" pitchFamily="34" charset="0"/>
                               </a:endParaRPr>
@@ -3700,7 +3700,7 @@
                           <p:spPr>
                             <a:xfrm>
                               <a:off x="4813796" y="6563638"/>
-                              <a:ext cx="2199508" cy="276999"/>
+                              <a:ext cx="2199508" cy="307777"/>
                             </a:xfrm>
                             <a:prstGeom prst="rect">
                               <a:avLst/>
@@ -3715,13 +3715,13 @@
                             <a:p>
                               <a:pPr algn="ctr"/>
                               <a:r>
-                                <a:rPr lang="fr-FR" sz="1200" b="1" dirty="0" smtClean="0">
+                                <a:rPr lang="fr-FR" sz="1400" b="1" dirty="0" smtClean="0">
                                   <a:latin typeface="Arial" panose="020B0604020202020204" pitchFamily="34" charset="0"/>
                                   <a:cs typeface="Arial" panose="020B0604020202020204" pitchFamily="34" charset="0"/>
                                 </a:rPr>
                                 <a:t>South-West Pacific</a:t>
                               </a:r>
-                              <a:endParaRPr lang="fr-FR" sz="1200" b="1" dirty="0">
+                              <a:endParaRPr lang="fr-FR" sz="1400" b="1" dirty="0">
                                 <a:latin typeface="Arial" panose="020B0604020202020204" pitchFamily="34" charset="0"/>
                                 <a:cs typeface="Arial" panose="020B0604020202020204" pitchFamily="34" charset="0"/>
                               </a:endParaRPr>
@@ -3737,7 +3737,7 @@
                           <p:spPr>
                             <a:xfrm>
                               <a:off x="7046880" y="6563638"/>
-                              <a:ext cx="2124215" cy="276999"/>
+                              <a:ext cx="2124215" cy="307777"/>
                             </a:xfrm>
                             <a:prstGeom prst="rect">
                               <a:avLst/>
@@ -3752,13 +3752,13 @@
                             <a:p>
                               <a:pPr algn="ctr"/>
                               <a:r>
-                                <a:rPr lang="fr-FR" sz="1200" b="1" dirty="0" smtClean="0">
+                                <a:rPr lang="fr-FR" sz="1400" b="1" dirty="0" smtClean="0">
                                   <a:latin typeface="Arial" panose="020B0604020202020204" pitchFamily="34" charset="0"/>
                                   <a:cs typeface="Arial" panose="020B0604020202020204" pitchFamily="34" charset="0"/>
                                 </a:rPr>
                                 <a:t>Central Pacific</a:t>
                               </a:r>
-                              <a:endParaRPr lang="fr-FR" sz="1200" b="1" dirty="0">
+                              <a:endParaRPr lang="fr-FR" sz="1400" b="1" dirty="0">
                                 <a:latin typeface="Arial" panose="020B0604020202020204" pitchFamily="34" charset="0"/>
                                 <a:cs typeface="Arial" panose="020B0604020202020204" pitchFamily="34" charset="0"/>
                               </a:endParaRPr>
@@ -3774,7 +3774,7 @@
                           <p:spPr>
                             <a:xfrm>
                               <a:off x="9204671" y="6563637"/>
-                              <a:ext cx="2124215" cy="276999"/>
+                              <a:ext cx="2124215" cy="307777"/>
                             </a:xfrm>
                             <a:prstGeom prst="rect">
                               <a:avLst/>
@@ -3789,13 +3789,13 @@
                             <a:p>
                               <a:pPr algn="ctr"/>
                               <a:r>
-                                <a:rPr lang="fr-FR" sz="1200" b="1" dirty="0" smtClean="0">
+                                <a:rPr lang="fr-FR" sz="1400" b="1" dirty="0" smtClean="0">
                                   <a:latin typeface="Arial" panose="020B0604020202020204" pitchFamily="34" charset="0"/>
                                   <a:cs typeface="Arial" panose="020B0604020202020204" pitchFamily="34" charset="0"/>
                                 </a:rPr>
                                 <a:t>Caribbean</a:t>
                               </a:r>
-                              <a:endParaRPr lang="fr-FR" sz="1200" b="1" dirty="0">
+                              <a:endParaRPr lang="fr-FR" sz="1400" b="1" dirty="0">
                                 <a:latin typeface="Arial" panose="020B0604020202020204" pitchFamily="34" charset="0"/>
                                 <a:cs typeface="Arial" panose="020B0604020202020204" pitchFamily="34" charset="0"/>
                               </a:endParaRPr>
@@ -3812,7 +3812,7 @@
                         <p:spPr>
                           <a:xfrm>
                             <a:off x="551119" y="8362293"/>
-                            <a:ext cx="2125937" cy="430887"/>
+                            <a:ext cx="2125937" cy="461665"/>
                           </a:xfrm>
                           <a:prstGeom prst="rect">
                             <a:avLst/>
@@ -3827,7 +3827,7 @@
                           <a:p>
                             <a:pPr algn="ctr"/>
                             <a:r>
-                              <a:rPr lang="fr-FR" sz="1100" i="1" dirty="0" smtClean="0">
+                              <a:rPr lang="fr-FR" sz="1200" i="1" dirty="0" smtClean="0">
                                 <a:latin typeface="Arial" panose="020B0604020202020204" pitchFamily="34" charset="0"/>
                                 <a:cs typeface="Arial" panose="020B0604020202020204" pitchFamily="34" charset="0"/>
                               </a:rPr>
@@ -3837,13 +3837,13 @@
                           <a:p>
                             <a:pPr algn="ctr"/>
                             <a:r>
-                              <a:rPr lang="fr-FR" sz="1100" i="1" dirty="0" smtClean="0">
+                              <a:rPr lang="fr-FR" sz="1200" i="1" dirty="0" smtClean="0">
                                 <a:latin typeface="Arial" panose="020B0604020202020204" pitchFamily="34" charset="0"/>
                                 <a:cs typeface="Arial" panose="020B0604020202020204" pitchFamily="34" charset="0"/>
                               </a:rPr>
                               <a:t>16 stations</a:t>
                             </a:r>
-                            <a:endParaRPr lang="fr-FR" sz="1100" i="1" dirty="0">
+                            <a:endParaRPr lang="fr-FR" sz="1200" i="1" dirty="0">
                               <a:latin typeface="Arial" panose="020B0604020202020204" pitchFamily="34" charset="0"/>
                               <a:cs typeface="Arial" panose="020B0604020202020204" pitchFamily="34" charset="0"/>
                             </a:endParaRPr>
@@ -3859,7 +3859,7 @@
                         <p:spPr>
                           <a:xfrm>
                             <a:off x="2675335" y="8362293"/>
-                            <a:ext cx="2125937" cy="430887"/>
+                            <a:ext cx="2125937" cy="461665"/>
                           </a:xfrm>
                           <a:prstGeom prst="rect">
                             <a:avLst/>
@@ -3874,7 +3874,7 @@
                           <a:p>
                             <a:pPr algn="ctr"/>
                             <a:r>
-                              <a:rPr lang="fr-FR" sz="1100" i="1" dirty="0" smtClean="0">
+                              <a:rPr lang="fr-FR" sz="1200" i="1" dirty="0" smtClean="0">
                                 <a:latin typeface="Arial" panose="020B0604020202020204" pitchFamily="34" charset="0"/>
                                 <a:cs typeface="Arial" panose="020B0604020202020204" pitchFamily="34" charset="0"/>
                               </a:rPr>
@@ -3884,13 +3884,13 @@
                           <a:p>
                             <a:pPr algn="ctr"/>
                             <a:r>
-                              <a:rPr lang="fr-FR" sz="1100" i="1" dirty="0" smtClean="0">
+                              <a:rPr lang="fr-FR" sz="1200" i="1" dirty="0" smtClean="0">
                                 <a:latin typeface="Arial" panose="020B0604020202020204" pitchFamily="34" charset="0"/>
                                 <a:cs typeface="Arial" panose="020B0604020202020204" pitchFamily="34" charset="0"/>
                               </a:rPr>
                               <a:t>46 stations</a:t>
                             </a:r>
-                            <a:endParaRPr lang="fr-FR" sz="1100" i="1" dirty="0">
+                            <a:endParaRPr lang="fr-FR" sz="1200" i="1" dirty="0">
                               <a:latin typeface="Arial" panose="020B0604020202020204" pitchFamily="34" charset="0"/>
                               <a:cs typeface="Arial" panose="020B0604020202020204" pitchFamily="34" charset="0"/>
                             </a:endParaRPr>
@@ -3906,7 +3906,7 @@
                         <p:spPr>
                           <a:xfrm>
                             <a:off x="4887367" y="8362292"/>
-                            <a:ext cx="2125937" cy="430887"/>
+                            <a:ext cx="2125937" cy="461665"/>
                           </a:xfrm>
                           <a:prstGeom prst="rect">
                             <a:avLst/>
@@ -3921,14 +3921,14 @@
                           <a:p>
                             <a:pPr algn="ctr"/>
                             <a:r>
-                              <a:rPr lang="fr-FR" sz="1100" i="1" dirty="0">
+                              <a:rPr lang="fr-FR" sz="1200" i="1" dirty="0">
                                 <a:latin typeface="Arial" panose="020B0604020202020204" pitchFamily="34" charset="0"/>
                                 <a:cs typeface="Arial" panose="020B0604020202020204" pitchFamily="34" charset="0"/>
                               </a:rPr>
                               <a:t>6</a:t>
                             </a:r>
                             <a:r>
-                              <a:rPr lang="fr-FR" sz="1100" i="1" dirty="0" smtClean="0">
+                              <a:rPr lang="fr-FR" sz="1200" i="1" dirty="0" smtClean="0">
                                 <a:latin typeface="Arial" panose="020B0604020202020204" pitchFamily="34" charset="0"/>
                                 <a:cs typeface="Arial" panose="020B0604020202020204" pitchFamily="34" charset="0"/>
                               </a:rPr>
@@ -3938,13 +3938,13 @@
                           <a:p>
                             <a:pPr algn="ctr"/>
                             <a:r>
-                              <a:rPr lang="fr-FR" sz="1100" i="1" dirty="0" smtClean="0">
+                              <a:rPr lang="fr-FR" sz="1200" i="1" dirty="0" smtClean="0">
                                 <a:latin typeface="Arial" panose="020B0604020202020204" pitchFamily="34" charset="0"/>
                                 <a:cs typeface="Arial" panose="020B0604020202020204" pitchFamily="34" charset="0"/>
                               </a:rPr>
                               <a:t>48 stations</a:t>
                             </a:r>
-                            <a:endParaRPr lang="fr-FR" sz="1100" i="1" dirty="0">
+                            <a:endParaRPr lang="fr-FR" sz="1200" i="1" dirty="0">
                               <a:latin typeface="Arial" panose="020B0604020202020204" pitchFamily="34" charset="0"/>
                               <a:cs typeface="Arial" panose="020B0604020202020204" pitchFamily="34" charset="0"/>
                             </a:endParaRPr>
@@ -3960,7 +3960,7 @@
                         <p:spPr>
                           <a:xfrm>
                             <a:off x="7107925" y="8362457"/>
-                            <a:ext cx="2125937" cy="430887"/>
+                            <a:ext cx="2125937" cy="461665"/>
                           </a:xfrm>
                           <a:prstGeom prst="rect">
                             <a:avLst/>
@@ -3975,14 +3975,14 @@
                           <a:p>
                             <a:pPr algn="ctr"/>
                             <a:r>
-                              <a:rPr lang="fr-FR" sz="1100" i="1" dirty="0">
+                              <a:rPr lang="fr-FR" sz="1200" i="1" dirty="0">
                                 <a:latin typeface="Arial" panose="020B0604020202020204" pitchFamily="34" charset="0"/>
                                 <a:cs typeface="Arial" panose="020B0604020202020204" pitchFamily="34" charset="0"/>
                               </a:rPr>
                               <a:t>1</a:t>
                             </a:r>
                             <a:r>
-                              <a:rPr lang="fr-FR" sz="1100" i="1" dirty="0" smtClean="0">
+                              <a:rPr lang="fr-FR" sz="1200" i="1" dirty="0" smtClean="0">
                                 <a:latin typeface="Arial" panose="020B0604020202020204" pitchFamily="34" charset="0"/>
                                 <a:cs typeface="Arial" panose="020B0604020202020204" pitchFamily="34" charset="0"/>
                               </a:rPr>
@@ -3992,20 +3992,20 @@
                           <a:p>
                             <a:pPr algn="ctr"/>
                             <a:r>
-                              <a:rPr lang="fr-FR" sz="1100" i="1" dirty="0">
+                              <a:rPr lang="fr-FR" sz="1200" i="1" dirty="0">
                                 <a:latin typeface="Arial" panose="020B0604020202020204" pitchFamily="34" charset="0"/>
                                 <a:cs typeface="Arial" panose="020B0604020202020204" pitchFamily="34" charset="0"/>
                               </a:rPr>
                               <a:t>4</a:t>
                             </a:r>
                             <a:r>
-                              <a:rPr lang="fr-FR" sz="1100" i="1" dirty="0" smtClean="0">
+                              <a:rPr lang="fr-FR" sz="1200" i="1" dirty="0" smtClean="0">
                                 <a:latin typeface="Arial" panose="020B0604020202020204" pitchFamily="34" charset="0"/>
                                 <a:cs typeface="Arial" panose="020B0604020202020204" pitchFamily="34" charset="0"/>
                               </a:rPr>
                               <a:t> stations</a:t>
                             </a:r>
-                            <a:endParaRPr lang="fr-FR" sz="1100" i="1" dirty="0">
+                            <a:endParaRPr lang="fr-FR" sz="1200" i="1" dirty="0">
                               <a:latin typeface="Arial" panose="020B0604020202020204" pitchFamily="34" charset="0"/>
                               <a:cs typeface="Arial" panose="020B0604020202020204" pitchFamily="34" charset="0"/>
                             </a:endParaRPr>
@@ -4021,7 +4021,7 @@
                         <p:spPr>
                           <a:xfrm>
                             <a:off x="9240664" y="8362292"/>
-                            <a:ext cx="2125937" cy="430887"/>
+                            <a:ext cx="2125937" cy="461665"/>
                           </a:xfrm>
                           <a:prstGeom prst="rect">
                             <a:avLst/>
@@ -4036,14 +4036,14 @@
                           <a:p>
                             <a:pPr algn="ctr"/>
                             <a:r>
-                              <a:rPr lang="fr-FR" sz="1100" i="1" dirty="0">
+                              <a:rPr lang="fr-FR" sz="1200" i="1" dirty="0">
                                 <a:latin typeface="Arial" panose="020B0604020202020204" pitchFamily="34" charset="0"/>
                                 <a:cs typeface="Arial" panose="020B0604020202020204" pitchFamily="34" charset="0"/>
                               </a:rPr>
                               <a:t>3</a:t>
                             </a:r>
                             <a:r>
-                              <a:rPr lang="fr-FR" sz="1100" i="1" dirty="0" smtClean="0">
+                              <a:rPr lang="fr-FR" sz="1200" i="1" dirty="0" smtClean="0">
                                 <a:latin typeface="Arial" panose="020B0604020202020204" pitchFamily="34" charset="0"/>
                                 <a:cs typeface="Arial" panose="020B0604020202020204" pitchFamily="34" charset="0"/>
                               </a:rPr>
@@ -4053,13 +4053,13 @@
                           <a:p>
                             <a:pPr algn="ctr"/>
                             <a:r>
-                              <a:rPr lang="fr-FR" sz="1100" i="1" dirty="0" smtClean="0">
+                              <a:rPr lang="fr-FR" sz="1200" i="1" dirty="0" smtClean="0">
                                 <a:latin typeface="Arial" panose="020B0604020202020204" pitchFamily="34" charset="0"/>
                                 <a:cs typeface="Arial" panose="020B0604020202020204" pitchFamily="34" charset="0"/>
                               </a:rPr>
                               <a:t>31 stations</a:t>
                             </a:r>
-                            <a:endParaRPr lang="fr-FR" sz="1100" i="1" dirty="0">
+                            <a:endParaRPr lang="fr-FR" sz="1200" i="1" dirty="0">
                               <a:latin typeface="Arial" panose="020B0604020202020204" pitchFamily="34" charset="0"/>
                               <a:cs typeface="Arial" panose="020B0604020202020204" pitchFamily="34" charset="0"/>
                             </a:endParaRPr>
@@ -4075,8 +4075,8 @@
                       </p:nvSpPr>
                       <p:spPr>
                         <a:xfrm>
-                          <a:off x="8784986" y="8798022"/>
-                          <a:ext cx="262770" cy="276999"/>
+                          <a:off x="11164876" y="8641717"/>
+                          <a:ext cx="262770" cy="338554"/>
                         </a:xfrm>
                         <a:prstGeom prst="rect">
                           <a:avLst/>
@@ -4090,21 +4090,21 @@
                         <a:lstStyle/>
                         <a:p>
                           <a:r>
-                            <a:rPr lang="el-GR" sz="1200" b="1" i="1" dirty="0" smtClean="0">
+                            <a:rPr lang="el-GR" sz="1600" b="1" i="1" dirty="0" smtClean="0">
                               <a:latin typeface="Arial" panose="020B0604020202020204" pitchFamily="34" charset="0"/>
                               <a:cs typeface="Arial" panose="020B0604020202020204" pitchFamily="34" charset="0"/>
                             </a:rPr>
                             <a:t>γ</a:t>
                           </a:r>
-                          <a:endParaRPr lang="fr-FR" sz="1200" b="1" i="1" dirty="0">
+                          <a:endParaRPr lang="fr-FR" sz="1600" b="1" i="1" dirty="0">
                             <a:latin typeface="Arial" panose="020B0604020202020204" pitchFamily="34" charset="0"/>
                             <a:cs typeface="Arial" panose="020B0604020202020204" pitchFamily="34" charset="0"/>
                           </a:endParaRPr>
                         </a:p>
                       </p:txBody>
                     </p:sp>
-                    <mc:AlternateContent xmlns:mc="http://schemas.openxmlformats.org/markup-compatibility/2006" xmlns:a14="http://schemas.microsoft.com/office/drawing/2010/main">
-                      <mc:Choice Requires="a14">
+                    <mc:AlternateContent xmlns:mc="http://schemas.openxmlformats.org/markup-compatibility/2006">
+                      <mc:Choice xmlns:a14="http://schemas.microsoft.com/office/drawing/2010/main" Requires="a14">
                         <p:sp>
                           <p:nvSpPr>
                             <p:cNvPr id="30" name="ZoneTexte 29"/>
@@ -4113,8 +4113,8 @@
                           </p:nvSpPr>
                           <p:spPr>
                             <a:xfrm>
-                              <a:off x="6613646" y="9257264"/>
-                              <a:ext cx="399658" cy="276999"/>
+                              <a:off x="8385328" y="9157981"/>
+                              <a:ext cx="399658" cy="338554"/>
                             </a:xfrm>
                             <a:prstGeom prst="rect">
                               <a:avLst/>
@@ -4137,14 +4137,14 @@
                                     <m:sSub>
                                       <m:sSubPr>
                                         <m:ctrlPr>
-                                          <a:rPr lang="fr-FR" sz="1200" b="1" i="1" smtClean="0">
+                                          <a:rPr lang="fr-FR" sz="1600" b="1" i="1" smtClean="0">
                                             <a:latin typeface="Cambria Math" panose="02040503050406030204" pitchFamily="18" charset="0"/>
                                           </a:rPr>
                                         </m:ctrlPr>
                                       </m:sSubPr>
                                       <m:e>
                                         <m:r>
-                                          <a:rPr lang="fr-FR" sz="1200" b="1" i="1" smtClean="0">
+                                          <a:rPr lang="fr-FR" sz="1600" b="1" i="1" smtClean="0">
                                             <a:latin typeface="Cambria Math" panose="02040503050406030204" pitchFamily="18" charset="0"/>
                                             <a:ea typeface="Cambria Math" panose="02040503050406030204" pitchFamily="18" charset="0"/>
                                           </a:rPr>
@@ -4153,7 +4153,7 @@
                                       </m:e>
                                       <m:sub>
                                         <m:r>
-                                          <a:rPr lang="fr-FR" sz="1200" b="1" i="1" smtClean="0">
+                                          <a:rPr lang="fr-FR" sz="1600" b="1" i="1" smtClean="0">
                                             <a:latin typeface="Cambria Math" panose="02040503050406030204" pitchFamily="18" charset="0"/>
                                           </a:rPr>
                                           <m:t>𝒓</m:t>
@@ -4163,7 +4163,7 @@
                                   </m:oMath>
                                 </m:oMathPara>
                               </a14:m>
-                              <a:endParaRPr lang="fr-FR" sz="1200" b="1" dirty="0">
+                              <a:endParaRPr lang="fr-FR" sz="1600" b="1" dirty="0">
                                 <a:latin typeface="Arial" panose="020B0604020202020204" pitchFamily="34" charset="0"/>
                                 <a:cs typeface="Arial" panose="020B0604020202020204" pitchFamily="34" charset="0"/>
                               </a:endParaRPr>
@@ -4171,7 +4171,7 @@
                           </p:txBody>
                         </p:sp>
                       </mc:Choice>
-                      <mc:Fallback xmlns="">
+                      <mc:Fallback>
                         <p:sp>
                           <p:nvSpPr>
                             <p:cNvPr id="30" name="ZoneTexte 29"/>
@@ -4182,8 +4182,8 @@
                           </p:nvSpPr>
                           <p:spPr>
                             <a:xfrm>
-                              <a:off x="6613646" y="9257264"/>
-                              <a:ext cx="399658" cy="276999"/>
+                              <a:off x="8385328" y="9157981"/>
+                              <a:ext cx="399658" cy="338554"/>
                             </a:xfrm>
                             <a:prstGeom prst="rect">
                               <a:avLst/>
@@ -4191,7 +4191,7 @@
                             <a:blipFill>
                               <a:blip r:embed="rId8"/>
                               <a:stretch>
-                                <a:fillRect b="-6522"/>
+                                <a:fillRect l="-1563" b="-10714"/>
                               </a:stretch>
                             </a:blipFill>
                           </p:spPr>
@@ -4210,8 +4210,8 @@
                         </p:sp>
                       </mc:Fallback>
                     </mc:AlternateContent>
-                    <mc:AlternateContent xmlns:mc="http://schemas.openxmlformats.org/markup-compatibility/2006" xmlns:a14="http://schemas.microsoft.com/office/drawing/2010/main">
-                      <mc:Choice Requires="a14">
+                    <mc:AlternateContent xmlns:mc="http://schemas.openxmlformats.org/markup-compatibility/2006">
+                      <mc:Choice xmlns:a14="http://schemas.microsoft.com/office/drawing/2010/main" Requires="a14">
                         <p:sp>
                           <p:nvSpPr>
                             <p:cNvPr id="31" name="ZoneTexte 30"/>
@@ -4220,8 +4220,8 @@
                           </p:nvSpPr>
                           <p:spPr>
                             <a:xfrm>
-                              <a:off x="1618582" y="9875157"/>
-                              <a:ext cx="399658" cy="281167"/>
+                              <a:off x="1900316" y="9828062"/>
+                              <a:ext cx="399658" cy="344133"/>
                             </a:xfrm>
                             <a:prstGeom prst="rect">
                               <a:avLst/>
@@ -4244,7 +4244,7 @@
                                     <m:sSub>
                                       <m:sSubPr>
                                         <m:ctrlPr>
-                                          <a:rPr lang="fr-FR" sz="1200" b="1" i="1" smtClean="0">
+                                          <a:rPr lang="fr-FR" sz="1600" b="1" i="1" smtClean="0">
                                             <a:latin typeface="Cambria Math" panose="02040503050406030204" pitchFamily="18" charset="0"/>
                                           </a:rPr>
                                         </m:ctrlPr>
@@ -4254,14 +4254,14 @@
                                           <m:accPr>
                                             <m:chr m:val="̅"/>
                                             <m:ctrlPr>
-                                              <a:rPr lang="fr-FR" sz="1200" b="1" i="1" smtClean="0">
+                                              <a:rPr lang="fr-FR" sz="1600" b="1" i="1" smtClean="0">
                                                 <a:latin typeface="Cambria Math" panose="02040503050406030204" pitchFamily="18" charset="0"/>
                                               </a:rPr>
                                             </m:ctrlPr>
                                           </m:accPr>
                                           <m:e>
                                             <m:r>
-                                              <a:rPr lang="fr-FR" sz="1200" b="1" i="1">
+                                              <a:rPr lang="fr-FR" sz="1600" b="1" i="1">
                                                 <a:latin typeface="Cambria Math" panose="02040503050406030204" pitchFamily="18" charset="0"/>
                                                 <a:ea typeface="Cambria Math" panose="02040503050406030204" pitchFamily="18" charset="0"/>
                                               </a:rPr>
@@ -4272,7 +4272,7 @@
                                       </m:e>
                                       <m:sub>
                                         <m:r>
-                                          <a:rPr lang="fr-FR" sz="1200" b="1" i="1" smtClean="0">
+                                          <a:rPr lang="fr-FR" sz="1600" b="1" i="1" smtClean="0">
                                             <a:latin typeface="Cambria Math" panose="02040503050406030204" pitchFamily="18" charset="0"/>
                                           </a:rPr>
                                           <m:t>𝒔</m:t>
@@ -4282,7 +4282,7 @@
                                   </m:oMath>
                                 </m:oMathPara>
                               </a14:m>
-                              <a:endParaRPr lang="fr-FR" sz="1200" b="1" dirty="0">
+                              <a:endParaRPr lang="fr-FR" sz="1600" b="1" dirty="0">
                                 <a:latin typeface="Arial" panose="020B0604020202020204" pitchFamily="34" charset="0"/>
                                 <a:cs typeface="Arial" panose="020B0604020202020204" pitchFamily="34" charset="0"/>
                               </a:endParaRPr>
@@ -4290,7 +4290,7 @@
                           </p:txBody>
                         </p:sp>
                       </mc:Choice>
-                      <mc:Fallback xmlns="">
+                      <mc:Fallback>
                         <p:sp>
                           <p:nvSpPr>
                             <p:cNvPr id="31" name="ZoneTexte 30"/>
@@ -4301,8 +4301,8 @@
                           </p:nvSpPr>
                           <p:spPr>
                             <a:xfrm>
-                              <a:off x="1618582" y="9875157"/>
-                              <a:ext cx="399658" cy="281167"/>
+                              <a:off x="1900316" y="9828062"/>
+                              <a:ext cx="399658" cy="344133"/>
                             </a:xfrm>
                             <a:prstGeom prst="rect">
                               <a:avLst/>
@@ -4310,7 +4310,7 @@
                             <a:blipFill>
                               <a:blip r:embed="rId9"/>
                               <a:stretch>
-                                <a:fillRect b="-6522"/>
+                                <a:fillRect l="-1563" b="-10526"/>
                               </a:stretch>
                             </a:blipFill>
                           </p:spPr>
@@ -4329,8 +4329,8 @@
                         </p:sp>
                       </mc:Fallback>
                     </mc:AlternateContent>
-                    <mc:AlternateContent xmlns:mc="http://schemas.openxmlformats.org/markup-compatibility/2006" xmlns:a14="http://schemas.microsoft.com/office/drawing/2010/main">
-                      <mc:Choice Requires="a14">
+                    <mc:AlternateContent xmlns:mc="http://schemas.openxmlformats.org/markup-compatibility/2006">
+                      <mc:Choice xmlns:a14="http://schemas.microsoft.com/office/drawing/2010/main" Requires="a14">
                         <p:sp>
                           <p:nvSpPr>
                             <p:cNvPr id="32" name="ZoneTexte 31"/>
@@ -4339,8 +4339,8 @@
                           </p:nvSpPr>
                           <p:spPr>
                             <a:xfrm>
-                              <a:off x="1042115" y="10596679"/>
-                              <a:ext cx="399658" cy="281167"/>
+                              <a:off x="1148228" y="10658312"/>
+                              <a:ext cx="399658" cy="344133"/>
                             </a:xfrm>
                             <a:prstGeom prst="rect">
                               <a:avLst/>
@@ -4363,7 +4363,7 @@
                                     <m:sSub>
                                       <m:sSubPr>
                                         <m:ctrlPr>
-                                          <a:rPr lang="fr-FR" sz="1200" b="1" i="1" smtClean="0">
+                                          <a:rPr lang="fr-FR" sz="1600" b="1" i="1" smtClean="0">
                                             <a:latin typeface="Cambria Math" panose="02040503050406030204" pitchFamily="18" charset="0"/>
                                           </a:rPr>
                                         </m:ctrlPr>
@@ -4373,14 +4373,14 @@
                                           <m:accPr>
                                             <m:chr m:val="̅"/>
                                             <m:ctrlPr>
-                                              <a:rPr lang="fr-FR" sz="1200" b="1" i="1" smtClean="0">
+                                              <a:rPr lang="fr-FR" sz="1600" b="1" i="1" smtClean="0">
                                                 <a:latin typeface="Cambria Math" panose="02040503050406030204" pitchFamily="18" charset="0"/>
                                               </a:rPr>
                                             </m:ctrlPr>
                                           </m:accPr>
                                           <m:e>
                                             <m:r>
-                                              <a:rPr lang="fr-FR" sz="1200" b="1" i="1">
+                                              <a:rPr lang="fr-FR" sz="1600" b="1" i="1">
                                                 <a:latin typeface="Cambria Math" panose="02040503050406030204" pitchFamily="18" charset="0"/>
                                                 <a:ea typeface="Cambria Math" panose="02040503050406030204" pitchFamily="18" charset="0"/>
                                               </a:rPr>
@@ -4391,7 +4391,7 @@
                                       </m:e>
                                       <m:sub>
                                         <m:r>
-                                          <a:rPr lang="fr-FR" sz="1200" b="1" i="1" smtClean="0">
+                                          <a:rPr lang="fr-FR" sz="1600" b="1" i="1" smtClean="0">
                                             <a:latin typeface="Cambria Math" panose="02040503050406030204" pitchFamily="18" charset="0"/>
                                           </a:rPr>
                                           <m:t>𝒔𝒕</m:t>
@@ -4401,7 +4401,7 @@
                                   </m:oMath>
                                 </m:oMathPara>
                               </a14:m>
-                              <a:endParaRPr lang="fr-FR" sz="1200" b="1" dirty="0">
+                              <a:endParaRPr lang="fr-FR" sz="1600" b="1" dirty="0">
                                 <a:latin typeface="Arial" panose="020B0604020202020204" pitchFamily="34" charset="0"/>
                                 <a:cs typeface="Arial" panose="020B0604020202020204" pitchFamily="34" charset="0"/>
                               </a:endParaRPr>
@@ -4409,7 +4409,7 @@
                           </p:txBody>
                         </p:sp>
                       </mc:Choice>
-                      <mc:Fallback xmlns="">
+                      <mc:Fallback>
                         <p:sp>
                           <p:nvSpPr>
                             <p:cNvPr id="32" name="ZoneTexte 31"/>
@@ -4420,8 +4420,8 @@
                           </p:nvSpPr>
                           <p:spPr>
                             <a:xfrm>
-                              <a:off x="1042115" y="10596679"/>
-                              <a:ext cx="399658" cy="281167"/>
+                              <a:off x="1148228" y="10658312"/>
+                              <a:ext cx="399658" cy="344133"/>
                             </a:xfrm>
                             <a:prstGeom prst="rect">
                               <a:avLst/>
@@ -4429,7 +4429,7 @@
                             <a:blipFill>
                               <a:blip r:embed="rId10"/>
                               <a:stretch>
-                                <a:fillRect b="-8696"/>
+                                <a:fillRect l="-1563" r="-6250" b="-10526"/>
                               </a:stretch>
                             </a:blipFill>
                           </p:spPr>
@@ -4448,8 +4448,8 @@
                         </p:sp>
                       </mc:Fallback>
                     </mc:AlternateContent>
-                    <mc:AlternateContent xmlns:mc="http://schemas.openxmlformats.org/markup-compatibility/2006" xmlns:a14="http://schemas.microsoft.com/office/drawing/2010/main">
-                      <mc:Choice Requires="a14">
+                    <mc:AlternateContent xmlns:mc="http://schemas.openxmlformats.org/markup-compatibility/2006">
+                      <mc:Choice xmlns:a14="http://schemas.microsoft.com/office/drawing/2010/main" Requires="a14">
                         <p:sp>
                           <p:nvSpPr>
                             <p:cNvPr id="33" name="ZoneTexte 32"/>
@@ -4458,8 +4458,8 @@
                           </p:nvSpPr>
                           <p:spPr>
                             <a:xfrm>
-                              <a:off x="810387" y="11371049"/>
-                              <a:ext cx="399658" cy="276999"/>
+                              <a:off x="868453" y="11544653"/>
+                              <a:ext cx="399658" cy="338554"/>
                             </a:xfrm>
                             <a:prstGeom prst="rect">
                               <a:avLst/>
@@ -4483,7 +4483,7 @@
                                       <m:accPr>
                                         <m:chr m:val="̅"/>
                                         <m:ctrlPr>
-                                          <a:rPr lang="fr-FR" sz="1200" b="1" i="1" smtClean="0">
+                                          <a:rPr lang="fr-FR" sz="1600" b="1" i="1" smtClean="0">
                                             <a:latin typeface="Cambria Math" panose="02040503050406030204" pitchFamily="18" charset="0"/>
                                             <a:cs typeface="Arial" panose="020B0604020202020204" pitchFamily="34" charset="0"/>
                                           </a:rPr>
@@ -4491,7 +4491,7 @@
                                       </m:accPr>
                                       <m:e>
                                         <m:r>
-                                          <a:rPr lang="fr-FR" sz="1200" b="1" i="1" smtClean="0">
+                                          <a:rPr lang="fr-FR" sz="1600" b="1" i="1" smtClean="0">
                                             <a:latin typeface="Cambria Math" panose="02040503050406030204" pitchFamily="18" charset="0"/>
                                             <a:ea typeface="Cambria Math" panose="02040503050406030204" pitchFamily="18" charset="0"/>
                                             <a:cs typeface="Arial" panose="020B0604020202020204" pitchFamily="34" charset="0"/>
@@ -4503,7 +4503,7 @@
                                   </m:oMath>
                                 </m:oMathPara>
                               </a14:m>
-                              <a:endParaRPr lang="fr-FR" sz="1200" b="1" dirty="0">
+                              <a:endParaRPr lang="fr-FR" sz="1600" b="1" dirty="0">
                                 <a:latin typeface="Arial" panose="020B0604020202020204" pitchFamily="34" charset="0"/>
                                 <a:cs typeface="Arial" panose="020B0604020202020204" pitchFamily="34" charset="0"/>
                               </a:endParaRPr>
@@ -4511,7 +4511,7 @@
                           </p:txBody>
                         </p:sp>
                       </mc:Choice>
-                      <mc:Fallback xmlns="">
+                      <mc:Fallback>
                         <p:sp>
                           <p:nvSpPr>
                             <p:cNvPr id="33" name="ZoneTexte 32"/>
@@ -4522,8 +4522,8 @@
                           </p:nvSpPr>
                           <p:spPr>
                             <a:xfrm>
-                              <a:off x="810387" y="11371049"/>
-                              <a:ext cx="399658" cy="276999"/>
+                              <a:off x="868453" y="11544653"/>
+                              <a:ext cx="399658" cy="338554"/>
                             </a:xfrm>
                             <a:prstGeom prst="rect">
                               <a:avLst/>
@@ -4559,8 +4559,8 @@
                     </p:nvSpPr>
                     <p:spPr>
                       <a:xfrm>
-                        <a:off x="533836" y="9656445"/>
-                        <a:ext cx="308397" cy="246221"/>
+                        <a:off x="490491" y="9592647"/>
+                        <a:ext cx="308397" cy="261610"/>
                       </a:xfrm>
                       <a:prstGeom prst="rect">
                         <a:avLst/>
@@ -4574,13 +4574,13 @@
                       <a:lstStyle/>
                       <a:p>
                         <a:r>
-                          <a:rPr lang="fr-FR" sz="1000" dirty="0" smtClean="0">
+                          <a:rPr lang="fr-FR" sz="1100" dirty="0" smtClean="0">
                             <a:latin typeface="Arial" panose="020B0604020202020204" pitchFamily="34" charset="0"/>
                             <a:cs typeface="Arial" panose="020B0604020202020204" pitchFamily="34" charset="0"/>
                           </a:rPr>
                           <a:t>0</a:t>
                         </a:r>
-                        <a:endParaRPr lang="fr-FR" sz="1000" dirty="0">
+                        <a:endParaRPr lang="fr-FR" sz="1100" dirty="0">
                           <a:latin typeface="Arial" panose="020B0604020202020204" pitchFamily="34" charset="0"/>
                           <a:cs typeface="Arial" panose="020B0604020202020204" pitchFamily="34" charset="0"/>
                         </a:endParaRPr>
@@ -4596,8 +4596,8 @@
                   </p:nvSpPr>
                   <p:spPr>
                     <a:xfrm>
-                      <a:off x="523256" y="10491568"/>
-                      <a:ext cx="308397" cy="246221"/>
+                      <a:off x="479910" y="10555366"/>
+                      <a:ext cx="308397" cy="261610"/>
                     </a:xfrm>
                     <a:prstGeom prst="rect">
                       <a:avLst/>
@@ -4611,13 +4611,13 @@
                     <a:lstStyle/>
                     <a:p>
                       <a:r>
-                        <a:rPr lang="fr-FR" sz="1000" dirty="0" smtClean="0">
+                        <a:rPr lang="fr-FR" sz="1100" dirty="0" smtClean="0">
                           <a:latin typeface="Arial" panose="020B0604020202020204" pitchFamily="34" charset="0"/>
                           <a:cs typeface="Arial" panose="020B0604020202020204" pitchFamily="34" charset="0"/>
                         </a:rPr>
                         <a:t>0</a:t>
                       </a:r>
-                      <a:endParaRPr lang="fr-FR" sz="1000" dirty="0">
+                      <a:endParaRPr lang="fr-FR" sz="1100" dirty="0">
                         <a:latin typeface="Arial" panose="020B0604020202020204" pitchFamily="34" charset="0"/>
                         <a:cs typeface="Arial" panose="020B0604020202020204" pitchFamily="34" charset="0"/>
                       </a:endParaRPr>
@@ -4633,8 +4633,8 @@
                 </p:nvSpPr>
                 <p:spPr>
                   <a:xfrm>
-                    <a:off x="523203" y="11215762"/>
-                    <a:ext cx="308397" cy="246221"/>
+                    <a:off x="490694" y="11407156"/>
+                    <a:ext cx="308397" cy="261610"/>
                   </a:xfrm>
                   <a:prstGeom prst="rect">
                     <a:avLst/>
@@ -4648,13 +4648,13 @@
                   <a:lstStyle/>
                   <a:p>
                     <a:r>
-                      <a:rPr lang="fr-FR" sz="1000" dirty="0" smtClean="0">
+                      <a:rPr lang="fr-FR" sz="1100" dirty="0" smtClean="0">
                         <a:latin typeface="Arial" panose="020B0604020202020204" pitchFamily="34" charset="0"/>
                         <a:cs typeface="Arial" panose="020B0604020202020204" pitchFamily="34" charset="0"/>
                       </a:rPr>
                       <a:t>0</a:t>
                     </a:r>
-                    <a:endParaRPr lang="fr-FR" sz="1000" dirty="0">
+                    <a:endParaRPr lang="fr-FR" sz="1100" dirty="0">
                       <a:latin typeface="Arial" panose="020B0604020202020204" pitchFamily="34" charset="0"/>
                       <a:cs typeface="Arial" panose="020B0604020202020204" pitchFamily="34" charset="0"/>
                     </a:endParaRPr>
@@ -4669,8 +4669,8 @@
                 </p:nvSpPr>
                 <p:spPr>
                   <a:xfrm>
-                    <a:off x="523203" y="11945545"/>
-                    <a:ext cx="257498" cy="246221"/>
+                    <a:off x="490694" y="12232636"/>
+                    <a:ext cx="257498" cy="261610"/>
                   </a:xfrm>
                   <a:prstGeom prst="rect">
                     <a:avLst/>
@@ -4684,13 +4684,13 @@
                   <a:lstStyle/>
                   <a:p>
                     <a:r>
-                      <a:rPr lang="fr-FR" sz="1000" dirty="0" smtClean="0">
+                      <a:rPr lang="fr-FR" sz="1100" dirty="0" smtClean="0">
                         <a:latin typeface="Arial" panose="020B0604020202020204" pitchFamily="34" charset="0"/>
                         <a:cs typeface="Arial" panose="020B0604020202020204" pitchFamily="34" charset="0"/>
                       </a:rPr>
                       <a:t>0</a:t>
                     </a:r>
-                    <a:endParaRPr lang="fr-FR" sz="1000" dirty="0">
+                    <a:endParaRPr lang="fr-FR" sz="1100" dirty="0">
                       <a:latin typeface="Arial" panose="020B0604020202020204" pitchFamily="34" charset="0"/>
                       <a:cs typeface="Arial" panose="020B0604020202020204" pitchFamily="34" charset="0"/>
                     </a:endParaRPr>
@@ -4698,47 +4698,8 @@
                 </p:txBody>
               </p:sp>
             </p:grpSp>
-            <p:cxnSp>
-              <p:nvCxnSpPr>
-                <p:cNvPr id="48" name="Connecteur droit 47"/>
-                <p:cNvCxnSpPr/>
-                <p:nvPr/>
-              </p:nvCxnSpPr>
-              <p:spPr>
-                <a:xfrm>
-                  <a:off x="8955824" y="9257264"/>
-                  <a:ext cx="0" cy="2750252"/>
-                </a:xfrm>
-                <a:prstGeom prst="line">
-                  <a:avLst/>
-                </a:prstGeom>
-                <a:ln w="9525" cap="flat" cmpd="sng" algn="ctr">
-                  <a:solidFill>
-                    <a:schemeClr val="dk1"/>
-                  </a:solidFill>
-                  <a:prstDash val="dash"/>
-                  <a:round/>
-                  <a:headEnd type="none" w="med" len="med"/>
-                  <a:tailEnd type="none" w="med" len="med"/>
-                </a:ln>
-              </p:spPr>
-              <p:style>
-                <a:lnRef idx="0">
-                  <a:scrgbClr r="0" g="0" b="0"/>
-                </a:lnRef>
-                <a:fillRef idx="0">
-                  <a:scrgbClr r="0" g="0" b="0"/>
-                </a:fillRef>
-                <a:effectRef idx="0">
-                  <a:scrgbClr r="0" g="0" b="0"/>
-                </a:effectRef>
-                <a:fontRef idx="minor">
-                  <a:schemeClr val="tx1"/>
-                </a:fontRef>
-              </p:style>
-            </p:cxnSp>
-            <mc:AlternateContent xmlns:mc="http://schemas.openxmlformats.org/markup-compatibility/2006" xmlns:a14="http://schemas.microsoft.com/office/drawing/2010/main">
-              <mc:Choice Requires="a14">
+            <mc:AlternateContent xmlns:mc="http://schemas.openxmlformats.org/markup-compatibility/2006">
+              <mc:Choice xmlns:a14="http://schemas.microsoft.com/office/drawing/2010/main" Requires="a14">
                 <p:sp>
                   <p:nvSpPr>
                     <p:cNvPr id="49" name="ZoneTexte 48"/>
@@ -4747,8 +4708,8 @@
                   </p:nvSpPr>
                   <p:spPr>
                     <a:xfrm>
-                      <a:off x="9368937" y="9004272"/>
-                      <a:ext cx="2338137" cy="292068"/>
+                      <a:off x="9126222" y="9243720"/>
+                      <a:ext cx="2955632" cy="361894"/>
                     </a:xfrm>
                     <a:prstGeom prst="rect">
                       <a:avLst/>
@@ -4766,14 +4727,14 @@
                           <m:sSub>
                             <m:sSubPr>
                               <m:ctrlPr>
-                                <a:rPr lang="fr-FR" sz="1200" b="1" i="1" smtClean="0">
+                                <a:rPr lang="fr-FR" sz="1600" b="1" i="1" smtClean="0">
                                   <a:latin typeface="Cambria Math" panose="02040503050406030204" pitchFamily="18" charset="0"/>
                                 </a:rPr>
                               </m:ctrlPr>
                             </m:sSubPr>
                             <m:e>
                               <m:r>
-                                <a:rPr lang="fr-FR" sz="1200" b="1" i="1" smtClean="0">
+                                <a:rPr lang="fr-FR" sz="1600" b="1" i="1" smtClean="0">
                                   <a:latin typeface="Cambria Math" panose="02040503050406030204" pitchFamily="18" charset="0"/>
                                   <a:ea typeface="Cambria Math" panose="02040503050406030204" pitchFamily="18" charset="0"/>
                                 </a:rPr>
@@ -4782,7 +4743,7 @@
                             </m:e>
                             <m:sub>
                               <m:r>
-                                <a:rPr lang="fr-FR" sz="1200" b="1" i="1" smtClean="0">
+                                <a:rPr lang="fr-FR" sz="1600" b="1" i="1" smtClean="0">
                                   <a:latin typeface="Cambria Math" panose="02040503050406030204" pitchFamily="18" charset="0"/>
                                 </a:rPr>
                                 <m:t>𝒈𝒍𝒐𝒃𝒂𝒍</m:t>
@@ -4790,19 +4751,19 @@
                             </m:sub>
                           </m:sSub>
                           <m:r>
-                            <a:rPr lang="fr-FR" sz="1200" b="1" i="1" smtClean="0">
+                            <a:rPr lang="fr-FR" sz="1600" b="1" i="1" smtClean="0">
                               <a:latin typeface="Cambria Math" panose="02040503050406030204" pitchFamily="18" charset="0"/>
                             </a:rPr>
                             <m:t>=</m:t>
                           </m:r>
                           <m:r>
-                            <a:rPr lang="fr-FR" sz="1200" b="1" i="1" smtClean="0">
+                            <a:rPr lang="fr-FR" sz="1600" b="1" i="1" smtClean="0">
                               <a:latin typeface="Cambria Math" panose="02040503050406030204" pitchFamily="18" charset="0"/>
                             </a:rPr>
                             <m:t>𝟏𝟎𝟎</m:t>
                           </m:r>
                           <m:r>
-                            <a:rPr lang="fr-FR" sz="1200" b="1" i="1" smtClean="0">
+                            <a:rPr lang="fr-FR" sz="1600" b="1" i="1" smtClean="0">
                               <a:latin typeface="Cambria Math" panose="02040503050406030204" pitchFamily="18" charset="0"/>
                             </a:rPr>
                             <m:t> %</m:t>
@@ -4810,28 +4771,21 @@
                         </m:oMath>
                       </a14:m>
                       <a:r>
-                        <a:rPr lang="fr-FR" sz="1200" b="1" dirty="0" smtClean="0">
+                        <a:rPr lang="fr-FR" sz="1400" b="1" dirty="0" smtClean="0">
                           <a:latin typeface="Arial" panose="020B0604020202020204" pitchFamily="34" charset="0"/>
                           <a:cs typeface="Arial" panose="020B0604020202020204" pitchFamily="34" charset="0"/>
                         </a:rPr>
-                        <a:t> </a:t>
+                        <a:t> (</a:t>
                       </a:r>
                       <a:r>
-                        <a:rPr lang="fr-FR" sz="1100" b="1" dirty="0" smtClean="0">
-                          <a:latin typeface="Arial" panose="020B0604020202020204" pitchFamily="34" charset="0"/>
-                          <a:cs typeface="Arial" panose="020B0604020202020204" pitchFamily="34" charset="0"/>
-                        </a:rPr>
-                        <a:t>(</a:t>
-                      </a:r>
-                      <a:r>
-                        <a:rPr lang="fr-FR" sz="1100" b="1" dirty="0">
+                        <a:rPr lang="fr-FR" sz="1400" b="1" dirty="0">
                           <a:latin typeface="Arial" panose="020B0604020202020204" pitchFamily="34" charset="0"/>
                           <a:cs typeface="Arial" panose="020B0604020202020204" pitchFamily="34" charset="0"/>
                         </a:rPr>
                         <a:t>2160 </a:t>
                       </a:r>
                       <a:r>
-                        <a:rPr lang="fr-FR" sz="1100" b="1" dirty="0" smtClean="0">
+                        <a:rPr lang="fr-FR" sz="1400" b="1" dirty="0" smtClean="0">
                           <a:latin typeface="Arial" panose="020B0604020202020204" pitchFamily="34" charset="0"/>
                           <a:cs typeface="Arial" panose="020B0604020202020204" pitchFamily="34" charset="0"/>
                         </a:rPr>
@@ -4841,7 +4795,7 @@
                   </p:txBody>
                 </p:sp>
               </mc:Choice>
-              <mc:Fallback xmlns="">
+              <mc:Fallback>
                 <p:sp>
                   <p:nvSpPr>
                     <p:cNvPr id="49" name="ZoneTexte 48"/>
@@ -4852,8 +4806,8 @@
                   </p:nvSpPr>
                   <p:spPr>
                     <a:xfrm>
-                      <a:off x="9368937" y="9004272"/>
-                      <a:ext cx="2338137" cy="292068"/>
+                      <a:off x="9126222" y="9243720"/>
+                      <a:ext cx="2955632" cy="361894"/>
                     </a:xfrm>
                     <a:prstGeom prst="rect">
                       <a:avLst/>
@@ -4861,7 +4815,7 @@
                     <a:blipFill>
                       <a:blip r:embed="rId12"/>
                       <a:stretch>
-                        <a:fillRect b="-6250"/>
+                        <a:fillRect b="-8333"/>
                       </a:stretch>
                     </a:blipFill>
                   </p:spPr>
@@ -4890,8 +4844,8 @@
                   </p:nvSpPr>
                   <p:spPr>
                     <a:xfrm>
-                      <a:off x="9368937" y="9536221"/>
-                      <a:ext cx="1942521" cy="294568"/>
+                      <a:off x="9655379" y="9790646"/>
+                      <a:ext cx="2426474" cy="361894"/>
                     </a:xfrm>
                     <a:prstGeom prst="rect">
                       <a:avLst/>
@@ -4914,14 +4868,14 @@
                             <m:sSub>
                               <m:sSubPr>
                                 <m:ctrlPr>
-                                  <a:rPr lang="fr-FR" sz="1200" b="1" i="1" smtClean="0">
+                                  <a:rPr lang="fr-FR" sz="1600" b="1" i="1" smtClean="0">
                                     <a:latin typeface="Cambria Math" panose="02040503050406030204" pitchFamily="18" charset="0"/>
                                   </a:rPr>
                                 </m:ctrlPr>
                               </m:sSubPr>
                               <m:e>
                                 <m:r>
-                                  <a:rPr lang="fr-FR" sz="1200" b="1" i="1" smtClean="0">
+                                  <a:rPr lang="fr-FR" sz="1600" b="1" i="1" smtClean="0">
                                     <a:latin typeface="Cambria Math" panose="02040503050406030204" pitchFamily="18" charset="0"/>
                                     <a:ea typeface="Cambria Math" panose="02040503050406030204" pitchFamily="18" charset="0"/>
                                   </a:rPr>
@@ -4930,19 +4884,19 @@
                               </m:e>
                               <m:sub>
                                 <m:r>
-                                  <a:rPr lang="fr-FR" sz="1200" b="1" i="1" smtClean="0">
+                                  <a:rPr lang="fr-FR" sz="1600" b="1" i="1" smtClean="0">
                                     <a:latin typeface="Cambria Math" panose="02040503050406030204" pitchFamily="18" charset="0"/>
                                   </a:rPr>
                                   <m:t>𝒊𝒏𝒕𝒆𝒓</m:t>
                                 </m:r>
                                 <m:r>
-                                  <a:rPr lang="fr-FR" sz="1200" b="1" i="1" smtClean="0">
+                                  <a:rPr lang="fr-FR" sz="1600" b="1" i="1" smtClean="0">
                                     <a:latin typeface="Cambria Math" panose="02040503050406030204" pitchFamily="18" charset="0"/>
                                   </a:rPr>
                                   <m:t>−</m:t>
                                 </m:r>
                                 <m:r>
-                                  <a:rPr lang="fr-FR" sz="1200" b="1" i="1" smtClean="0">
+                                  <a:rPr lang="fr-FR" sz="1600" b="1" i="1" smtClean="0">
                                     <a:latin typeface="Cambria Math" panose="02040503050406030204" pitchFamily="18" charset="0"/>
                                   </a:rPr>
                                   <m:t>𝒓𝒆𝒈𝒊𝒐𝒏</m:t>
@@ -4950,31 +4904,31 @@
                               </m:sub>
                             </m:sSub>
                             <m:r>
-                              <a:rPr lang="fr-FR" sz="1200" b="1" i="1" smtClean="0">
+                              <a:rPr lang="fr-FR" sz="1600" b="1" i="1" smtClean="0">
                                 <a:latin typeface="Cambria Math" panose="02040503050406030204" pitchFamily="18" charset="0"/>
                               </a:rPr>
                               <m:t>=</m:t>
                             </m:r>
                             <m:r>
-                              <a:rPr lang="fr-FR" sz="1200" b="1" i="1" smtClean="0">
+                              <a:rPr lang="fr-FR" sz="1600" b="1" i="1" smtClean="0">
                                 <a:latin typeface="Cambria Math" panose="02040503050406030204" pitchFamily="18" charset="0"/>
                               </a:rPr>
                               <m:t>𝟕𝟒</m:t>
                             </m:r>
                             <m:r>
-                              <a:rPr lang="fr-FR" sz="1200" b="1" i="1" smtClean="0">
+                              <a:rPr lang="fr-FR" sz="1600" b="1" i="1" smtClean="0">
                                 <a:latin typeface="Cambria Math" panose="02040503050406030204" pitchFamily="18" charset="0"/>
                               </a:rPr>
                               <m:t>.</m:t>
                             </m:r>
                             <m:r>
-                              <a:rPr lang="fr-FR" sz="1200" b="1" i="1" smtClean="0">
+                              <a:rPr lang="fr-FR" sz="1600" b="1" i="1" smtClean="0">
                                 <a:latin typeface="Cambria Math" panose="02040503050406030204" pitchFamily="18" charset="0"/>
                               </a:rPr>
                               <m:t>𝟓</m:t>
                             </m:r>
                             <m:r>
-                              <a:rPr lang="fr-FR" sz="1200" b="1" i="1" smtClean="0">
+                              <a:rPr lang="fr-FR" sz="1600" b="1" i="1" smtClean="0">
                                 <a:latin typeface="Cambria Math" panose="02040503050406030204" pitchFamily="18" charset="0"/>
                               </a:rPr>
                               <m:t> %</m:t>
@@ -4982,7 +4936,7 @@
                           </m:oMath>
                         </m:oMathPara>
                       </a14:m>
-                      <a:endParaRPr lang="fr-FR" sz="1200" b="1" dirty="0" smtClean="0">
+                      <a:endParaRPr lang="fr-FR" sz="1400" b="1" dirty="0" smtClean="0">
                         <a:latin typeface="Arial" panose="020B0604020202020204" pitchFamily="34" charset="0"/>
                         <a:cs typeface="Arial" panose="020B0604020202020204" pitchFamily="34" charset="0"/>
                       </a:endParaRPr>
@@ -5001,8 +4955,8 @@
                   </p:nvSpPr>
                   <p:spPr>
                     <a:xfrm>
-                      <a:off x="9368937" y="9536221"/>
-                      <a:ext cx="1942521" cy="294568"/>
+                      <a:off x="9655379" y="9790646"/>
+                      <a:ext cx="2426474" cy="361894"/>
                     </a:xfrm>
                     <a:prstGeom prst="rect">
                       <a:avLst/>
@@ -5010,7 +4964,7 @@
                     <a:blipFill>
                       <a:blip r:embed="rId13"/>
                       <a:stretch>
-                        <a:fillRect/>
+                        <a:fillRect b="-5085"/>
                       </a:stretch>
                     </a:blipFill>
                   </p:spPr>
@@ -5029,8 +4983,8 @@
                 </p:sp>
               </mc:Fallback>
             </mc:AlternateContent>
-            <mc:AlternateContent xmlns:mc="http://schemas.openxmlformats.org/markup-compatibility/2006" xmlns:a14="http://schemas.microsoft.com/office/drawing/2010/main">
-              <mc:Choice Requires="a14">
+            <mc:AlternateContent xmlns:mc="http://schemas.openxmlformats.org/markup-compatibility/2006">
+              <mc:Choice xmlns:a14="http://schemas.microsoft.com/office/drawing/2010/main" Requires="a14">
                 <p:sp>
                   <p:nvSpPr>
                     <p:cNvPr id="51" name="ZoneTexte 50"/>
@@ -5039,8 +4993,8 @@
                   </p:nvSpPr>
                   <p:spPr>
                     <a:xfrm>
-                      <a:off x="9368937" y="10167538"/>
-                      <a:ext cx="1482884" cy="281167"/>
+                      <a:off x="9655379" y="10337572"/>
+                      <a:ext cx="1966768" cy="344133"/>
                     </a:xfrm>
                     <a:prstGeom prst="rect">
                       <a:avLst/>
@@ -5063,7 +5017,7 @@
                             <m:sSub>
                               <m:sSubPr>
                                 <m:ctrlPr>
-                                  <a:rPr lang="fr-FR" sz="1200" b="1" i="1" smtClean="0">
+                                  <a:rPr lang="fr-FR" sz="1600" b="1" i="1" smtClean="0">
                                     <a:latin typeface="Cambria Math" panose="02040503050406030204" pitchFamily="18" charset="0"/>
                                   </a:rPr>
                                 </m:ctrlPr>
@@ -5073,14 +5027,14 @@
                                   <m:accPr>
                                     <m:chr m:val="̅"/>
                                     <m:ctrlPr>
-                                      <a:rPr lang="fr-FR" sz="1200" b="1" i="1" smtClean="0">
+                                      <a:rPr lang="fr-FR" sz="1600" b="1" i="1" smtClean="0">
                                         <a:latin typeface="Cambria Math" panose="02040503050406030204" pitchFamily="18" charset="0"/>
                                       </a:rPr>
                                     </m:ctrlPr>
                                   </m:accPr>
                                   <m:e>
                                     <m:r>
-                                      <a:rPr lang="fr-FR" sz="1200" b="1" i="1" smtClean="0">
+                                      <a:rPr lang="fr-FR" sz="1600" b="1" i="1" smtClean="0">
                                         <a:latin typeface="Cambria Math" panose="02040503050406030204" pitchFamily="18" charset="0"/>
                                         <a:ea typeface="Cambria Math" panose="02040503050406030204" pitchFamily="18" charset="0"/>
                                       </a:rPr>
@@ -5091,19 +5045,19 @@
                               </m:e>
                               <m:sub>
                                 <m:r>
-                                  <a:rPr lang="fr-FR" sz="1200" b="1" i="1" smtClean="0">
+                                  <a:rPr lang="fr-FR" sz="1600" b="1" i="1" smtClean="0">
                                     <a:latin typeface="Cambria Math" panose="02040503050406030204" pitchFamily="18" charset="0"/>
                                   </a:rPr>
                                   <m:t>𝒊𝒏𝒕𝒆𝒓</m:t>
                                 </m:r>
                                 <m:r>
-                                  <a:rPr lang="fr-FR" sz="1200" b="1" i="1" smtClean="0">
+                                  <a:rPr lang="fr-FR" sz="1600" b="1" i="1" smtClean="0">
                                     <a:latin typeface="Cambria Math" panose="02040503050406030204" pitchFamily="18" charset="0"/>
                                   </a:rPr>
                                   <m:t>−</m:t>
                                 </m:r>
                                 <m:r>
-                                  <a:rPr lang="fr-FR" sz="1200" b="1" i="1" smtClean="0">
+                                  <a:rPr lang="fr-FR" sz="1600" b="1" i="1" smtClean="0">
                                     <a:latin typeface="Cambria Math" panose="02040503050406030204" pitchFamily="18" charset="0"/>
                                   </a:rPr>
                                   <m:t>𝒔𝒊𝒕𝒆</m:t>
@@ -5111,19 +5065,19 @@
                               </m:sub>
                             </m:sSub>
                             <m:r>
-                              <a:rPr lang="fr-FR" sz="1200" b="1" i="1" smtClean="0">
+                              <a:rPr lang="fr-FR" sz="1600" b="1" i="1" smtClean="0">
                                 <a:latin typeface="Cambria Math" panose="02040503050406030204" pitchFamily="18" charset="0"/>
                               </a:rPr>
                               <m:t>=</m:t>
                             </m:r>
                             <m:r>
-                              <a:rPr lang="fr-FR" sz="1200" b="1" i="1" smtClean="0">
+                              <a:rPr lang="fr-FR" sz="1600" b="1" i="1" smtClean="0">
                                 <a:latin typeface="Cambria Math" panose="02040503050406030204" pitchFamily="18" charset="0"/>
                               </a:rPr>
                               <m:t>𝟏𝟒</m:t>
                             </m:r>
                             <m:r>
-                              <a:rPr lang="fr-FR" sz="1200" b="1" i="1" smtClean="0">
+                              <a:rPr lang="fr-FR" sz="1600" b="1" i="1" smtClean="0">
                                 <a:latin typeface="Cambria Math" panose="02040503050406030204" pitchFamily="18" charset="0"/>
                               </a:rPr>
                               <m:t> %</m:t>
@@ -5131,7 +5085,7 @@
                           </m:oMath>
                         </m:oMathPara>
                       </a14:m>
-                      <a:endParaRPr lang="fr-FR" sz="1200" b="1" dirty="0" smtClean="0">
+                      <a:endParaRPr lang="fr-FR" sz="1400" b="1" dirty="0" smtClean="0">
                         <a:latin typeface="Arial" panose="020B0604020202020204" pitchFamily="34" charset="0"/>
                         <a:cs typeface="Arial" panose="020B0604020202020204" pitchFamily="34" charset="0"/>
                       </a:endParaRPr>
@@ -5139,7 +5093,7 @@
                   </p:txBody>
                 </p:sp>
               </mc:Choice>
-              <mc:Fallback xmlns="">
+              <mc:Fallback>
                 <p:sp>
                   <p:nvSpPr>
                     <p:cNvPr id="51" name="ZoneTexte 50"/>
@@ -5150,8 +5104,8 @@
                   </p:nvSpPr>
                   <p:spPr>
                     <a:xfrm>
-                      <a:off x="9368937" y="10167538"/>
-                      <a:ext cx="1482884" cy="281167"/>
+                      <a:off x="9655379" y="10337572"/>
+                      <a:ext cx="1966768" cy="344133"/>
                     </a:xfrm>
                     <a:prstGeom prst="rect">
                       <a:avLst/>
@@ -5159,7 +5113,7 @@
                     <a:blipFill>
                       <a:blip r:embed="rId14"/>
                       <a:stretch>
-                        <a:fillRect b="-6522"/>
+                        <a:fillRect b="-12500"/>
                       </a:stretch>
                     </a:blipFill>
                   </p:spPr>
@@ -5178,8 +5132,8 @@
                 </p:sp>
               </mc:Fallback>
             </mc:AlternateContent>
-            <mc:AlternateContent xmlns:mc="http://schemas.openxmlformats.org/markup-compatibility/2006" xmlns:a14="http://schemas.microsoft.com/office/drawing/2010/main">
-              <mc:Choice Requires="a14">
+            <mc:AlternateContent xmlns:mc="http://schemas.openxmlformats.org/markup-compatibility/2006">
+              <mc:Choice xmlns:a14="http://schemas.microsoft.com/office/drawing/2010/main" Requires="a14">
                 <p:sp>
                   <p:nvSpPr>
                     <p:cNvPr id="52" name="ZoneTexte 51"/>
@@ -5188,8 +5142,8 @@
                   </p:nvSpPr>
                   <p:spPr>
                     <a:xfrm>
-                      <a:off x="9368937" y="10883931"/>
-                      <a:ext cx="1544944" cy="281167"/>
+                      <a:off x="9655379" y="11068600"/>
+                      <a:ext cx="2055558" cy="344133"/>
                     </a:xfrm>
                     <a:prstGeom prst="rect">
                       <a:avLst/>
@@ -5212,7 +5166,7 @@
                             <m:sSub>
                               <m:sSubPr>
                                 <m:ctrlPr>
-                                  <a:rPr lang="fr-FR" sz="1200" b="1" i="1" smtClean="0">
+                                  <a:rPr lang="fr-FR" sz="1600" b="1" i="1" smtClean="0">
                                     <a:latin typeface="Cambria Math" panose="02040503050406030204" pitchFamily="18" charset="0"/>
                                   </a:rPr>
                                 </m:ctrlPr>
@@ -5222,14 +5176,14 @@
                                   <m:accPr>
                                     <m:chr m:val="̅"/>
                                     <m:ctrlPr>
-                                      <a:rPr lang="fr-FR" sz="1200" b="1" i="1" smtClean="0">
+                                      <a:rPr lang="fr-FR" sz="1600" b="1" i="1" smtClean="0">
                                         <a:latin typeface="Cambria Math" panose="02040503050406030204" pitchFamily="18" charset="0"/>
                                       </a:rPr>
                                     </m:ctrlPr>
                                   </m:accPr>
                                   <m:e>
                                     <m:r>
-                                      <a:rPr lang="fr-FR" sz="1200" b="1" i="1" smtClean="0">
+                                      <a:rPr lang="fr-FR" sz="1600" b="1" i="1" smtClean="0">
                                         <a:latin typeface="Cambria Math" panose="02040503050406030204" pitchFamily="18" charset="0"/>
                                         <a:ea typeface="Cambria Math" panose="02040503050406030204" pitchFamily="18" charset="0"/>
                                       </a:rPr>
@@ -5240,19 +5194,19 @@
                               </m:e>
                               <m:sub>
                                 <m:r>
-                                  <a:rPr lang="fr-FR" sz="1200" b="1" i="1" smtClean="0">
+                                  <a:rPr lang="fr-FR" sz="1600" b="1" i="1" smtClean="0">
                                     <a:latin typeface="Cambria Math" panose="02040503050406030204" pitchFamily="18" charset="0"/>
                                   </a:rPr>
                                   <m:t>𝒊𝒏𝒕𝒆𝒓</m:t>
                                 </m:r>
                                 <m:r>
-                                  <a:rPr lang="fr-FR" sz="1200" b="1" i="1" smtClean="0">
+                                  <a:rPr lang="fr-FR" sz="1600" b="1" i="1" smtClean="0">
                                     <a:latin typeface="Cambria Math" panose="02040503050406030204" pitchFamily="18" charset="0"/>
                                   </a:rPr>
                                   <m:t>−</m:t>
                                 </m:r>
                                 <m:r>
-                                  <a:rPr lang="fr-FR" sz="1200" b="1" i="1" smtClean="0">
+                                  <a:rPr lang="fr-FR" sz="1600" b="1" i="1" smtClean="0">
                                     <a:latin typeface="Cambria Math" panose="02040503050406030204" pitchFamily="18" charset="0"/>
                                   </a:rPr>
                                   <m:t>𝒔𝒕𝒂𝒕𝒊𝒐𝒏</m:t>
@@ -5260,19 +5214,19 @@
                               </m:sub>
                             </m:sSub>
                             <m:r>
-                              <a:rPr lang="fr-FR" sz="1200" b="1" i="1" smtClean="0">
+                              <a:rPr lang="fr-FR" sz="1600" b="1" i="1" smtClean="0">
                                 <a:latin typeface="Cambria Math" panose="02040503050406030204" pitchFamily="18" charset="0"/>
                               </a:rPr>
                               <m:t>=</m:t>
                             </m:r>
                             <m:r>
-                              <a:rPr lang="fr-FR" sz="1200" b="1" i="1" smtClean="0">
+                              <a:rPr lang="fr-FR" sz="1600" b="1" i="1" smtClean="0">
                                 <a:latin typeface="Cambria Math" panose="02040503050406030204" pitchFamily="18" charset="0"/>
                               </a:rPr>
                               <m:t>𝟕</m:t>
                             </m:r>
                             <m:r>
-                              <a:rPr lang="fr-FR" sz="1200" b="1" i="1" smtClean="0">
+                              <a:rPr lang="fr-FR" sz="1600" b="1" i="1" smtClean="0">
                                 <a:latin typeface="Cambria Math" panose="02040503050406030204" pitchFamily="18" charset="0"/>
                               </a:rPr>
                               <m:t> %</m:t>
@@ -5280,7 +5234,7 @@
                           </m:oMath>
                         </m:oMathPara>
                       </a14:m>
-                      <a:endParaRPr lang="fr-FR" sz="1200" b="1" dirty="0" smtClean="0">
+                      <a:endParaRPr lang="fr-FR" sz="1400" b="1" dirty="0" smtClean="0">
                         <a:latin typeface="Arial" panose="020B0604020202020204" pitchFamily="34" charset="0"/>
                         <a:cs typeface="Arial" panose="020B0604020202020204" pitchFamily="34" charset="0"/>
                       </a:endParaRPr>
@@ -5288,7 +5242,7 @@
                   </p:txBody>
                 </p:sp>
               </mc:Choice>
-              <mc:Fallback xmlns="">
+              <mc:Fallback>
                 <p:sp>
                   <p:nvSpPr>
                     <p:cNvPr id="52" name="ZoneTexte 51"/>
@@ -5299,8 +5253,8 @@
                   </p:nvSpPr>
                   <p:spPr>
                     <a:xfrm>
-                      <a:off x="9368937" y="10883931"/>
-                      <a:ext cx="1544944" cy="281167"/>
+                      <a:off x="9655379" y="11068600"/>
+                      <a:ext cx="2055558" cy="344133"/>
                     </a:xfrm>
                     <a:prstGeom prst="rect">
                       <a:avLst/>
@@ -5308,7 +5262,7 @@
                     <a:blipFill>
                       <a:blip r:embed="rId15"/>
                       <a:stretch>
-                        <a:fillRect b="-8696"/>
+                        <a:fillRect b="-12500"/>
                       </a:stretch>
                     </a:blipFill>
                   </p:spPr>
@@ -5337,8 +5291,8 @@
                   </p:nvSpPr>
                   <p:spPr>
                     <a:xfrm>
-                      <a:off x="9368937" y="11658923"/>
-                      <a:ext cx="1348536" cy="287471"/>
+                      <a:off x="9655379" y="11797522"/>
+                      <a:ext cx="1825070" cy="338554"/>
                     </a:xfrm>
                     <a:prstGeom prst="rect">
                       <a:avLst/>
@@ -5361,7 +5315,7 @@
                             <m:sSub>
                               <m:sSubPr>
                                 <m:ctrlPr>
-                                  <a:rPr lang="fr-FR" sz="1200" b="1" i="1" smtClean="0">
+                                  <a:rPr lang="fr-FR" sz="1600" b="1" i="1" smtClean="0">
                                     <a:latin typeface="Cambria Math" panose="02040503050406030204" pitchFamily="18" charset="0"/>
                                   </a:rPr>
                                 </m:ctrlPr>
@@ -5371,14 +5325,14 @@
                                   <m:accPr>
                                     <m:chr m:val="̅"/>
                                     <m:ctrlPr>
-                                      <a:rPr lang="fr-FR" sz="1200" b="1" i="1" smtClean="0">
+                                      <a:rPr lang="fr-FR" sz="1600" b="1" i="1" smtClean="0">
                                         <a:latin typeface="Cambria Math" panose="02040503050406030204" pitchFamily="18" charset="0"/>
                                       </a:rPr>
                                     </m:ctrlPr>
                                   </m:accPr>
                                   <m:e>
                                     <m:r>
-                                      <a:rPr lang="fr-FR" sz="1200" b="1" i="1" smtClean="0">
+                                      <a:rPr lang="fr-FR" sz="1600" b="1" i="1" smtClean="0">
                                         <a:latin typeface="Cambria Math" panose="02040503050406030204" pitchFamily="18" charset="0"/>
                                         <a:ea typeface="Cambria Math" panose="02040503050406030204" pitchFamily="18" charset="0"/>
                                       </a:rPr>
@@ -5389,7 +5343,7 @@
                               </m:e>
                               <m:sub>
                                 <m:r>
-                                  <a:rPr lang="fr-FR" sz="1200" b="1" i="1" smtClean="0">
+                                  <a:rPr lang="fr-FR" sz="1600" b="1" i="1" smtClean="0">
                                     <a:latin typeface="Cambria Math" panose="02040503050406030204" pitchFamily="18" charset="0"/>
                                   </a:rPr>
                                   <m:t>𝒔𝒕𝒂𝒕𝒊𝒐𝒏</m:t>
@@ -5397,31 +5351,31 @@
                               </m:sub>
                             </m:sSub>
                             <m:r>
-                              <a:rPr lang="fr-FR" sz="1200" b="1" i="1" smtClean="0">
+                              <a:rPr lang="fr-FR" sz="1600" b="1" i="1" smtClean="0">
                                 <a:latin typeface="Cambria Math" panose="02040503050406030204" pitchFamily="18" charset="0"/>
                               </a:rPr>
                               <m:t>=</m:t>
                             </m:r>
                             <m:r>
-                              <a:rPr lang="fr-FR" sz="1200" b="1" i="1" smtClean="0">
+                              <a:rPr lang="fr-FR" sz="1600" b="1" i="1" smtClean="0">
                                 <a:latin typeface="Cambria Math" panose="02040503050406030204" pitchFamily="18" charset="0"/>
                               </a:rPr>
                               <m:t>𝟒</m:t>
                             </m:r>
                             <m:r>
-                              <a:rPr lang="fr-FR" sz="1200" b="1" i="1" smtClean="0">
+                              <a:rPr lang="fr-FR" sz="1600" b="1" i="1" smtClean="0">
                                 <a:latin typeface="Cambria Math" panose="02040503050406030204" pitchFamily="18" charset="0"/>
                               </a:rPr>
                               <m:t>.</m:t>
                             </m:r>
                             <m:r>
-                              <a:rPr lang="fr-FR" sz="1200" b="1" i="1" smtClean="0">
+                              <a:rPr lang="fr-FR" sz="1600" b="1" i="1" smtClean="0">
                                 <a:latin typeface="Cambria Math" panose="02040503050406030204" pitchFamily="18" charset="0"/>
                               </a:rPr>
                               <m:t>𝟓</m:t>
                             </m:r>
                             <m:r>
-                              <a:rPr lang="fr-FR" sz="1200" b="1" i="1" smtClean="0">
+                              <a:rPr lang="fr-FR" sz="1600" b="1" i="1" smtClean="0">
                                 <a:latin typeface="Cambria Math" panose="02040503050406030204" pitchFamily="18" charset="0"/>
                               </a:rPr>
                               <m:t> %</m:t>
@@ -5429,7 +5383,7 @@
                           </m:oMath>
                         </m:oMathPara>
                       </a14:m>
-                      <a:endParaRPr lang="fr-FR" sz="1200" b="1" dirty="0" smtClean="0">
+                      <a:endParaRPr lang="fr-FR" sz="1400" b="1" dirty="0" smtClean="0">
                         <a:latin typeface="Arial" panose="020B0604020202020204" pitchFamily="34" charset="0"/>
                         <a:cs typeface="Arial" panose="020B0604020202020204" pitchFamily="34" charset="0"/>
                       </a:endParaRPr>
@@ -5448,8 +5402,8 @@
                   </p:nvSpPr>
                   <p:spPr>
                     <a:xfrm>
-                      <a:off x="9368937" y="11658923"/>
-                      <a:ext cx="1348536" cy="287471"/>
+                      <a:off x="9655379" y="11797522"/>
+                      <a:ext cx="1825070" cy="338554"/>
                     </a:xfrm>
                     <a:prstGeom prst="rect">
                       <a:avLst/>
@@ -5484,8 +5438,8 @@
               </p:nvSpPr>
               <p:spPr>
                 <a:xfrm>
-                  <a:off x="8698829" y="9252669"/>
-                  <a:ext cx="695363" cy="246221"/>
+                  <a:off x="11348879" y="8987133"/>
+                  <a:ext cx="695363" cy="261610"/>
                 </a:xfrm>
                 <a:prstGeom prst="rect">
                   <a:avLst/>
@@ -5501,13 +5455,13 @@
                 <a:lstStyle/>
                 <a:p>
                   <a:r>
-                    <a:rPr lang="fr-FR" sz="1000" dirty="0" smtClean="0">
+                    <a:rPr lang="fr-FR" sz="1100" dirty="0" smtClean="0">
                       <a:latin typeface="Arial" panose="020B0604020202020204" pitchFamily="34" charset="0"/>
                       <a:cs typeface="Arial" panose="020B0604020202020204" pitchFamily="34" charset="0"/>
                     </a:rPr>
                     <a:t>100 %</a:t>
                   </a:r>
-                  <a:endParaRPr lang="fr-FR" sz="1000" dirty="0">
+                  <a:endParaRPr lang="fr-FR" sz="1100" dirty="0">
                     <a:latin typeface="Arial" panose="020B0604020202020204" pitchFamily="34" charset="0"/>
                     <a:cs typeface="Arial" panose="020B0604020202020204" pitchFamily="34" charset="0"/>
                   </a:endParaRPr>
@@ -5554,7 +5508,7 @@
             <p:spPr>
               <a:xfrm>
                 <a:off x="519220" y="819418"/>
-                <a:ext cx="490996" cy="338554"/>
+                <a:ext cx="490996" cy="369332"/>
               </a:xfrm>
               <a:prstGeom prst="rect">
                 <a:avLst/>
@@ -5568,13 +5522,13 @@
               <a:lstStyle/>
               <a:p>
                 <a:r>
-                  <a:rPr lang="fr-FR" sz="1600" b="1" dirty="0" smtClean="0">
+                  <a:rPr lang="fr-FR" b="1" dirty="0" smtClean="0">
                     <a:latin typeface="Arial" panose="020B0604020202020204" pitchFamily="34" charset="0"/>
                     <a:cs typeface="Arial" panose="020B0604020202020204" pitchFamily="34" charset="0"/>
                   </a:rPr>
                   <a:t>a</a:t>
                 </a:r>
-                <a:endParaRPr lang="fr-FR" sz="1600" b="1" dirty="0">
+                <a:endParaRPr lang="fr-FR" b="1" dirty="0">
                   <a:latin typeface="Arial" panose="020B0604020202020204" pitchFamily="34" charset="0"/>
                   <a:cs typeface="Arial" panose="020B0604020202020204" pitchFamily="34" charset="0"/>
                 </a:endParaRPr>
@@ -5590,7 +5544,7 @@
             <p:spPr>
               <a:xfrm>
                 <a:off x="519220" y="6638101"/>
-                <a:ext cx="490996" cy="338554"/>
+                <a:ext cx="490996" cy="369332"/>
               </a:xfrm>
               <a:prstGeom prst="rect">
                 <a:avLst/>
@@ -5604,13 +5558,13 @@
               <a:lstStyle/>
               <a:p>
                 <a:r>
-                  <a:rPr lang="fr-FR" sz="1600" b="1" dirty="0" smtClean="0">
+                  <a:rPr lang="fr-FR" b="1" dirty="0" smtClean="0">
                     <a:latin typeface="Arial" panose="020B0604020202020204" pitchFamily="34" charset="0"/>
                     <a:cs typeface="Arial" panose="020B0604020202020204" pitchFamily="34" charset="0"/>
                   </a:rPr>
                   <a:t>b</a:t>
                 </a:r>
-                <a:endParaRPr lang="fr-FR" sz="1600" b="1" dirty="0">
+                <a:endParaRPr lang="fr-FR" b="1" dirty="0">
                   <a:latin typeface="Arial" panose="020B0604020202020204" pitchFamily="34" charset="0"/>
                   <a:cs typeface="Arial" panose="020B0604020202020204" pitchFamily="34" charset="0"/>
                 </a:endParaRPr>
